--- a/Network Proposal.pptx
+++ b/Network Proposal.pptx
@@ -2,21 +2,18 @@
 <file path=ppt/presentation.xml><?xml version="1.0" encoding="utf-8"?>
 <p:presentation xmlns:a="http://schemas.openxmlformats.org/drawingml/2006/main" xmlns:r="http://schemas.openxmlformats.org/officeDocument/2006/relationships" xmlns:p="http://schemas.openxmlformats.org/presentationml/2006/main" saveSubsetFonts="1">
   <p:sldMasterIdLst>
-    <p:sldMasterId id="2147483648" r:id="rId1"/>
+    <p:sldMasterId id="2147483660" r:id="rId1"/>
   </p:sldMasterIdLst>
   <p:sldIdLst>
     <p:sldId id="256" r:id="rId2"/>
     <p:sldId id="257" r:id="rId3"/>
     <p:sldId id="258" r:id="rId4"/>
     <p:sldId id="259" r:id="rId5"/>
-    <p:sldId id="260" r:id="rId6"/>
+    <p:sldId id="268" r:id="rId6"/>
     <p:sldId id="261" r:id="rId7"/>
-    <p:sldId id="262" r:id="rId8"/>
-    <p:sldId id="263" r:id="rId9"/>
-    <p:sldId id="264" r:id="rId10"/>
-    <p:sldId id="265" r:id="rId11"/>
-    <p:sldId id="266" r:id="rId12"/>
-    <p:sldId id="267" r:id="rId13"/>
+    <p:sldId id="263" r:id="rId8"/>
+    <p:sldId id="264" r:id="rId9"/>
+    <p:sldId id="265" r:id="rId10"/>
   </p:sldIdLst>
   <p:sldSz cx="12192000" cy="6858000"/>
   <p:notesSz cx="6858000" cy="9144000"/>
@@ -115,11 +112,16 @@
       </a:defRPr>
     </a:lvl9pPr>
   </p:defaultTextStyle>
+  <p:extLst>
+    <p:ext uri="{EFAFB233-063F-42B5-8137-9DF3F51BA10A}">
+      <p15:sldGuideLst xmlns:p15="http://schemas.microsoft.com/office/powerpoint/2012/main"/>
+    </p:ext>
+  </p:extLst>
 </p:presentation>
 </file>
 
 <file path=ppt/slideLayouts/slideLayout1.xml><?xml version="1.0" encoding="utf-8"?>
-<p:sldLayout xmlns:a="http://schemas.openxmlformats.org/drawingml/2006/main" xmlns:r="http://schemas.openxmlformats.org/officeDocument/2006/relationships" xmlns:p="http://schemas.openxmlformats.org/presentationml/2006/main" type="title" preserve="1">
+<p:sldLayout xmlns:a="http://schemas.openxmlformats.org/drawingml/2006/main" xmlns:r="http://schemas.openxmlformats.org/officeDocument/2006/relationships" xmlns:p="http://schemas.openxmlformats.org/presentationml/2006/main" showMasterSp="0" type="title" preserve="1">
   <p:cSld name="Title Slide">
     <p:spTree>
       <p:nvGrpSpPr>
@@ -137,6 +139,82 @@
       </p:grpSpPr>
       <p:sp>
         <p:nvSpPr>
+          <p:cNvPr id="7" name="Rectangle 6"/>
+          <p:cNvSpPr/>
+          <p:nvPr/>
+        </p:nvSpPr>
+        <p:spPr>
+          <a:xfrm>
+            <a:off x="3175" y="6400800"/>
+            <a:ext cx="12188825" cy="457200"/>
+          </a:xfrm>
+          <a:prstGeom prst="rect">
+            <a:avLst/>
+          </a:prstGeom>
+          <a:solidFill>
+            <a:schemeClr val="accent2"/>
+          </a:solidFill>
+          <a:ln>
+            <a:noFill/>
+          </a:ln>
+        </p:spPr>
+        <p:style>
+          <a:lnRef idx="2">
+            <a:schemeClr val="accent1">
+              <a:shade val="50000"/>
+            </a:schemeClr>
+          </a:lnRef>
+          <a:fillRef idx="1">
+            <a:schemeClr val="accent1"/>
+          </a:fillRef>
+          <a:effectRef idx="0">
+            <a:schemeClr val="accent1"/>
+          </a:effectRef>
+          <a:fontRef idx="minor">
+            <a:schemeClr val="lt1"/>
+          </a:fontRef>
+        </p:style>
+      </p:sp>
+      <p:sp>
+        <p:nvSpPr>
+          <p:cNvPr id="8" name="Rectangle 7"/>
+          <p:cNvSpPr/>
+          <p:nvPr/>
+        </p:nvSpPr>
+        <p:spPr>
+          <a:xfrm>
+            <a:off x="15" y="6334316"/>
+            <a:ext cx="12188825" cy="64008"/>
+          </a:xfrm>
+          <a:prstGeom prst="rect">
+            <a:avLst/>
+          </a:prstGeom>
+          <a:solidFill>
+            <a:schemeClr val="accent1"/>
+          </a:solidFill>
+          <a:ln>
+            <a:noFill/>
+          </a:ln>
+        </p:spPr>
+        <p:style>
+          <a:lnRef idx="2">
+            <a:schemeClr val="accent1">
+              <a:shade val="50000"/>
+            </a:schemeClr>
+          </a:lnRef>
+          <a:fillRef idx="1">
+            <a:schemeClr val="accent1"/>
+          </a:fillRef>
+          <a:effectRef idx="0">
+            <a:schemeClr val="accent1"/>
+          </a:effectRef>
+          <a:fontRef idx="minor">
+            <a:schemeClr val="lt1"/>
+          </a:fontRef>
+        </p:style>
+      </p:sp>
+      <p:sp>
+        <p:nvSpPr>
           <p:cNvPr id="2" name="Title 1"/>
           <p:cNvSpPr>
             <a:spLocks noGrp="1"/>
@@ -147,15 +225,27 @@
         </p:nvSpPr>
         <p:spPr>
           <a:xfrm>
-            <a:off x="1524000" y="1122363"/>
-            <a:ext cx="9144000" cy="2387600"/>
-          </a:xfrm>
-        </p:spPr>
-        <p:txBody>
-          <a:bodyPr anchor="b"/>
+            <a:off x="1097280" y="758952"/>
+            <a:ext cx="10058400" cy="3566160"/>
+          </a:xfrm>
+        </p:spPr>
+        <p:txBody>
+          <a:bodyPr anchor="b">
+            <a:normAutofit/>
+          </a:bodyPr>
           <a:lstStyle>
-            <a:lvl1pPr algn="ctr">
-              <a:defRPr sz="6000"/>
+            <a:lvl1pPr algn="l">
+              <a:lnSpc>
+                <a:spcPct val="85000"/>
+              </a:lnSpc>
+              <a:defRPr sz="8000" spc="-50" baseline="0">
+                <a:solidFill>
+                  <a:schemeClr val="tx1">
+                    <a:lumMod val="85000"/>
+                    <a:lumOff val="15000"/>
+                  </a:schemeClr>
+                </a:solidFill>
+              </a:defRPr>
             </a:lvl1pPr>
           </a:lstStyle>
           <a:p>
@@ -163,7 +253,7 @@
               <a:rPr lang="en-US" smtClean="0"/>
               <a:t>Click to edit Master title style</a:t>
             </a:r>
-            <a:endParaRPr lang="en-US"/>
+            <a:endParaRPr lang="en-US" dirty="0"/>
           </a:p>
         </p:txBody>
       </p:sp>
@@ -179,48 +269,55 @@
         </p:nvSpPr>
         <p:spPr>
           <a:xfrm>
-            <a:off x="1524000" y="3602038"/>
-            <a:ext cx="9144000" cy="1655762"/>
-          </a:xfrm>
-        </p:spPr>
-        <p:txBody>
-          <a:bodyPr/>
+            <a:off x="1100051" y="4455620"/>
+            <a:ext cx="10058400" cy="1143000"/>
+          </a:xfrm>
+        </p:spPr>
+        <p:txBody>
+          <a:bodyPr lIns="91440" rIns="91440">
+            <a:normAutofit/>
+          </a:bodyPr>
           <a:lstStyle>
-            <a:lvl1pPr marL="0" indent="0" algn="ctr">
+            <a:lvl1pPr marL="0" indent="0" algn="l">
               <a:buNone/>
-              <a:defRPr sz="2400"/>
+              <a:defRPr sz="2400" cap="all" spc="200" baseline="0">
+                <a:solidFill>
+                  <a:schemeClr val="tx2"/>
+                </a:solidFill>
+                <a:latin typeface="+mj-lt"/>
+              </a:defRPr>
             </a:lvl1pPr>
             <a:lvl2pPr marL="457200" indent="0" algn="ctr">
               <a:buNone/>
-              <a:defRPr sz="2000"/>
+              <a:defRPr sz="2400"/>
             </a:lvl2pPr>
             <a:lvl3pPr marL="914400" indent="0" algn="ctr">
               <a:buNone/>
-              <a:defRPr sz="1800"/>
+              <a:defRPr sz="2400"/>
             </a:lvl3pPr>
             <a:lvl4pPr marL="1371600" indent="0" algn="ctr">
               <a:buNone/>
-              <a:defRPr sz="1600"/>
+              <a:defRPr sz="2000"/>
             </a:lvl4pPr>
             <a:lvl5pPr marL="1828800" indent="0" algn="ctr">
               <a:buNone/>
-              <a:defRPr sz="1600"/>
+              <a:defRPr sz="2000"/>
             </a:lvl5pPr>
             <a:lvl6pPr marL="2286000" indent="0" algn="ctr">
               <a:buNone/>
-              <a:defRPr sz="1600"/>
+              <a:defRPr sz="2000"/>
             </a:lvl6pPr>
             <a:lvl7pPr marL="2743200" indent="0" algn="ctr">
               <a:buNone/>
-              <a:defRPr sz="1600"/>
+              <a:defRPr sz="2000"/>
             </a:lvl7pPr>
             <a:lvl8pPr marL="3200400" indent="0" algn="ctr">
               <a:buNone/>
-              <a:defRPr sz="1600"/>
+              <a:defRPr sz="2000"/>
             </a:lvl8pPr>
             <a:lvl9pPr marL="3657600" indent="0" algn="ctr">
               <a:buNone/>
-              <a:defRPr sz="1600"/>
+              <a:defRPr sz="2000"/>
             </a:lvl9pPr>
           </a:lstStyle>
           <a:p>
@@ -228,7 +325,7 @@
               <a:rPr lang="en-US" smtClean="0"/>
               <a:t>Click to edit Master subtitle style</a:t>
             </a:r>
-            <a:endParaRPr lang="en-US"/>
+            <a:endParaRPr lang="en-US" dirty="0"/>
           </a:p>
         </p:txBody>
       </p:sp>
@@ -249,7 +346,7 @@
           <a:p>
             <a:fld id="{4F66A34D-70BD-4BD9-A557-9BEAE0DBCE13}" type="datetimeFigureOut">
               <a:rPr lang="en-US" smtClean="0"/>
-              <a:t>11/19/2018</a:t>
+              <a:t>11/27/2018</a:t>
             </a:fld>
             <a:endParaRPr lang="en-US"/>
           </a:p>
@@ -297,10 +394,48 @@
           </a:p>
         </p:txBody>
       </p:sp>
+      <p:cxnSp>
+        <p:nvCxnSpPr>
+          <p:cNvPr id="9" name="Straight Connector 8"/>
+          <p:cNvCxnSpPr/>
+          <p:nvPr/>
+        </p:nvCxnSpPr>
+        <p:spPr>
+          <a:xfrm>
+            <a:off x="1207658" y="4343400"/>
+            <a:ext cx="9875520" cy="0"/>
+          </a:xfrm>
+          <a:prstGeom prst="line">
+            <a:avLst/>
+          </a:prstGeom>
+          <a:ln w="6350">
+            <a:solidFill>
+              <a:schemeClr val="tx1">
+                <a:lumMod val="50000"/>
+                <a:lumOff val="50000"/>
+              </a:schemeClr>
+            </a:solidFill>
+          </a:ln>
+        </p:spPr>
+        <p:style>
+          <a:lnRef idx="1">
+            <a:schemeClr val="accent1"/>
+          </a:lnRef>
+          <a:fillRef idx="0">
+            <a:schemeClr val="accent1"/>
+          </a:fillRef>
+          <a:effectRef idx="0">
+            <a:schemeClr val="accent1"/>
+          </a:effectRef>
+          <a:fontRef idx="minor">
+            <a:schemeClr val="tx1"/>
+          </a:fontRef>
+        </p:style>
+      </p:cxnSp>
     </p:spTree>
     <p:extLst>
       <p:ext uri="{BB962C8B-B14F-4D97-AF65-F5344CB8AC3E}">
-        <p14:creationId xmlns:p14="http://schemas.microsoft.com/office/powerpoint/2010/main" val="32957940"/>
+        <p14:creationId xmlns:p14="http://schemas.microsoft.com/office/powerpoint/2010/main" val="2122177070"/>
       </p:ext>
     </p:extLst>
   </p:cSld>
@@ -346,7 +481,7 @@
               <a:rPr lang="en-US" smtClean="0"/>
               <a:t>Click to edit Master title style</a:t>
             </a:r>
-            <a:endParaRPr lang="en-US"/>
+            <a:endParaRPr lang="en-US" dirty="0"/>
           </a:p>
         </p:txBody>
       </p:sp>
@@ -362,7 +497,7 @@
         </p:nvSpPr>
         <p:spPr/>
         <p:txBody>
-          <a:bodyPr vert="eaVert"/>
+          <a:bodyPr vert="eaVert" lIns="45720" tIns="0" rIns="45720" bIns="0"/>
           <a:lstStyle/>
           <a:p>
             <a:pPr lvl="0"/>
@@ -398,7 +533,7 @@
               <a:rPr lang="en-US" smtClean="0"/>
               <a:t>Fifth level</a:t>
             </a:r>
-            <a:endParaRPr lang="en-US"/>
+            <a:endParaRPr lang="en-US" dirty="0"/>
           </a:p>
         </p:txBody>
       </p:sp>
@@ -419,7 +554,7 @@
           <a:p>
             <a:fld id="{4F66A34D-70BD-4BD9-A557-9BEAE0DBCE13}" type="datetimeFigureOut">
               <a:rPr lang="en-US" smtClean="0"/>
-              <a:t>11/19/2018</a:t>
+              <a:t>11/27/2018</a:t>
             </a:fld>
             <a:endParaRPr lang="en-US"/>
           </a:p>
@@ -470,7 +605,7 @@
     </p:spTree>
     <p:extLst>
       <p:ext uri="{BB962C8B-B14F-4D97-AF65-F5344CB8AC3E}">
-        <p14:creationId xmlns:p14="http://schemas.microsoft.com/office/powerpoint/2010/main" val="2297788613"/>
+        <p14:creationId xmlns:p14="http://schemas.microsoft.com/office/powerpoint/2010/main" val="3649062835"/>
       </p:ext>
     </p:extLst>
   </p:cSld>
@@ -481,7 +616,7 @@
 </file>
 
 <file path=ppt/slideLayouts/slideLayout11.xml><?xml version="1.0" encoding="utf-8"?>
-<p:sldLayout xmlns:a="http://schemas.openxmlformats.org/drawingml/2006/main" xmlns:r="http://schemas.openxmlformats.org/officeDocument/2006/relationships" xmlns:p="http://schemas.openxmlformats.org/presentationml/2006/main" type="vertTitleAndTx" preserve="1">
+<p:sldLayout xmlns:a="http://schemas.openxmlformats.org/drawingml/2006/main" xmlns:r="http://schemas.openxmlformats.org/officeDocument/2006/relationships" xmlns:p="http://schemas.openxmlformats.org/presentationml/2006/main" showMasterSp="0" type="vertTitleAndTx" preserve="1">
   <p:cSld name="Vertical Title and Text">
     <p:spTree>
       <p:nvGrpSpPr>
@@ -499,6 +634,82 @@
       </p:grpSpPr>
       <p:sp>
         <p:nvSpPr>
+          <p:cNvPr id="7" name="Rectangle 6"/>
+          <p:cNvSpPr/>
+          <p:nvPr/>
+        </p:nvSpPr>
+        <p:spPr>
+          <a:xfrm>
+            <a:off x="3175" y="6400800"/>
+            <a:ext cx="12188825" cy="457200"/>
+          </a:xfrm>
+          <a:prstGeom prst="rect">
+            <a:avLst/>
+          </a:prstGeom>
+          <a:solidFill>
+            <a:schemeClr val="accent2"/>
+          </a:solidFill>
+          <a:ln>
+            <a:noFill/>
+          </a:ln>
+        </p:spPr>
+        <p:style>
+          <a:lnRef idx="2">
+            <a:schemeClr val="accent1">
+              <a:shade val="50000"/>
+            </a:schemeClr>
+          </a:lnRef>
+          <a:fillRef idx="1">
+            <a:schemeClr val="accent1"/>
+          </a:fillRef>
+          <a:effectRef idx="0">
+            <a:schemeClr val="accent1"/>
+          </a:effectRef>
+          <a:fontRef idx="minor">
+            <a:schemeClr val="lt1"/>
+          </a:fontRef>
+        </p:style>
+      </p:sp>
+      <p:sp>
+        <p:nvSpPr>
+          <p:cNvPr id="8" name="Rectangle 7"/>
+          <p:cNvSpPr/>
+          <p:nvPr/>
+        </p:nvSpPr>
+        <p:spPr>
+          <a:xfrm>
+            <a:off x="15" y="6334316"/>
+            <a:ext cx="12188825" cy="64008"/>
+          </a:xfrm>
+          <a:prstGeom prst="rect">
+            <a:avLst/>
+          </a:prstGeom>
+          <a:solidFill>
+            <a:schemeClr val="accent1"/>
+          </a:solidFill>
+          <a:ln>
+            <a:noFill/>
+          </a:ln>
+        </p:spPr>
+        <p:style>
+          <a:lnRef idx="2">
+            <a:schemeClr val="accent1">
+              <a:shade val="50000"/>
+            </a:schemeClr>
+          </a:lnRef>
+          <a:fillRef idx="1">
+            <a:schemeClr val="accent1"/>
+          </a:fillRef>
+          <a:effectRef idx="0">
+            <a:schemeClr val="accent1"/>
+          </a:effectRef>
+          <a:fontRef idx="minor">
+            <a:schemeClr val="lt1"/>
+          </a:fontRef>
+        </p:style>
+      </p:sp>
+      <p:sp>
+        <p:nvSpPr>
           <p:cNvPr id="2" name="Vertical Title 1"/>
           <p:cNvSpPr>
             <a:spLocks noGrp="1"/>
@@ -509,8 +720,8 @@
         </p:nvSpPr>
         <p:spPr>
           <a:xfrm>
-            <a:off x="8724900" y="365125"/>
-            <a:ext cx="2628900" cy="5811838"/>
+            <a:off x="8724900" y="414778"/>
+            <a:ext cx="2628900" cy="5757421"/>
           </a:xfrm>
         </p:spPr>
         <p:txBody>
@@ -521,7 +732,7 @@
               <a:rPr lang="en-US" smtClean="0"/>
               <a:t>Click to edit Master title style</a:t>
             </a:r>
-            <a:endParaRPr lang="en-US"/>
+            <a:endParaRPr lang="en-US" dirty="0"/>
           </a:p>
         </p:txBody>
       </p:sp>
@@ -537,12 +748,12 @@
         </p:nvSpPr>
         <p:spPr>
           <a:xfrm>
-            <a:off x="838200" y="365125"/>
-            <a:ext cx="7734300" cy="5811838"/>
-          </a:xfrm>
-        </p:spPr>
-        <p:txBody>
-          <a:bodyPr vert="eaVert"/>
+            <a:off x="838200" y="414778"/>
+            <a:ext cx="7734300" cy="5757422"/>
+          </a:xfrm>
+        </p:spPr>
+        <p:txBody>
+          <a:bodyPr vert="eaVert" lIns="45720" tIns="0" rIns="45720" bIns="0"/>
           <a:lstStyle/>
           <a:p>
             <a:pPr lvl="0"/>
@@ -578,7 +789,7 @@
               <a:rPr lang="en-US" smtClean="0"/>
               <a:t>Fifth level</a:t>
             </a:r>
-            <a:endParaRPr lang="en-US"/>
+            <a:endParaRPr lang="en-US" dirty="0"/>
           </a:p>
         </p:txBody>
       </p:sp>
@@ -599,7 +810,7 @@
           <a:p>
             <a:fld id="{4F66A34D-70BD-4BD9-A557-9BEAE0DBCE13}" type="datetimeFigureOut">
               <a:rPr lang="en-US" smtClean="0"/>
-              <a:t>11/19/2018</a:t>
+              <a:t>11/27/2018</a:t>
             </a:fld>
             <a:endParaRPr lang="en-US"/>
           </a:p>
@@ -650,7 +861,7 @@
     </p:spTree>
     <p:extLst>
       <p:ext uri="{BB962C8B-B14F-4D97-AF65-F5344CB8AC3E}">
-        <p14:creationId xmlns:p14="http://schemas.microsoft.com/office/powerpoint/2010/main" val="3777605875"/>
+        <p14:creationId xmlns:p14="http://schemas.microsoft.com/office/powerpoint/2010/main" val="92468637"/>
       </p:ext>
     </p:extLst>
   </p:cSld>
@@ -690,13 +901,17 @@
         <p:spPr/>
         <p:txBody>
           <a:bodyPr/>
-          <a:lstStyle/>
+          <a:lstStyle>
+            <a:lvl1pPr marL="0">
+              <a:defRPr/>
+            </a:lvl1pPr>
+          </a:lstStyle>
           <a:p>
             <a:r>
               <a:rPr lang="en-US" smtClean="0"/>
               <a:t>Click to edit Master title style</a:t>
             </a:r>
-            <a:endParaRPr lang="en-US"/>
+            <a:endParaRPr lang="en-US" dirty="0"/>
           </a:p>
         </p:txBody>
       </p:sp>
@@ -748,7 +963,7 @@
               <a:rPr lang="en-US" smtClean="0"/>
               <a:t>Fifth level</a:t>
             </a:r>
-            <a:endParaRPr lang="en-US"/>
+            <a:endParaRPr lang="en-US" dirty="0"/>
           </a:p>
         </p:txBody>
       </p:sp>
@@ -769,7 +984,7 @@
           <a:p>
             <a:fld id="{4F66A34D-70BD-4BD9-A557-9BEAE0DBCE13}" type="datetimeFigureOut">
               <a:rPr lang="en-US" smtClean="0"/>
-              <a:t>11/19/2018</a:t>
+              <a:t>11/27/2018</a:t>
             </a:fld>
             <a:endParaRPr lang="en-US"/>
           </a:p>
@@ -820,7 +1035,7 @@
     </p:spTree>
     <p:extLst>
       <p:ext uri="{BB962C8B-B14F-4D97-AF65-F5344CB8AC3E}">
-        <p14:creationId xmlns:p14="http://schemas.microsoft.com/office/powerpoint/2010/main" val="1775854154"/>
+        <p14:creationId xmlns:p14="http://schemas.microsoft.com/office/powerpoint/2010/main" val="3193826831"/>
       </p:ext>
     </p:extLst>
   </p:cSld>
@@ -831,8 +1046,16 @@
 </file>
 
 <file path=ppt/slideLayouts/slideLayout3.xml><?xml version="1.0" encoding="utf-8"?>
-<p:sldLayout xmlns:a="http://schemas.openxmlformats.org/drawingml/2006/main" xmlns:r="http://schemas.openxmlformats.org/officeDocument/2006/relationships" xmlns:p="http://schemas.openxmlformats.org/presentationml/2006/main" type="secHead" preserve="1">
+<p:sldLayout xmlns:a="http://schemas.openxmlformats.org/drawingml/2006/main" xmlns:r="http://schemas.openxmlformats.org/officeDocument/2006/relationships" xmlns:p="http://schemas.openxmlformats.org/presentationml/2006/main" showMasterSp="0" type="secHead" preserve="1">
   <p:cSld name="Section Header">
+    <p:bg>
+      <p:bgPr>
+        <a:solidFill>
+          <a:schemeClr val="bg1"/>
+        </a:solidFill>
+        <a:effectLst/>
+      </p:bgPr>
+    </p:bg>
     <p:spTree>
       <p:nvGrpSpPr>
         <p:cNvPr id="1" name=""/>
@@ -849,6 +1072,82 @@
       </p:grpSpPr>
       <p:sp>
         <p:nvSpPr>
+          <p:cNvPr id="7" name="Rectangle 6"/>
+          <p:cNvSpPr/>
+          <p:nvPr/>
+        </p:nvSpPr>
+        <p:spPr>
+          <a:xfrm>
+            <a:off x="3175" y="6400800"/>
+            <a:ext cx="12188825" cy="457200"/>
+          </a:xfrm>
+          <a:prstGeom prst="rect">
+            <a:avLst/>
+          </a:prstGeom>
+          <a:solidFill>
+            <a:schemeClr val="accent2"/>
+          </a:solidFill>
+          <a:ln>
+            <a:noFill/>
+          </a:ln>
+        </p:spPr>
+        <p:style>
+          <a:lnRef idx="2">
+            <a:schemeClr val="accent1">
+              <a:shade val="50000"/>
+            </a:schemeClr>
+          </a:lnRef>
+          <a:fillRef idx="1">
+            <a:schemeClr val="accent1"/>
+          </a:fillRef>
+          <a:effectRef idx="0">
+            <a:schemeClr val="accent1"/>
+          </a:effectRef>
+          <a:fontRef idx="minor">
+            <a:schemeClr val="lt1"/>
+          </a:fontRef>
+        </p:style>
+      </p:sp>
+      <p:sp>
+        <p:nvSpPr>
+          <p:cNvPr id="8" name="Rectangle 7"/>
+          <p:cNvSpPr/>
+          <p:nvPr/>
+        </p:nvSpPr>
+        <p:spPr>
+          <a:xfrm>
+            <a:off x="15" y="6334316"/>
+            <a:ext cx="12188825" cy="64008"/>
+          </a:xfrm>
+          <a:prstGeom prst="rect">
+            <a:avLst/>
+          </a:prstGeom>
+          <a:solidFill>
+            <a:schemeClr val="accent1"/>
+          </a:solidFill>
+          <a:ln>
+            <a:noFill/>
+          </a:ln>
+        </p:spPr>
+        <p:style>
+          <a:lnRef idx="2">
+            <a:schemeClr val="accent1">
+              <a:shade val="50000"/>
+            </a:schemeClr>
+          </a:lnRef>
+          <a:fillRef idx="1">
+            <a:schemeClr val="accent1"/>
+          </a:fillRef>
+          <a:effectRef idx="0">
+            <a:schemeClr val="accent1"/>
+          </a:effectRef>
+          <a:fontRef idx="minor">
+            <a:schemeClr val="lt1"/>
+          </a:fontRef>
+        </p:style>
+      </p:sp>
+      <p:sp>
+        <p:nvSpPr>
           <p:cNvPr id="2" name="Title 1"/>
           <p:cNvSpPr>
             <a:spLocks noGrp="1"/>
@@ -859,15 +1158,27 @@
         </p:nvSpPr>
         <p:spPr>
           <a:xfrm>
-            <a:off x="831850" y="1709738"/>
-            <a:ext cx="10515600" cy="2852737"/>
-          </a:xfrm>
-        </p:spPr>
-        <p:txBody>
-          <a:bodyPr anchor="b"/>
+            <a:off x="1097280" y="758952"/>
+            <a:ext cx="10058400" cy="3566160"/>
+          </a:xfrm>
+        </p:spPr>
+        <p:txBody>
+          <a:bodyPr anchor="b" anchorCtr="0">
+            <a:normAutofit/>
+          </a:bodyPr>
           <a:lstStyle>
             <a:lvl1pPr>
-              <a:defRPr sz="6000"/>
+              <a:lnSpc>
+                <a:spcPct val="85000"/>
+              </a:lnSpc>
+              <a:defRPr sz="8000" b="0">
+                <a:solidFill>
+                  <a:schemeClr val="tx1">
+                    <a:lumMod val="85000"/>
+                    <a:lumOff val="15000"/>
+                  </a:schemeClr>
+                </a:solidFill>
+              </a:defRPr>
             </a:lvl1pPr>
           </a:lstStyle>
           <a:p>
@@ -875,7 +1186,7 @@
               <a:rPr lang="en-US" smtClean="0"/>
               <a:t>Click to edit Master title style</a:t>
             </a:r>
-            <a:endParaRPr lang="en-US"/>
+            <a:endParaRPr lang="en-US" dirty="0"/>
           </a:p>
         </p:txBody>
       </p:sp>
@@ -891,26 +1202,27 @@
         </p:nvSpPr>
         <p:spPr>
           <a:xfrm>
-            <a:off x="831850" y="4589463"/>
-            <a:ext cx="10515600" cy="1500187"/>
-          </a:xfrm>
-        </p:spPr>
-        <p:txBody>
-          <a:bodyPr/>
+            <a:off x="1097280" y="4453128"/>
+            <a:ext cx="10058400" cy="1143000"/>
+          </a:xfrm>
+        </p:spPr>
+        <p:txBody>
+          <a:bodyPr lIns="91440" rIns="91440" anchor="t" anchorCtr="0">
+            <a:normAutofit/>
+          </a:bodyPr>
           <a:lstStyle>
             <a:lvl1pPr marL="0" indent="0">
               <a:buNone/>
-              <a:defRPr sz="2400">
+              <a:defRPr sz="2400" cap="all" spc="200" baseline="0">
                 <a:solidFill>
-                  <a:schemeClr val="tx1">
-                    <a:tint val="75000"/>
-                  </a:schemeClr>
+                  <a:schemeClr val="tx2"/>
                 </a:solidFill>
+                <a:latin typeface="+mj-lt"/>
               </a:defRPr>
             </a:lvl1pPr>
             <a:lvl2pPr marL="457200" indent="0">
               <a:buNone/>
-              <a:defRPr sz="2000">
+              <a:defRPr sz="1800">
                 <a:solidFill>
                   <a:schemeClr val="tx1">
                     <a:tint val="75000"/>
@@ -920,7 +1232,7 @@
             </a:lvl2pPr>
             <a:lvl3pPr marL="914400" indent="0">
               <a:buNone/>
-              <a:defRPr sz="1800">
+              <a:defRPr sz="1600">
                 <a:solidFill>
                   <a:schemeClr val="tx1">
                     <a:tint val="75000"/>
@@ -930,7 +1242,7 @@
             </a:lvl3pPr>
             <a:lvl4pPr marL="1371600" indent="0">
               <a:buNone/>
-              <a:defRPr sz="1600">
+              <a:defRPr sz="1400">
                 <a:solidFill>
                   <a:schemeClr val="tx1">
                     <a:tint val="75000"/>
@@ -940,7 +1252,7 @@
             </a:lvl4pPr>
             <a:lvl5pPr marL="1828800" indent="0">
               <a:buNone/>
-              <a:defRPr sz="1600">
+              <a:defRPr sz="1400">
                 <a:solidFill>
                   <a:schemeClr val="tx1">
                     <a:tint val="75000"/>
@@ -950,7 +1262,7 @@
             </a:lvl5pPr>
             <a:lvl6pPr marL="2286000" indent="0">
               <a:buNone/>
-              <a:defRPr sz="1600">
+              <a:defRPr sz="1400">
                 <a:solidFill>
                   <a:schemeClr val="tx1">
                     <a:tint val="75000"/>
@@ -960,7 +1272,7 @@
             </a:lvl6pPr>
             <a:lvl7pPr marL="2743200" indent="0">
               <a:buNone/>
-              <a:defRPr sz="1600">
+              <a:defRPr sz="1400">
                 <a:solidFill>
                   <a:schemeClr val="tx1">
                     <a:tint val="75000"/>
@@ -970,7 +1282,7 @@
             </a:lvl7pPr>
             <a:lvl8pPr marL="3200400" indent="0">
               <a:buNone/>
-              <a:defRPr sz="1600">
+              <a:defRPr sz="1400">
                 <a:solidFill>
                   <a:schemeClr val="tx1">
                     <a:tint val="75000"/>
@@ -980,7 +1292,7 @@
             </a:lvl8pPr>
             <a:lvl9pPr marL="3657600" indent="0">
               <a:buNone/>
-              <a:defRPr sz="1600">
+              <a:defRPr sz="1400">
                 <a:solidFill>
                   <a:schemeClr val="tx1">
                     <a:tint val="75000"/>
@@ -1015,7 +1327,7 @@
           <a:p>
             <a:fld id="{4F66A34D-70BD-4BD9-A557-9BEAE0DBCE13}" type="datetimeFigureOut">
               <a:rPr lang="en-US" smtClean="0"/>
-              <a:t>11/19/2018</a:t>
+              <a:t>11/27/2018</a:t>
             </a:fld>
             <a:endParaRPr lang="en-US"/>
           </a:p>
@@ -1063,10 +1375,48 @@
           </a:p>
         </p:txBody>
       </p:sp>
+      <p:cxnSp>
+        <p:nvCxnSpPr>
+          <p:cNvPr id="9" name="Straight Connector 8"/>
+          <p:cNvCxnSpPr/>
+          <p:nvPr/>
+        </p:nvCxnSpPr>
+        <p:spPr>
+          <a:xfrm>
+            <a:off x="1207658" y="4343400"/>
+            <a:ext cx="9875520" cy="0"/>
+          </a:xfrm>
+          <a:prstGeom prst="line">
+            <a:avLst/>
+          </a:prstGeom>
+          <a:ln w="6350">
+            <a:solidFill>
+              <a:schemeClr val="tx1">
+                <a:lumMod val="50000"/>
+                <a:lumOff val="50000"/>
+              </a:schemeClr>
+            </a:solidFill>
+          </a:ln>
+        </p:spPr>
+        <p:style>
+          <a:lnRef idx="1">
+            <a:schemeClr val="accent1"/>
+          </a:lnRef>
+          <a:fillRef idx="0">
+            <a:schemeClr val="accent1"/>
+          </a:fillRef>
+          <a:effectRef idx="0">
+            <a:schemeClr val="accent1"/>
+          </a:effectRef>
+          <a:fontRef idx="minor">
+            <a:schemeClr val="tx1"/>
+          </a:fontRef>
+        </p:style>
+      </p:cxnSp>
     </p:spTree>
     <p:extLst>
       <p:ext uri="{BB962C8B-B14F-4D97-AF65-F5344CB8AC3E}">
-        <p14:creationId xmlns:p14="http://schemas.microsoft.com/office/powerpoint/2010/main" val="873891086"/>
+        <p14:creationId xmlns:p14="http://schemas.microsoft.com/office/powerpoint/2010/main" val="3823243541"/>
       </p:ext>
     </p:extLst>
   </p:cSld>
@@ -1095,7 +1445,7 @@
       </p:grpSpPr>
       <p:sp>
         <p:nvSpPr>
-          <p:cNvPr id="2" name="Title 1"/>
+          <p:cNvPr id="8" name="Title 7"/>
           <p:cNvSpPr>
             <a:spLocks noGrp="1"/>
           </p:cNvSpPr>
@@ -1103,7 +1453,12 @@
             <p:ph type="title"/>
           </p:nvPr>
         </p:nvSpPr>
-        <p:spPr/>
+        <p:spPr>
+          <a:xfrm>
+            <a:off x="1097280" y="286603"/>
+            <a:ext cx="10058400" cy="1450757"/>
+          </a:xfrm>
+        </p:spPr>
         <p:txBody>
           <a:bodyPr/>
           <a:lstStyle/>
@@ -1112,7 +1467,7 @@
               <a:rPr lang="en-US" smtClean="0"/>
               <a:t>Click to edit Master title style</a:t>
             </a:r>
-            <a:endParaRPr lang="en-US"/>
+            <a:endParaRPr lang="en-US" dirty="0"/>
           </a:p>
         </p:txBody>
       </p:sp>
@@ -1128,8 +1483,8 @@
         </p:nvSpPr>
         <p:spPr>
           <a:xfrm>
-            <a:off x="838200" y="1825625"/>
-            <a:ext cx="5181600" cy="4351338"/>
+            <a:off x="1097279" y="1845734"/>
+            <a:ext cx="4937760" cy="4023360"/>
           </a:xfrm>
         </p:spPr>
         <p:txBody>
@@ -1169,7 +1524,7 @@
               <a:rPr lang="en-US" smtClean="0"/>
               <a:t>Fifth level</a:t>
             </a:r>
-            <a:endParaRPr lang="en-US"/>
+            <a:endParaRPr lang="en-US" dirty="0"/>
           </a:p>
         </p:txBody>
       </p:sp>
@@ -1185,8 +1540,8 @@
         </p:nvSpPr>
         <p:spPr>
           <a:xfrm>
-            <a:off x="6172200" y="1825625"/>
-            <a:ext cx="5181600" cy="4351338"/>
+            <a:off x="6217920" y="1845735"/>
+            <a:ext cx="4937760" cy="4023360"/>
           </a:xfrm>
         </p:spPr>
         <p:txBody>
@@ -1226,7 +1581,7 @@
               <a:rPr lang="en-US" smtClean="0"/>
               <a:t>Fifth level</a:t>
             </a:r>
-            <a:endParaRPr lang="en-US"/>
+            <a:endParaRPr lang="en-US" dirty="0"/>
           </a:p>
         </p:txBody>
       </p:sp>
@@ -1247,7 +1602,7 @@
           <a:p>
             <a:fld id="{4F66A34D-70BD-4BD9-A557-9BEAE0DBCE13}" type="datetimeFigureOut">
               <a:rPr lang="en-US" smtClean="0"/>
-              <a:t>11/19/2018</a:t>
+              <a:t>11/27/2018</a:t>
             </a:fld>
             <a:endParaRPr lang="en-US"/>
           </a:p>
@@ -1298,7 +1653,7 @@
     </p:spTree>
     <p:extLst>
       <p:ext uri="{BB962C8B-B14F-4D97-AF65-F5344CB8AC3E}">
-        <p14:creationId xmlns:p14="http://schemas.microsoft.com/office/powerpoint/2010/main" val="4099504186"/>
+        <p14:creationId xmlns:p14="http://schemas.microsoft.com/office/powerpoint/2010/main" val="4017573445"/>
       </p:ext>
     </p:extLst>
   </p:cSld>
@@ -1327,7 +1682,7 @@
       </p:grpSpPr>
       <p:sp>
         <p:nvSpPr>
-          <p:cNvPr id="2" name="Title 1"/>
+          <p:cNvPr id="10" name="Title 9"/>
           <p:cNvSpPr>
             <a:spLocks noGrp="1"/>
           </p:cNvSpPr>
@@ -1337,8 +1692,8 @@
         </p:nvSpPr>
         <p:spPr>
           <a:xfrm>
-            <a:off x="839788" y="365125"/>
-            <a:ext cx="10515600" cy="1325563"/>
+            <a:off x="1097280" y="286603"/>
+            <a:ext cx="10058400" cy="1450757"/>
           </a:xfrm>
         </p:spPr>
         <p:txBody>
@@ -1349,7 +1704,7 @@
               <a:rPr lang="en-US" smtClean="0"/>
               <a:t>Click to edit Master title style</a:t>
             </a:r>
-            <a:endParaRPr lang="en-US"/>
+            <a:endParaRPr lang="en-US" dirty="0"/>
           </a:p>
         </p:txBody>
       </p:sp>
@@ -1365,16 +1720,22 @@
         </p:nvSpPr>
         <p:spPr>
           <a:xfrm>
-            <a:off x="839788" y="1681163"/>
-            <a:ext cx="5157787" cy="823912"/>
-          </a:xfrm>
-        </p:spPr>
-        <p:txBody>
-          <a:bodyPr anchor="b"/>
+            <a:off x="1097280" y="1846052"/>
+            <a:ext cx="4937760" cy="736282"/>
+          </a:xfrm>
+        </p:spPr>
+        <p:txBody>
+          <a:bodyPr lIns="91440" rIns="91440" anchor="ctr">
+            <a:normAutofit/>
+          </a:bodyPr>
           <a:lstStyle>
             <a:lvl1pPr marL="0" indent="0">
               <a:buNone/>
-              <a:defRPr sz="2400" b="1"/>
+              <a:defRPr sz="2000" b="0" cap="all" baseline="0">
+                <a:solidFill>
+                  <a:schemeClr val="tx2"/>
+                </a:solidFill>
+              </a:defRPr>
             </a:lvl1pPr>
             <a:lvl2pPr marL="457200" indent="0">
               <a:buNone/>
@@ -1430,8 +1791,8 @@
         </p:nvSpPr>
         <p:spPr>
           <a:xfrm>
-            <a:off x="839788" y="2505075"/>
-            <a:ext cx="5157787" cy="3684588"/>
+            <a:off x="1097280" y="2582334"/>
+            <a:ext cx="4937760" cy="3378200"/>
           </a:xfrm>
         </p:spPr>
         <p:txBody>
@@ -1471,7 +1832,7 @@
               <a:rPr lang="en-US" smtClean="0"/>
               <a:t>Fifth level</a:t>
             </a:r>
-            <a:endParaRPr lang="en-US"/>
+            <a:endParaRPr lang="en-US" dirty="0"/>
           </a:p>
         </p:txBody>
       </p:sp>
@@ -1487,16 +1848,22 @@
         </p:nvSpPr>
         <p:spPr>
           <a:xfrm>
-            <a:off x="6172200" y="1681163"/>
-            <a:ext cx="5183188" cy="823912"/>
-          </a:xfrm>
-        </p:spPr>
-        <p:txBody>
-          <a:bodyPr anchor="b"/>
+            <a:off x="6217920" y="1846052"/>
+            <a:ext cx="4937760" cy="736282"/>
+          </a:xfrm>
+        </p:spPr>
+        <p:txBody>
+          <a:bodyPr lIns="91440" rIns="91440" anchor="ctr">
+            <a:normAutofit/>
+          </a:bodyPr>
           <a:lstStyle>
             <a:lvl1pPr marL="0" indent="0">
               <a:buNone/>
-              <a:defRPr sz="2400" b="1"/>
+              <a:defRPr sz="2000" b="0" cap="all" baseline="0">
+                <a:solidFill>
+                  <a:schemeClr val="tx2"/>
+                </a:solidFill>
+              </a:defRPr>
             </a:lvl1pPr>
             <a:lvl2pPr marL="457200" indent="0">
               <a:buNone/>
@@ -1552,8 +1919,8 @@
         </p:nvSpPr>
         <p:spPr>
           <a:xfrm>
-            <a:off x="6172200" y="2505075"/>
-            <a:ext cx="5183188" cy="3684588"/>
+            <a:off x="6217920" y="2582334"/>
+            <a:ext cx="4937760" cy="3378200"/>
           </a:xfrm>
         </p:spPr>
         <p:txBody>
@@ -1593,7 +1960,7 @@
               <a:rPr lang="en-US" smtClean="0"/>
               <a:t>Fifth level</a:t>
             </a:r>
-            <a:endParaRPr lang="en-US"/>
+            <a:endParaRPr lang="en-US" dirty="0"/>
           </a:p>
         </p:txBody>
       </p:sp>
@@ -1614,7 +1981,7 @@
           <a:p>
             <a:fld id="{4F66A34D-70BD-4BD9-A557-9BEAE0DBCE13}" type="datetimeFigureOut">
               <a:rPr lang="en-US" smtClean="0"/>
-              <a:t>11/19/2018</a:t>
+              <a:t>11/27/2018</a:t>
             </a:fld>
             <a:endParaRPr lang="en-US"/>
           </a:p>
@@ -1665,7 +2032,7 @@
     </p:spTree>
     <p:extLst>
       <p:ext uri="{BB962C8B-B14F-4D97-AF65-F5344CB8AC3E}">
-        <p14:creationId xmlns:p14="http://schemas.microsoft.com/office/powerpoint/2010/main" val="1461205523"/>
+        <p14:creationId xmlns:p14="http://schemas.microsoft.com/office/powerpoint/2010/main" val="163468082"/>
       </p:ext>
     </p:extLst>
   </p:cSld>
@@ -1711,7 +2078,7 @@
               <a:rPr lang="en-US" smtClean="0"/>
               <a:t>Click to edit Master title style</a:t>
             </a:r>
-            <a:endParaRPr lang="en-US"/>
+            <a:endParaRPr lang="en-US" dirty="0"/>
           </a:p>
         </p:txBody>
       </p:sp>
@@ -1732,7 +2099,7 @@
           <a:p>
             <a:fld id="{4F66A34D-70BD-4BD9-A557-9BEAE0DBCE13}" type="datetimeFigureOut">
               <a:rPr lang="en-US" smtClean="0"/>
-              <a:t>11/19/2018</a:t>
+              <a:t>11/27/2018</a:t>
             </a:fld>
             <a:endParaRPr lang="en-US"/>
           </a:p>
@@ -1783,7 +2150,7 @@
     </p:spTree>
     <p:extLst>
       <p:ext uri="{BB962C8B-B14F-4D97-AF65-F5344CB8AC3E}">
-        <p14:creationId xmlns:p14="http://schemas.microsoft.com/office/powerpoint/2010/main" val="2807204484"/>
+        <p14:creationId xmlns:p14="http://schemas.microsoft.com/office/powerpoint/2010/main" val="1881349846"/>
       </p:ext>
     </p:extLst>
   </p:cSld>
@@ -1794,7 +2161,7 @@
 </file>
 
 <file path=ppt/slideLayouts/slideLayout7.xml><?xml version="1.0" encoding="utf-8"?>
-<p:sldLayout xmlns:a="http://schemas.openxmlformats.org/drawingml/2006/main" xmlns:r="http://schemas.openxmlformats.org/officeDocument/2006/relationships" xmlns:p="http://schemas.openxmlformats.org/presentationml/2006/main" type="blank" preserve="1">
+<p:sldLayout xmlns:a="http://schemas.openxmlformats.org/drawingml/2006/main" xmlns:r="http://schemas.openxmlformats.org/officeDocument/2006/relationships" xmlns:p="http://schemas.openxmlformats.org/presentationml/2006/main" showMasterSp="0" type="blank" preserve="1">
   <p:cSld name="Blank">
     <p:spTree>
       <p:nvGrpSpPr>
@@ -1812,7 +2179,83 @@
       </p:grpSpPr>
       <p:sp>
         <p:nvSpPr>
-          <p:cNvPr id="2" name="Date Placeholder 1"/>
+          <p:cNvPr id="5" name="Rectangle 4"/>
+          <p:cNvSpPr/>
+          <p:nvPr/>
+        </p:nvSpPr>
+        <p:spPr>
+          <a:xfrm>
+            <a:off x="3175" y="6400800"/>
+            <a:ext cx="12188825" cy="457200"/>
+          </a:xfrm>
+          <a:prstGeom prst="rect">
+            <a:avLst/>
+          </a:prstGeom>
+          <a:solidFill>
+            <a:schemeClr val="accent2"/>
+          </a:solidFill>
+          <a:ln>
+            <a:noFill/>
+          </a:ln>
+        </p:spPr>
+        <p:style>
+          <a:lnRef idx="2">
+            <a:schemeClr val="accent1">
+              <a:shade val="50000"/>
+            </a:schemeClr>
+          </a:lnRef>
+          <a:fillRef idx="1">
+            <a:schemeClr val="accent1"/>
+          </a:fillRef>
+          <a:effectRef idx="0">
+            <a:schemeClr val="accent1"/>
+          </a:effectRef>
+          <a:fontRef idx="minor">
+            <a:schemeClr val="lt1"/>
+          </a:fontRef>
+        </p:style>
+      </p:sp>
+      <p:sp>
+        <p:nvSpPr>
+          <p:cNvPr id="6" name="Rectangle 5"/>
+          <p:cNvSpPr/>
+          <p:nvPr/>
+        </p:nvSpPr>
+        <p:spPr>
+          <a:xfrm>
+            <a:off x="15" y="6334316"/>
+            <a:ext cx="12188825" cy="64008"/>
+          </a:xfrm>
+          <a:prstGeom prst="rect">
+            <a:avLst/>
+          </a:prstGeom>
+          <a:solidFill>
+            <a:schemeClr val="accent1"/>
+          </a:solidFill>
+          <a:ln>
+            <a:noFill/>
+          </a:ln>
+        </p:spPr>
+        <p:style>
+          <a:lnRef idx="2">
+            <a:schemeClr val="accent1">
+              <a:shade val="50000"/>
+            </a:schemeClr>
+          </a:lnRef>
+          <a:fillRef idx="1">
+            <a:schemeClr val="accent1"/>
+          </a:fillRef>
+          <a:effectRef idx="0">
+            <a:schemeClr val="accent1"/>
+          </a:effectRef>
+          <a:fontRef idx="minor">
+            <a:schemeClr val="lt1"/>
+          </a:fontRef>
+        </p:style>
+      </p:sp>
+      <p:sp>
+        <p:nvSpPr>
+          <p:cNvPr id="7" name="Date Placeholder 6"/>
           <p:cNvSpPr>
             <a:spLocks noGrp="1"/>
           </p:cNvSpPr>
@@ -1827,7 +2270,7 @@
           <a:p>
             <a:fld id="{4F66A34D-70BD-4BD9-A557-9BEAE0DBCE13}" type="datetimeFigureOut">
               <a:rPr lang="en-US" smtClean="0"/>
-              <a:t>11/19/2018</a:t>
+              <a:t>11/27/2018</a:t>
             </a:fld>
             <a:endParaRPr lang="en-US"/>
           </a:p>
@@ -1835,7 +2278,7 @@
       </p:sp>
       <p:sp>
         <p:nvSpPr>
-          <p:cNvPr id="3" name="Footer Placeholder 2"/>
+          <p:cNvPr id="8" name="Footer Placeholder 7"/>
           <p:cNvSpPr>
             <a:spLocks noGrp="1"/>
           </p:cNvSpPr>
@@ -1846,7 +2289,15 @@
         <p:spPr/>
         <p:txBody>
           <a:bodyPr/>
-          <a:lstStyle/>
+          <a:lstStyle>
+            <a:lvl1pPr>
+              <a:defRPr>
+                <a:solidFill>
+                  <a:srgbClr val="FFFFFF"/>
+                </a:solidFill>
+              </a:defRPr>
+            </a:lvl1pPr>
+          </a:lstStyle>
           <a:p>
             <a:endParaRPr lang="en-US"/>
           </a:p>
@@ -1854,7 +2305,7 @@
       </p:sp>
       <p:sp>
         <p:nvSpPr>
-          <p:cNvPr id="4" name="Slide Number Placeholder 3"/>
+          <p:cNvPr id="9" name="Slide Number Placeholder 8"/>
           <p:cNvSpPr>
             <a:spLocks noGrp="1"/>
           </p:cNvSpPr>
@@ -1878,7 +2329,7 @@
     </p:spTree>
     <p:extLst>
       <p:ext uri="{BB962C8B-B14F-4D97-AF65-F5344CB8AC3E}">
-        <p14:creationId xmlns:p14="http://schemas.microsoft.com/office/powerpoint/2010/main" val="2966624028"/>
+        <p14:creationId xmlns:p14="http://schemas.microsoft.com/office/powerpoint/2010/main" val="776867989"/>
       </p:ext>
     </p:extLst>
   </p:cSld>
@@ -1889,7 +2340,7 @@
 </file>
 
 <file path=ppt/slideLayouts/slideLayout8.xml><?xml version="1.0" encoding="utf-8"?>
-<p:sldLayout xmlns:a="http://schemas.openxmlformats.org/drawingml/2006/main" xmlns:r="http://schemas.openxmlformats.org/officeDocument/2006/relationships" xmlns:p="http://schemas.openxmlformats.org/presentationml/2006/main" type="objTx" preserve="1">
+<p:sldLayout xmlns:a="http://schemas.openxmlformats.org/drawingml/2006/main" xmlns:r="http://schemas.openxmlformats.org/officeDocument/2006/relationships" xmlns:p="http://schemas.openxmlformats.org/presentationml/2006/main" showMasterSp="0" type="objTx" preserve="1">
   <p:cSld name="Content with Caption">
     <p:spTree>
       <p:nvGrpSpPr>
@@ -1907,6 +2358,82 @@
       </p:grpSpPr>
       <p:sp>
         <p:nvSpPr>
+          <p:cNvPr id="8" name="Rectangle 7"/>
+          <p:cNvSpPr/>
+          <p:nvPr/>
+        </p:nvSpPr>
+        <p:spPr>
+          <a:xfrm>
+            <a:off x="16" y="0"/>
+            <a:ext cx="4050791" cy="6858000"/>
+          </a:xfrm>
+          <a:prstGeom prst="rect">
+            <a:avLst/>
+          </a:prstGeom>
+          <a:solidFill>
+            <a:schemeClr val="accent2"/>
+          </a:solidFill>
+          <a:ln>
+            <a:noFill/>
+          </a:ln>
+        </p:spPr>
+        <p:style>
+          <a:lnRef idx="2">
+            <a:schemeClr val="accent1">
+              <a:shade val="50000"/>
+            </a:schemeClr>
+          </a:lnRef>
+          <a:fillRef idx="1">
+            <a:schemeClr val="accent1"/>
+          </a:fillRef>
+          <a:effectRef idx="0">
+            <a:schemeClr val="accent1"/>
+          </a:effectRef>
+          <a:fontRef idx="minor">
+            <a:schemeClr val="lt1"/>
+          </a:fontRef>
+        </p:style>
+      </p:sp>
+      <p:sp>
+        <p:nvSpPr>
+          <p:cNvPr id="9" name="Rectangle 8"/>
+          <p:cNvSpPr/>
+          <p:nvPr/>
+        </p:nvSpPr>
+        <p:spPr>
+          <a:xfrm>
+            <a:off x="4040071" y="0"/>
+            <a:ext cx="64008" cy="6858000"/>
+          </a:xfrm>
+          <a:prstGeom prst="rect">
+            <a:avLst/>
+          </a:prstGeom>
+          <a:solidFill>
+            <a:schemeClr val="accent1"/>
+          </a:solidFill>
+          <a:ln>
+            <a:noFill/>
+          </a:ln>
+        </p:spPr>
+        <p:style>
+          <a:lnRef idx="2">
+            <a:schemeClr val="accent1">
+              <a:shade val="50000"/>
+            </a:schemeClr>
+          </a:lnRef>
+          <a:fillRef idx="1">
+            <a:schemeClr val="accent1"/>
+          </a:fillRef>
+          <a:effectRef idx="0">
+            <a:schemeClr val="accent1"/>
+          </a:effectRef>
+          <a:fontRef idx="minor">
+            <a:schemeClr val="lt1"/>
+          </a:fontRef>
+        </p:style>
+      </p:sp>
+      <p:sp>
+        <p:nvSpPr>
           <p:cNvPr id="2" name="Title 1"/>
           <p:cNvSpPr>
             <a:spLocks noGrp="1"/>
@@ -1917,15 +2444,21 @@
         </p:nvSpPr>
         <p:spPr>
           <a:xfrm>
-            <a:off x="839788" y="457200"/>
-            <a:ext cx="3932237" cy="1600200"/>
-          </a:xfrm>
-        </p:spPr>
-        <p:txBody>
-          <a:bodyPr anchor="b"/>
+            <a:off x="457200" y="594359"/>
+            <a:ext cx="3200400" cy="2286000"/>
+          </a:xfrm>
+        </p:spPr>
+        <p:txBody>
+          <a:bodyPr anchor="b">
+            <a:normAutofit/>
+          </a:bodyPr>
           <a:lstStyle>
             <a:lvl1pPr>
-              <a:defRPr sz="3200"/>
+              <a:defRPr sz="3600" b="0">
+                <a:solidFill>
+                  <a:srgbClr val="FFFFFF"/>
+                </a:solidFill>
+              </a:defRPr>
             </a:lvl1pPr>
           </a:lstStyle>
           <a:p>
@@ -1933,7 +2466,7 @@
               <a:rPr lang="en-US" smtClean="0"/>
               <a:t>Click to edit Master title style</a:t>
             </a:r>
-            <a:endParaRPr lang="en-US"/>
+            <a:endParaRPr lang="en-US" dirty="0"/>
           </a:p>
         </p:txBody>
       </p:sp>
@@ -1949,41 +2482,13 @@
         </p:nvSpPr>
         <p:spPr>
           <a:xfrm>
-            <a:off x="5183188" y="987425"/>
-            <a:ext cx="6172200" cy="4873625"/>
+            <a:off x="4800600" y="731520"/>
+            <a:ext cx="6492240" cy="5257800"/>
           </a:xfrm>
         </p:spPr>
         <p:txBody>
           <a:bodyPr/>
-          <a:lstStyle>
-            <a:lvl1pPr>
-              <a:defRPr sz="3200"/>
-            </a:lvl1pPr>
-            <a:lvl2pPr>
-              <a:defRPr sz="2800"/>
-            </a:lvl2pPr>
-            <a:lvl3pPr>
-              <a:defRPr sz="2400"/>
-            </a:lvl3pPr>
-            <a:lvl4pPr>
-              <a:defRPr sz="2000"/>
-            </a:lvl4pPr>
-            <a:lvl5pPr>
-              <a:defRPr sz="2000"/>
-            </a:lvl5pPr>
-            <a:lvl6pPr>
-              <a:defRPr sz="2000"/>
-            </a:lvl6pPr>
-            <a:lvl7pPr>
-              <a:defRPr sz="2000"/>
-            </a:lvl7pPr>
-            <a:lvl8pPr>
-              <a:defRPr sz="2000"/>
-            </a:lvl8pPr>
-            <a:lvl9pPr>
-              <a:defRPr sz="2000"/>
-            </a:lvl9pPr>
-          </a:lstStyle>
+          <a:lstStyle/>
           <a:p>
             <a:pPr lvl="0"/>
             <a:r>
@@ -2018,7 +2523,7 @@
               <a:rPr lang="en-US" smtClean="0"/>
               <a:t>Fifth level</a:t>
             </a:r>
-            <a:endParaRPr lang="en-US"/>
+            <a:endParaRPr lang="en-US" dirty="0"/>
           </a:p>
         </p:txBody>
       </p:sp>
@@ -2034,48 +2539,54 @@
         </p:nvSpPr>
         <p:spPr>
           <a:xfrm>
-            <a:off x="839788" y="2057400"/>
-            <a:ext cx="3932237" cy="3811588"/>
-          </a:xfrm>
-        </p:spPr>
-        <p:txBody>
-          <a:bodyPr/>
+            <a:off x="457200" y="2926080"/>
+            <a:ext cx="3200400" cy="3379124"/>
+          </a:xfrm>
+        </p:spPr>
+        <p:txBody>
+          <a:bodyPr lIns="91440" rIns="91440">
+            <a:normAutofit/>
+          </a:bodyPr>
           <a:lstStyle>
             <a:lvl1pPr marL="0" indent="0">
               <a:buNone/>
-              <a:defRPr sz="1600"/>
+              <a:defRPr sz="1500">
+                <a:solidFill>
+                  <a:srgbClr val="FFFFFF"/>
+                </a:solidFill>
+              </a:defRPr>
             </a:lvl1pPr>
             <a:lvl2pPr marL="457200" indent="0">
               <a:buNone/>
-              <a:defRPr sz="1400"/>
+              <a:defRPr sz="1200"/>
             </a:lvl2pPr>
             <a:lvl3pPr marL="914400" indent="0">
               <a:buNone/>
-              <a:defRPr sz="1200"/>
+              <a:defRPr sz="1000"/>
             </a:lvl3pPr>
             <a:lvl4pPr marL="1371600" indent="0">
               <a:buNone/>
-              <a:defRPr sz="1000"/>
+              <a:defRPr sz="900"/>
             </a:lvl4pPr>
             <a:lvl5pPr marL="1828800" indent="0">
               <a:buNone/>
-              <a:defRPr sz="1000"/>
+              <a:defRPr sz="900"/>
             </a:lvl5pPr>
             <a:lvl6pPr marL="2286000" indent="0">
               <a:buNone/>
-              <a:defRPr sz="1000"/>
+              <a:defRPr sz="900"/>
             </a:lvl6pPr>
             <a:lvl7pPr marL="2743200" indent="0">
               <a:buNone/>
-              <a:defRPr sz="1000"/>
+              <a:defRPr sz="900"/>
             </a:lvl7pPr>
             <a:lvl8pPr marL="3200400" indent="0">
               <a:buNone/>
-              <a:defRPr sz="1000"/>
+              <a:defRPr sz="900"/>
             </a:lvl8pPr>
             <a:lvl9pPr marL="3657600" indent="0">
               <a:buNone/>
-              <a:defRPr sz="1000"/>
+              <a:defRPr sz="900"/>
             </a:lvl9pPr>
           </a:lstStyle>
           <a:p>
@@ -2097,14 +2608,23 @@
             <p:ph type="dt" sz="half" idx="10"/>
           </p:nvPr>
         </p:nvSpPr>
-        <p:spPr/>
+        <p:spPr>
+          <a:xfrm>
+            <a:off x="465512" y="6459785"/>
+            <a:ext cx="2618510" cy="365125"/>
+          </a:xfrm>
+        </p:spPr>
         <p:txBody>
           <a:bodyPr/>
-          <a:lstStyle/>
+          <a:lstStyle>
+            <a:lvl1pPr algn="l">
+              <a:defRPr/>
+            </a:lvl1pPr>
+          </a:lstStyle>
           <a:p>
             <a:fld id="{4F66A34D-70BD-4BD9-A557-9BEAE0DBCE13}" type="datetimeFigureOut">
               <a:rPr lang="en-US" smtClean="0"/>
-              <a:t>11/19/2018</a:t>
+              <a:t>11/27/2018</a:t>
             </a:fld>
             <a:endParaRPr lang="en-US"/>
           </a:p>
@@ -2120,10 +2640,23 @@
             <p:ph type="ftr" sz="quarter" idx="11"/>
           </p:nvPr>
         </p:nvSpPr>
-        <p:spPr/>
+        <p:spPr>
+          <a:xfrm>
+            <a:off x="4800600" y="6459785"/>
+            <a:ext cx="4648200" cy="365125"/>
+          </a:xfrm>
+        </p:spPr>
         <p:txBody>
           <a:bodyPr/>
-          <a:lstStyle/>
+          <a:lstStyle>
+            <a:lvl1pPr algn="l">
+              <a:defRPr>
+                <a:solidFill>
+                  <a:schemeClr val="tx2"/>
+                </a:solidFill>
+              </a:defRPr>
+            </a:lvl1pPr>
+          </a:lstStyle>
           <a:p>
             <a:endParaRPr lang="en-US"/>
           </a:p>
@@ -2142,7 +2675,15 @@
         <p:spPr/>
         <p:txBody>
           <a:bodyPr/>
-          <a:lstStyle/>
+          <a:lstStyle>
+            <a:lvl1pPr>
+              <a:defRPr>
+                <a:solidFill>
+                  <a:schemeClr val="tx2"/>
+                </a:solidFill>
+              </a:defRPr>
+            </a:lvl1pPr>
+          </a:lstStyle>
           <a:p>
             <a:fld id="{94A9BECA-1B5F-427C-9C28-8BA3F081EAFF}" type="slidenum">
               <a:rPr lang="en-US" smtClean="0"/>
@@ -2155,7 +2696,7 @@
     </p:spTree>
     <p:extLst>
       <p:ext uri="{BB962C8B-B14F-4D97-AF65-F5344CB8AC3E}">
-        <p14:creationId xmlns:p14="http://schemas.microsoft.com/office/powerpoint/2010/main" val="1777138979"/>
+        <p14:creationId xmlns:p14="http://schemas.microsoft.com/office/powerpoint/2010/main" val="366901599"/>
       </p:ext>
     </p:extLst>
   </p:cSld>
@@ -2166,7 +2707,7 @@
 </file>
 
 <file path=ppt/slideLayouts/slideLayout9.xml><?xml version="1.0" encoding="utf-8"?>
-<p:sldLayout xmlns:a="http://schemas.openxmlformats.org/drawingml/2006/main" xmlns:r="http://schemas.openxmlformats.org/officeDocument/2006/relationships" xmlns:p="http://schemas.openxmlformats.org/presentationml/2006/main" type="picTx" preserve="1">
+<p:sldLayout xmlns:a="http://schemas.openxmlformats.org/drawingml/2006/main" xmlns:r="http://schemas.openxmlformats.org/officeDocument/2006/relationships" xmlns:p="http://schemas.openxmlformats.org/presentationml/2006/main" showMasterSp="0" type="picTx" preserve="1">
   <p:cSld name="Picture with Caption">
     <p:spTree>
       <p:nvGrpSpPr>
@@ -2184,6 +2725,82 @@
       </p:grpSpPr>
       <p:sp>
         <p:nvSpPr>
+          <p:cNvPr id="8" name="Rectangle 7"/>
+          <p:cNvSpPr/>
+          <p:nvPr/>
+        </p:nvSpPr>
+        <p:spPr>
+          <a:xfrm>
+            <a:off x="0" y="4953000"/>
+            <a:ext cx="12188825" cy="1905000"/>
+          </a:xfrm>
+          <a:prstGeom prst="rect">
+            <a:avLst/>
+          </a:prstGeom>
+          <a:solidFill>
+            <a:schemeClr val="accent2"/>
+          </a:solidFill>
+          <a:ln>
+            <a:noFill/>
+          </a:ln>
+        </p:spPr>
+        <p:style>
+          <a:lnRef idx="2">
+            <a:schemeClr val="accent1">
+              <a:shade val="50000"/>
+            </a:schemeClr>
+          </a:lnRef>
+          <a:fillRef idx="1">
+            <a:schemeClr val="accent1"/>
+          </a:fillRef>
+          <a:effectRef idx="0">
+            <a:schemeClr val="accent1"/>
+          </a:effectRef>
+          <a:fontRef idx="minor">
+            <a:schemeClr val="lt1"/>
+          </a:fontRef>
+        </p:style>
+      </p:sp>
+      <p:sp>
+        <p:nvSpPr>
+          <p:cNvPr id="9" name="Rectangle 8"/>
+          <p:cNvSpPr/>
+          <p:nvPr/>
+        </p:nvSpPr>
+        <p:spPr>
+          <a:xfrm>
+            <a:off x="15" y="4915076"/>
+            <a:ext cx="12188825" cy="64008"/>
+          </a:xfrm>
+          <a:prstGeom prst="rect">
+            <a:avLst/>
+          </a:prstGeom>
+          <a:solidFill>
+            <a:schemeClr val="accent1"/>
+          </a:solidFill>
+          <a:ln>
+            <a:noFill/>
+          </a:ln>
+        </p:spPr>
+        <p:style>
+          <a:lnRef idx="2">
+            <a:schemeClr val="accent1">
+              <a:shade val="50000"/>
+            </a:schemeClr>
+          </a:lnRef>
+          <a:fillRef idx="1">
+            <a:schemeClr val="accent1"/>
+          </a:fillRef>
+          <a:effectRef idx="0">
+            <a:schemeClr val="accent1"/>
+          </a:effectRef>
+          <a:fontRef idx="minor">
+            <a:schemeClr val="lt1"/>
+          </a:fontRef>
+        </p:style>
+      </p:sp>
+      <p:sp>
+        <p:nvSpPr>
           <p:cNvPr id="2" name="Title 1"/>
           <p:cNvSpPr>
             <a:spLocks noGrp="1"/>
@@ -2194,15 +2811,21 @@
         </p:nvSpPr>
         <p:spPr>
           <a:xfrm>
-            <a:off x="839788" y="457200"/>
-            <a:ext cx="3932237" cy="1600200"/>
-          </a:xfrm>
-        </p:spPr>
-        <p:txBody>
-          <a:bodyPr anchor="b"/>
+            <a:off x="1097280" y="5074920"/>
+            <a:ext cx="10113264" cy="822960"/>
+          </a:xfrm>
+        </p:spPr>
+        <p:txBody>
+          <a:bodyPr lIns="91440" tIns="0" rIns="91440" bIns="0" anchor="b">
+            <a:noAutofit/>
+          </a:bodyPr>
           <a:lstStyle>
             <a:lvl1pPr>
-              <a:defRPr sz="3200"/>
+              <a:defRPr sz="3600" b="0">
+                <a:solidFill>
+                  <a:srgbClr val="FFFFFF"/>
+                </a:solidFill>
+              </a:defRPr>
             </a:lvl1pPr>
           </a:lstStyle>
           <a:p>
@@ -2210,7 +2833,7 @@
               <a:rPr lang="en-US" smtClean="0"/>
               <a:t>Click to edit Master title style</a:t>
             </a:r>
-            <a:endParaRPr lang="en-US"/>
+            <a:endParaRPr lang="en-US" dirty="0"/>
           </a:p>
         </p:txBody>
       </p:sp>
@@ -2218,7 +2841,7 @@
         <p:nvSpPr>
           <p:cNvPr id="3" name="Picture Placeholder 2"/>
           <p:cNvSpPr>
-            <a:spLocks noGrp="1"/>
+            <a:spLocks noGrp="1" noChangeAspect="1"/>
           </p:cNvSpPr>
           <p:nvPr>
             <p:ph type="pic" idx="1"/>
@@ -2226,16 +2849,26 @@
         </p:nvSpPr>
         <p:spPr>
           <a:xfrm>
-            <a:off x="5183188" y="987425"/>
-            <a:ext cx="6172200" cy="4873625"/>
-          </a:xfrm>
-        </p:spPr>
-        <p:txBody>
-          <a:bodyPr/>
+            <a:off x="15" y="0"/>
+            <a:ext cx="12191985" cy="4915076"/>
+          </a:xfrm>
+          <a:blipFill>
+            <a:blip r:embed="rId2"/>
+            <a:stretch>
+              <a:fillRect/>
+            </a:stretch>
+          </a:blipFill>
+        </p:spPr>
+        <p:txBody>
+          <a:bodyPr lIns="457200" tIns="457200" anchor="t"/>
           <a:lstStyle>
             <a:lvl1pPr marL="0" indent="0">
               <a:buNone/>
-              <a:defRPr sz="3200"/>
+              <a:defRPr sz="3200">
+                <a:solidFill>
+                  <a:schemeClr val="bg1"/>
+                </a:solidFill>
+              </a:defRPr>
             </a:lvl1pPr>
             <a:lvl2pPr marL="457200" indent="0">
               <a:buNone/>
@@ -2271,7 +2904,11 @@
             </a:lvl9pPr>
           </a:lstStyle>
           <a:p>
-            <a:endParaRPr lang="en-US"/>
+            <a:r>
+              <a:rPr lang="en-US" smtClean="0"/>
+              <a:t>Click icon to add picture</a:t>
+            </a:r>
+            <a:endParaRPr lang="en-US" dirty="0"/>
           </a:p>
         </p:txBody>
       </p:sp>
@@ -2287,48 +2924,60 @@
         </p:nvSpPr>
         <p:spPr>
           <a:xfrm>
-            <a:off x="839788" y="2057400"/>
-            <a:ext cx="3932237" cy="3811588"/>
-          </a:xfrm>
-        </p:spPr>
-        <p:txBody>
-          <a:bodyPr/>
+            <a:off x="1097280" y="5907023"/>
+            <a:ext cx="10113264" cy="594360"/>
+          </a:xfrm>
+        </p:spPr>
+        <p:txBody>
+          <a:bodyPr lIns="91440" tIns="0" rIns="91440" bIns="0">
+            <a:normAutofit/>
+          </a:bodyPr>
           <a:lstStyle>
             <a:lvl1pPr marL="0" indent="0">
+              <a:spcBef>
+                <a:spcPts val="0"/>
+              </a:spcBef>
+              <a:spcAft>
+                <a:spcPts val="600"/>
+              </a:spcAft>
               <a:buNone/>
-              <a:defRPr sz="1600"/>
+              <a:defRPr sz="1500">
+                <a:solidFill>
+                  <a:srgbClr val="FFFFFF"/>
+                </a:solidFill>
+              </a:defRPr>
             </a:lvl1pPr>
             <a:lvl2pPr marL="457200" indent="0">
               <a:buNone/>
-              <a:defRPr sz="1400"/>
+              <a:defRPr sz="1200"/>
             </a:lvl2pPr>
             <a:lvl3pPr marL="914400" indent="0">
               <a:buNone/>
-              <a:defRPr sz="1200"/>
+              <a:defRPr sz="1000"/>
             </a:lvl3pPr>
             <a:lvl4pPr marL="1371600" indent="0">
               <a:buNone/>
-              <a:defRPr sz="1000"/>
+              <a:defRPr sz="900"/>
             </a:lvl4pPr>
             <a:lvl5pPr marL="1828800" indent="0">
               <a:buNone/>
-              <a:defRPr sz="1000"/>
+              <a:defRPr sz="900"/>
             </a:lvl5pPr>
             <a:lvl6pPr marL="2286000" indent="0">
               <a:buNone/>
-              <a:defRPr sz="1000"/>
+              <a:defRPr sz="900"/>
             </a:lvl6pPr>
             <a:lvl7pPr marL="2743200" indent="0">
               <a:buNone/>
-              <a:defRPr sz="1000"/>
+              <a:defRPr sz="900"/>
             </a:lvl7pPr>
             <a:lvl8pPr marL="3200400" indent="0">
               <a:buNone/>
-              <a:defRPr sz="1000"/>
+              <a:defRPr sz="900"/>
             </a:lvl8pPr>
             <a:lvl9pPr marL="3657600" indent="0">
               <a:buNone/>
-              <a:defRPr sz="1000"/>
+              <a:defRPr sz="900"/>
             </a:lvl9pPr>
           </a:lstStyle>
           <a:p>
@@ -2357,7 +3006,7 @@
           <a:p>
             <a:fld id="{4F66A34D-70BD-4BD9-A557-9BEAE0DBCE13}" type="datetimeFigureOut">
               <a:rPr lang="en-US" smtClean="0"/>
-              <a:t>11/19/2018</a:t>
+              <a:t>11/27/2018</a:t>
             </a:fld>
             <a:endParaRPr lang="en-US"/>
           </a:p>
@@ -2408,7 +3057,7 @@
     </p:spTree>
     <p:extLst>
       <p:ext uri="{BB962C8B-B14F-4D97-AF65-F5344CB8AC3E}">
-        <p14:creationId xmlns:p14="http://schemas.microsoft.com/office/powerpoint/2010/main" val="316510764"/>
+        <p14:creationId xmlns:p14="http://schemas.microsoft.com/office/powerpoint/2010/main" val="2236038025"/>
       </p:ext>
     </p:extLst>
   </p:cSld>
@@ -2442,6 +3091,82 @@
       </p:grpSpPr>
       <p:sp>
         <p:nvSpPr>
+          <p:cNvPr id="7" name="Rectangle 6"/>
+          <p:cNvSpPr/>
+          <p:nvPr/>
+        </p:nvSpPr>
+        <p:spPr>
+          <a:xfrm>
+            <a:off x="1" y="6400800"/>
+            <a:ext cx="12192000" cy="457200"/>
+          </a:xfrm>
+          <a:prstGeom prst="rect">
+            <a:avLst/>
+          </a:prstGeom>
+          <a:solidFill>
+            <a:schemeClr val="accent2"/>
+          </a:solidFill>
+          <a:ln>
+            <a:noFill/>
+          </a:ln>
+        </p:spPr>
+        <p:style>
+          <a:lnRef idx="2">
+            <a:schemeClr val="accent1">
+              <a:shade val="50000"/>
+            </a:schemeClr>
+          </a:lnRef>
+          <a:fillRef idx="1">
+            <a:schemeClr val="accent1"/>
+          </a:fillRef>
+          <a:effectRef idx="0">
+            <a:schemeClr val="accent1"/>
+          </a:effectRef>
+          <a:fontRef idx="minor">
+            <a:schemeClr val="lt1"/>
+          </a:fontRef>
+        </p:style>
+      </p:sp>
+      <p:sp>
+        <p:nvSpPr>
+          <p:cNvPr id="9" name="Rectangle 8"/>
+          <p:cNvSpPr/>
+          <p:nvPr/>
+        </p:nvSpPr>
+        <p:spPr>
+          <a:xfrm>
+            <a:off x="0" y="6334316"/>
+            <a:ext cx="12192001" cy="65998"/>
+          </a:xfrm>
+          <a:prstGeom prst="rect">
+            <a:avLst/>
+          </a:prstGeom>
+          <a:solidFill>
+            <a:schemeClr val="accent1"/>
+          </a:solidFill>
+          <a:ln>
+            <a:noFill/>
+          </a:ln>
+        </p:spPr>
+        <p:style>
+          <a:lnRef idx="2">
+            <a:schemeClr val="accent1">
+              <a:shade val="50000"/>
+            </a:schemeClr>
+          </a:lnRef>
+          <a:fillRef idx="1">
+            <a:schemeClr val="accent1"/>
+          </a:fillRef>
+          <a:effectRef idx="0">
+            <a:schemeClr val="accent1"/>
+          </a:effectRef>
+          <a:fontRef idx="minor">
+            <a:schemeClr val="lt1"/>
+          </a:fontRef>
+        </p:style>
+      </p:sp>
+      <p:sp>
+        <p:nvSpPr>
           <p:cNvPr id="2" name="Title Placeholder 1"/>
           <p:cNvSpPr>
             <a:spLocks noGrp="1"/>
@@ -2452,15 +3177,15 @@
         </p:nvSpPr>
         <p:spPr>
           <a:xfrm>
-            <a:off x="838200" y="365125"/>
-            <a:ext cx="10515600" cy="1325563"/>
+            <a:off x="1097280" y="286603"/>
+            <a:ext cx="10058400" cy="1450757"/>
           </a:xfrm>
           <a:prstGeom prst="rect">
             <a:avLst/>
           </a:prstGeom>
         </p:spPr>
         <p:txBody>
-          <a:bodyPr vert="horz" lIns="91440" tIns="45720" rIns="91440" bIns="45720" rtlCol="0" anchor="ctr">
+          <a:bodyPr vert="horz" lIns="91440" tIns="45720" rIns="91440" bIns="45720" rtlCol="0" anchor="b">
             <a:normAutofit/>
           </a:bodyPr>
           <a:lstStyle/>
@@ -2469,7 +3194,7 @@
               <a:rPr lang="en-US" smtClean="0"/>
               <a:t>Click to edit Master title style</a:t>
             </a:r>
-            <a:endParaRPr lang="en-US"/>
+            <a:endParaRPr lang="en-US" dirty="0"/>
           </a:p>
         </p:txBody>
       </p:sp>
@@ -2485,15 +3210,15 @@
         </p:nvSpPr>
         <p:spPr>
           <a:xfrm>
-            <a:off x="838200" y="1825625"/>
-            <a:ext cx="10515600" cy="4351338"/>
+            <a:off x="1097280" y="1845734"/>
+            <a:ext cx="10058400" cy="4023360"/>
           </a:xfrm>
           <a:prstGeom prst="rect">
             <a:avLst/>
           </a:prstGeom>
         </p:spPr>
         <p:txBody>
-          <a:bodyPr vert="horz" lIns="91440" tIns="45720" rIns="91440" bIns="45720" rtlCol="0">
+          <a:bodyPr vert="horz" lIns="0" tIns="45720" rIns="0" bIns="45720" rtlCol="0">
             <a:normAutofit/>
           </a:bodyPr>
           <a:lstStyle/>
@@ -2531,7 +3256,7 @@
               <a:rPr lang="en-US" smtClean="0"/>
               <a:t>Fifth level</a:t>
             </a:r>
-            <a:endParaRPr lang="en-US"/>
+            <a:endParaRPr lang="en-US" dirty="0"/>
           </a:p>
         </p:txBody>
       </p:sp>
@@ -2547,8 +3272,8 @@
         </p:nvSpPr>
         <p:spPr>
           <a:xfrm>
-            <a:off x="838200" y="6356350"/>
-            <a:ext cx="2743200" cy="365125"/>
+            <a:off x="1097280" y="6459785"/>
+            <a:ext cx="2472271" cy="365125"/>
           </a:xfrm>
           <a:prstGeom prst="rect">
             <a:avLst/>
@@ -2558,11 +3283,9 @@
           <a:bodyPr vert="horz" lIns="91440" tIns="45720" rIns="91440" bIns="45720" rtlCol="0" anchor="ctr"/>
           <a:lstStyle>
             <a:lvl1pPr algn="l">
-              <a:defRPr sz="1200">
+              <a:defRPr sz="900">
                 <a:solidFill>
-                  <a:schemeClr val="tx1">
-                    <a:tint val="75000"/>
-                  </a:schemeClr>
+                  <a:srgbClr val="FFFFFF"/>
                 </a:solidFill>
               </a:defRPr>
             </a:lvl1pPr>
@@ -2570,7 +3293,7 @@
           <a:p>
             <a:fld id="{4F66A34D-70BD-4BD9-A557-9BEAE0DBCE13}" type="datetimeFigureOut">
               <a:rPr lang="en-US" smtClean="0"/>
-              <a:t>11/19/2018</a:t>
+              <a:t>11/27/2018</a:t>
             </a:fld>
             <a:endParaRPr lang="en-US"/>
           </a:p>
@@ -2588,8 +3311,8 @@
         </p:nvSpPr>
         <p:spPr>
           <a:xfrm>
-            <a:off x="4038600" y="6356350"/>
-            <a:ext cx="4114800" cy="365125"/>
+            <a:off x="3686185" y="6459785"/>
+            <a:ext cx="4822804" cy="365125"/>
           </a:xfrm>
           <a:prstGeom prst="rect">
             <a:avLst/>
@@ -2599,11 +3322,9 @@
           <a:bodyPr vert="horz" lIns="91440" tIns="45720" rIns="91440" bIns="45720" rtlCol="0" anchor="ctr"/>
           <a:lstStyle>
             <a:lvl1pPr algn="ctr">
-              <a:defRPr sz="1200">
+              <a:defRPr sz="900" cap="all" baseline="0">
                 <a:solidFill>
-                  <a:schemeClr val="tx1">
-                    <a:tint val="75000"/>
-                  </a:schemeClr>
+                  <a:srgbClr val="FFFFFF"/>
                 </a:solidFill>
               </a:defRPr>
             </a:lvl1pPr>
@@ -2625,8 +3346,8 @@
         </p:nvSpPr>
         <p:spPr>
           <a:xfrm>
-            <a:off x="8610600" y="6356350"/>
-            <a:ext cx="2743200" cy="365125"/>
+            <a:off x="9900458" y="6459785"/>
+            <a:ext cx="1312025" cy="365125"/>
           </a:xfrm>
           <a:prstGeom prst="rect">
             <a:avLst/>
@@ -2636,11 +3357,9 @@
           <a:bodyPr vert="horz" lIns="91440" tIns="45720" rIns="91440" bIns="45720" rtlCol="0" anchor="ctr"/>
           <a:lstStyle>
             <a:lvl1pPr algn="r">
-              <a:defRPr sz="1200">
+              <a:defRPr sz="1050">
                 <a:solidFill>
-                  <a:schemeClr val="tx1">
-                    <a:tint val="75000"/>
-                  </a:schemeClr>
+                  <a:srgbClr val="FFFFFF"/>
                 </a:solidFill>
               </a:defRPr>
             </a:lvl1pPr>
@@ -2654,40 +3373,81 @@
           </a:p>
         </p:txBody>
       </p:sp>
+      <p:cxnSp>
+        <p:nvCxnSpPr>
+          <p:cNvPr id="10" name="Straight Connector 9"/>
+          <p:cNvCxnSpPr/>
+          <p:nvPr/>
+        </p:nvCxnSpPr>
+        <p:spPr>
+          <a:xfrm>
+            <a:off x="1193532" y="1737845"/>
+            <a:ext cx="9966960" cy="0"/>
+          </a:xfrm>
+          <a:prstGeom prst="line">
+            <a:avLst/>
+          </a:prstGeom>
+          <a:ln w="6350">
+            <a:solidFill>
+              <a:schemeClr val="tx1">
+                <a:lumMod val="50000"/>
+                <a:lumOff val="50000"/>
+              </a:schemeClr>
+            </a:solidFill>
+          </a:ln>
+        </p:spPr>
+        <p:style>
+          <a:lnRef idx="1">
+            <a:schemeClr val="accent1"/>
+          </a:lnRef>
+          <a:fillRef idx="0">
+            <a:schemeClr val="accent1"/>
+          </a:fillRef>
+          <a:effectRef idx="0">
+            <a:schemeClr val="accent1"/>
+          </a:effectRef>
+          <a:fontRef idx="minor">
+            <a:schemeClr val="tx1"/>
+          </a:fontRef>
+        </p:style>
+      </p:cxnSp>
     </p:spTree>
     <p:extLst>
       <p:ext uri="{BB962C8B-B14F-4D97-AF65-F5344CB8AC3E}">
-        <p14:creationId xmlns:p14="http://schemas.microsoft.com/office/powerpoint/2010/main" val="2080285754"/>
+        <p14:creationId xmlns:p14="http://schemas.microsoft.com/office/powerpoint/2010/main" val="3023419926"/>
       </p:ext>
     </p:extLst>
   </p:cSld>
   <p:clrMap bg1="lt1" tx1="dk1" bg2="lt2" tx2="dk2" accent1="accent1" accent2="accent2" accent3="accent3" accent4="accent4" accent5="accent5" accent6="accent6" hlink="hlink" folHlink="folHlink"/>
   <p:sldLayoutIdLst>
-    <p:sldLayoutId id="2147483649" r:id="rId1"/>
-    <p:sldLayoutId id="2147483650" r:id="rId2"/>
-    <p:sldLayoutId id="2147483651" r:id="rId3"/>
-    <p:sldLayoutId id="2147483652" r:id="rId4"/>
-    <p:sldLayoutId id="2147483653" r:id="rId5"/>
-    <p:sldLayoutId id="2147483654" r:id="rId6"/>
-    <p:sldLayoutId id="2147483655" r:id="rId7"/>
-    <p:sldLayoutId id="2147483656" r:id="rId8"/>
-    <p:sldLayoutId id="2147483657" r:id="rId9"/>
-    <p:sldLayoutId id="2147483658" r:id="rId10"/>
-    <p:sldLayoutId id="2147483659" r:id="rId11"/>
+    <p:sldLayoutId id="2147483661" r:id="rId1"/>
+    <p:sldLayoutId id="2147483662" r:id="rId2"/>
+    <p:sldLayoutId id="2147483663" r:id="rId3"/>
+    <p:sldLayoutId id="2147483664" r:id="rId4"/>
+    <p:sldLayoutId id="2147483665" r:id="rId5"/>
+    <p:sldLayoutId id="2147483666" r:id="rId6"/>
+    <p:sldLayoutId id="2147483667" r:id="rId7"/>
+    <p:sldLayoutId id="2147483668" r:id="rId8"/>
+    <p:sldLayoutId id="2147483669" r:id="rId9"/>
+    <p:sldLayoutId id="2147483670" r:id="rId10"/>
+    <p:sldLayoutId id="2147483671" r:id="rId11"/>
   </p:sldLayoutIdLst>
   <p:txStyles>
     <p:titleStyle>
       <a:lvl1pPr algn="l" defTabSz="914400" rtl="0" eaLnBrk="1" latinLnBrk="0" hangingPunct="1">
         <a:lnSpc>
-          <a:spcPct val="90000"/>
+          <a:spcPct val="85000"/>
         </a:lnSpc>
         <a:spcBef>
           <a:spcPct val="0"/>
         </a:spcBef>
         <a:buNone/>
-        <a:defRPr sz="4400" kern="1200">
+        <a:defRPr sz="4800" kern="1200" spc="-50" baseline="0">
           <a:solidFill>
-            <a:schemeClr val="tx1"/>
+            <a:schemeClr val="tx1">
+              <a:lumMod val="75000"/>
+              <a:lumOff val="25000"/>
+            </a:schemeClr>
           </a:solidFill>
           <a:latin typeface="+mj-lt"/>
           <a:ea typeface="+mj-ea"/>
@@ -2696,162 +3456,244 @@
       </a:lvl1pPr>
     </p:titleStyle>
     <p:bodyStyle>
-      <a:lvl1pPr marL="228600" indent="-228600" algn="l" defTabSz="914400" rtl="0" eaLnBrk="1" latinLnBrk="0" hangingPunct="1">
+      <a:lvl1pPr marL="91440" indent="-91440" algn="l" defTabSz="914400" rtl="0" eaLnBrk="1" latinLnBrk="0" hangingPunct="1">
         <a:lnSpc>
           <a:spcPct val="90000"/>
         </a:lnSpc>
         <a:spcBef>
-          <a:spcPts val="1000"/>
+          <a:spcPts val="1200"/>
         </a:spcBef>
-        <a:buFont typeface="Arial" panose="020B0604020202020204" pitchFamily="34" charset="0"/>
-        <a:buChar char="•"/>
-        <a:defRPr sz="2800" kern="1200">
+        <a:spcAft>
+          <a:spcPts val="200"/>
+        </a:spcAft>
+        <a:buClr>
+          <a:schemeClr val="accent1"/>
+        </a:buClr>
+        <a:buSzPct val="100000"/>
+        <a:buFont typeface="Calibri" panose="020F0502020204030204" pitchFamily="34" charset="0"/>
+        <a:buChar char=" "/>
+        <a:defRPr sz="2000" kern="1200">
           <a:solidFill>
-            <a:schemeClr val="tx1"/>
+            <a:schemeClr val="tx1">
+              <a:lumMod val="75000"/>
+              <a:lumOff val="25000"/>
+            </a:schemeClr>
           </a:solidFill>
           <a:latin typeface="+mn-lt"/>
           <a:ea typeface="+mn-ea"/>
           <a:cs typeface="+mn-cs"/>
         </a:defRPr>
       </a:lvl1pPr>
-      <a:lvl2pPr marL="685800" indent="-228600" algn="l" defTabSz="914400" rtl="0" eaLnBrk="1" latinLnBrk="0" hangingPunct="1">
+      <a:lvl2pPr marL="384048" indent="-182880" algn="l" defTabSz="914400" rtl="0" eaLnBrk="1" latinLnBrk="0" hangingPunct="1">
         <a:lnSpc>
           <a:spcPct val="90000"/>
         </a:lnSpc>
         <a:spcBef>
-          <a:spcPts val="500"/>
+          <a:spcPts val="200"/>
         </a:spcBef>
-        <a:buFont typeface="Arial" panose="020B0604020202020204" pitchFamily="34" charset="0"/>
-        <a:buChar char="•"/>
-        <a:defRPr sz="2400" kern="1200">
+        <a:spcAft>
+          <a:spcPts val="400"/>
+        </a:spcAft>
+        <a:buClr>
+          <a:schemeClr val="accent1"/>
+        </a:buClr>
+        <a:buFont typeface="Calibri" pitchFamily="34" charset="0"/>
+        <a:buChar char="◦"/>
+        <a:defRPr sz="1800" kern="1200">
           <a:solidFill>
-            <a:schemeClr val="tx1"/>
+            <a:schemeClr val="tx1">
+              <a:lumMod val="75000"/>
+              <a:lumOff val="25000"/>
+            </a:schemeClr>
           </a:solidFill>
           <a:latin typeface="+mn-lt"/>
           <a:ea typeface="+mn-ea"/>
           <a:cs typeface="+mn-cs"/>
         </a:defRPr>
       </a:lvl2pPr>
-      <a:lvl3pPr marL="1143000" indent="-228600" algn="l" defTabSz="914400" rtl="0" eaLnBrk="1" latinLnBrk="0" hangingPunct="1">
+      <a:lvl3pPr marL="566928" indent="-182880" algn="l" defTabSz="914400" rtl="0" eaLnBrk="1" latinLnBrk="0" hangingPunct="1">
         <a:lnSpc>
           <a:spcPct val="90000"/>
         </a:lnSpc>
         <a:spcBef>
-          <a:spcPts val="500"/>
+          <a:spcPts val="200"/>
         </a:spcBef>
-        <a:buFont typeface="Arial" panose="020B0604020202020204" pitchFamily="34" charset="0"/>
-        <a:buChar char="•"/>
-        <a:defRPr sz="2000" kern="1200">
+        <a:spcAft>
+          <a:spcPts val="400"/>
+        </a:spcAft>
+        <a:buClr>
+          <a:schemeClr val="accent1"/>
+        </a:buClr>
+        <a:buFont typeface="Calibri" pitchFamily="34" charset="0"/>
+        <a:buChar char="◦"/>
+        <a:defRPr sz="1400" kern="1200">
           <a:solidFill>
-            <a:schemeClr val="tx1"/>
+            <a:schemeClr val="tx1">
+              <a:lumMod val="75000"/>
+              <a:lumOff val="25000"/>
+            </a:schemeClr>
           </a:solidFill>
           <a:latin typeface="+mn-lt"/>
           <a:ea typeface="+mn-ea"/>
           <a:cs typeface="+mn-cs"/>
         </a:defRPr>
       </a:lvl3pPr>
-      <a:lvl4pPr marL="1600200" indent="-228600" algn="l" defTabSz="914400" rtl="0" eaLnBrk="1" latinLnBrk="0" hangingPunct="1">
+      <a:lvl4pPr marL="749808" indent="-182880" algn="l" defTabSz="914400" rtl="0" eaLnBrk="1" latinLnBrk="0" hangingPunct="1">
         <a:lnSpc>
           <a:spcPct val="90000"/>
         </a:lnSpc>
         <a:spcBef>
-          <a:spcPts val="500"/>
+          <a:spcPts val="200"/>
         </a:spcBef>
-        <a:buFont typeface="Arial" panose="020B0604020202020204" pitchFamily="34" charset="0"/>
-        <a:buChar char="•"/>
-        <a:defRPr sz="1800" kern="1200">
+        <a:spcAft>
+          <a:spcPts val="400"/>
+        </a:spcAft>
+        <a:buClr>
+          <a:schemeClr val="accent1"/>
+        </a:buClr>
+        <a:buFont typeface="Calibri" pitchFamily="34" charset="0"/>
+        <a:buChar char="◦"/>
+        <a:defRPr sz="1400" kern="1200">
           <a:solidFill>
-            <a:schemeClr val="tx1"/>
+            <a:schemeClr val="tx1">
+              <a:lumMod val="75000"/>
+              <a:lumOff val="25000"/>
+            </a:schemeClr>
           </a:solidFill>
           <a:latin typeface="+mn-lt"/>
           <a:ea typeface="+mn-ea"/>
           <a:cs typeface="+mn-cs"/>
         </a:defRPr>
       </a:lvl4pPr>
-      <a:lvl5pPr marL="2057400" indent="-228600" algn="l" defTabSz="914400" rtl="0" eaLnBrk="1" latinLnBrk="0" hangingPunct="1">
+      <a:lvl5pPr marL="932688" indent="-182880" algn="l" defTabSz="914400" rtl="0" eaLnBrk="1" latinLnBrk="0" hangingPunct="1">
         <a:lnSpc>
           <a:spcPct val="90000"/>
         </a:lnSpc>
         <a:spcBef>
-          <a:spcPts val="500"/>
+          <a:spcPts val="200"/>
         </a:spcBef>
-        <a:buFont typeface="Arial" panose="020B0604020202020204" pitchFamily="34" charset="0"/>
-        <a:buChar char="•"/>
-        <a:defRPr sz="1800" kern="1200">
+        <a:spcAft>
+          <a:spcPts val="400"/>
+        </a:spcAft>
+        <a:buClr>
+          <a:schemeClr val="accent1"/>
+        </a:buClr>
+        <a:buFont typeface="Calibri" pitchFamily="34" charset="0"/>
+        <a:buChar char="◦"/>
+        <a:defRPr sz="1400" kern="1200">
           <a:solidFill>
-            <a:schemeClr val="tx1"/>
+            <a:schemeClr val="tx1">
+              <a:lumMod val="75000"/>
+              <a:lumOff val="25000"/>
+            </a:schemeClr>
           </a:solidFill>
           <a:latin typeface="+mn-lt"/>
           <a:ea typeface="+mn-ea"/>
           <a:cs typeface="+mn-cs"/>
         </a:defRPr>
       </a:lvl5pPr>
-      <a:lvl6pPr marL="2514600" indent="-228600" algn="l" defTabSz="914400" rtl="0" eaLnBrk="1" latinLnBrk="0" hangingPunct="1">
+      <a:lvl6pPr marL="1100000" indent="-228600" algn="l" defTabSz="914400" rtl="0" eaLnBrk="1" latinLnBrk="0" hangingPunct="1">
         <a:lnSpc>
           <a:spcPct val="90000"/>
         </a:lnSpc>
         <a:spcBef>
-          <a:spcPts val="500"/>
+          <a:spcPts val="200"/>
         </a:spcBef>
-        <a:buFont typeface="Arial" panose="020B0604020202020204" pitchFamily="34" charset="0"/>
-        <a:buChar char="•"/>
-        <a:defRPr sz="1800" kern="1200">
+        <a:spcAft>
+          <a:spcPts val="400"/>
+        </a:spcAft>
+        <a:buClr>
+          <a:schemeClr val="accent1"/>
+        </a:buClr>
+        <a:buFont typeface="Calibri" pitchFamily="34" charset="0"/>
+        <a:buChar char="◦"/>
+        <a:defRPr sz="1400" kern="1200">
           <a:solidFill>
-            <a:schemeClr val="tx1"/>
+            <a:schemeClr val="tx1">
+              <a:lumMod val="75000"/>
+              <a:lumOff val="25000"/>
+            </a:schemeClr>
           </a:solidFill>
           <a:latin typeface="+mn-lt"/>
           <a:ea typeface="+mn-ea"/>
           <a:cs typeface="+mn-cs"/>
         </a:defRPr>
       </a:lvl6pPr>
-      <a:lvl7pPr marL="2971800" indent="-228600" algn="l" defTabSz="914400" rtl="0" eaLnBrk="1" latinLnBrk="0" hangingPunct="1">
+      <a:lvl7pPr marL="1300000" indent="-228600" algn="l" defTabSz="914400" rtl="0" eaLnBrk="1" latinLnBrk="0" hangingPunct="1">
         <a:lnSpc>
           <a:spcPct val="90000"/>
         </a:lnSpc>
         <a:spcBef>
-          <a:spcPts val="500"/>
+          <a:spcPts val="200"/>
         </a:spcBef>
-        <a:buFont typeface="Arial" panose="020B0604020202020204" pitchFamily="34" charset="0"/>
-        <a:buChar char="•"/>
-        <a:defRPr sz="1800" kern="1200">
+        <a:spcAft>
+          <a:spcPts val="400"/>
+        </a:spcAft>
+        <a:buClr>
+          <a:schemeClr val="accent1"/>
+        </a:buClr>
+        <a:buFont typeface="Calibri" pitchFamily="34" charset="0"/>
+        <a:buChar char="◦"/>
+        <a:defRPr sz="1400" kern="1200">
           <a:solidFill>
-            <a:schemeClr val="tx1"/>
+            <a:schemeClr val="tx1">
+              <a:lumMod val="75000"/>
+              <a:lumOff val="25000"/>
+            </a:schemeClr>
           </a:solidFill>
           <a:latin typeface="+mn-lt"/>
           <a:ea typeface="+mn-ea"/>
           <a:cs typeface="+mn-cs"/>
         </a:defRPr>
       </a:lvl7pPr>
-      <a:lvl8pPr marL="3429000" indent="-228600" algn="l" defTabSz="914400" rtl="0" eaLnBrk="1" latinLnBrk="0" hangingPunct="1">
+      <a:lvl8pPr marL="1500000" indent="-228600" algn="l" defTabSz="914400" rtl="0" eaLnBrk="1" latinLnBrk="0" hangingPunct="1">
         <a:lnSpc>
           <a:spcPct val="90000"/>
         </a:lnSpc>
         <a:spcBef>
-          <a:spcPts val="500"/>
+          <a:spcPts val="200"/>
         </a:spcBef>
-        <a:buFont typeface="Arial" panose="020B0604020202020204" pitchFamily="34" charset="0"/>
-        <a:buChar char="•"/>
-        <a:defRPr sz="1800" kern="1200">
+        <a:spcAft>
+          <a:spcPts val="400"/>
+        </a:spcAft>
+        <a:buClr>
+          <a:schemeClr val="accent1"/>
+        </a:buClr>
+        <a:buFont typeface="Calibri" pitchFamily="34" charset="0"/>
+        <a:buChar char="◦"/>
+        <a:defRPr sz="1400" kern="1200">
           <a:solidFill>
-            <a:schemeClr val="tx1"/>
+            <a:schemeClr val="tx1">
+              <a:lumMod val="75000"/>
+              <a:lumOff val="25000"/>
+            </a:schemeClr>
           </a:solidFill>
           <a:latin typeface="+mn-lt"/>
           <a:ea typeface="+mn-ea"/>
           <a:cs typeface="+mn-cs"/>
         </a:defRPr>
       </a:lvl8pPr>
-      <a:lvl9pPr marL="3886200" indent="-228600" algn="l" defTabSz="914400" rtl="0" eaLnBrk="1" latinLnBrk="0" hangingPunct="1">
+      <a:lvl9pPr marL="1700000" indent="-228600" algn="l" defTabSz="914400" rtl="0" eaLnBrk="1" latinLnBrk="0" hangingPunct="1">
         <a:lnSpc>
           <a:spcPct val="90000"/>
         </a:lnSpc>
         <a:spcBef>
-          <a:spcPts val="500"/>
+          <a:spcPts val="200"/>
         </a:spcBef>
-        <a:buFont typeface="Arial" panose="020B0604020202020204" pitchFamily="34" charset="0"/>
-        <a:buChar char="•"/>
-        <a:defRPr sz="1800" kern="1200">
+        <a:spcAft>
+          <a:spcPts val="400"/>
+        </a:spcAft>
+        <a:buClr>
+          <a:schemeClr val="accent1"/>
+        </a:buClr>
+        <a:buFont typeface="Calibri" pitchFamily="34" charset="0"/>
+        <a:buChar char="◦"/>
+        <a:defRPr sz="1400" kern="1200">
           <a:solidFill>
-            <a:schemeClr val="tx1"/>
+            <a:schemeClr val="tx1">
+              <a:lumMod val="75000"/>
+              <a:lumOff val="25000"/>
+            </a:schemeClr>
           </a:solidFill>
           <a:latin typeface="+mn-lt"/>
           <a:ea typeface="+mn-ea"/>
@@ -3034,222 +3876,6 @@
 </p:sld>
 </file>
 
-<file path=ppt/slides/slide10.xml><?xml version="1.0" encoding="utf-8"?>
-<p:sld xmlns:a="http://schemas.openxmlformats.org/drawingml/2006/main" xmlns:r="http://schemas.openxmlformats.org/officeDocument/2006/relationships" xmlns:p="http://schemas.openxmlformats.org/presentationml/2006/main">
-  <p:cSld>
-    <p:spTree>
-      <p:nvGrpSpPr>
-        <p:cNvPr id="1" name=""/>
-        <p:cNvGrpSpPr/>
-        <p:nvPr/>
-      </p:nvGrpSpPr>
-      <p:grpSpPr>
-        <a:xfrm>
-          <a:off x="0" y="0"/>
-          <a:ext cx="0" cy="0"/>
-          <a:chOff x="0" y="0"/>
-          <a:chExt cx="0" cy="0"/>
-        </a:xfrm>
-      </p:grpSpPr>
-      <p:sp>
-        <p:nvSpPr>
-          <p:cNvPr id="2" name="Title 1"/>
-          <p:cNvSpPr>
-            <a:spLocks noGrp="1"/>
-          </p:cNvSpPr>
-          <p:nvPr>
-            <p:ph type="title"/>
-          </p:nvPr>
-        </p:nvSpPr>
-        <p:spPr/>
-        <p:txBody>
-          <a:bodyPr/>
-          <a:lstStyle/>
-          <a:p>
-            <a:r>
-              <a:rPr lang="en-US" dirty="0" smtClean="0"/>
-              <a:t>ACLS, NAT and wireless </a:t>
-            </a:r>
-            <a:endParaRPr lang="en-US" dirty="0"/>
-          </a:p>
-        </p:txBody>
-      </p:sp>
-      <p:sp>
-        <p:nvSpPr>
-          <p:cNvPr id="3" name="Content Placeholder 2"/>
-          <p:cNvSpPr>
-            <a:spLocks noGrp="1"/>
-          </p:cNvSpPr>
-          <p:nvPr>
-            <p:ph idx="1"/>
-          </p:nvPr>
-        </p:nvSpPr>
-        <p:spPr/>
-        <p:txBody>
-          <a:bodyPr/>
-          <a:lstStyle/>
-          <a:p>
-            <a:endParaRPr lang="en-US"/>
-          </a:p>
-        </p:txBody>
-      </p:sp>
-    </p:spTree>
-    <p:extLst>
-      <p:ext uri="{BB962C8B-B14F-4D97-AF65-F5344CB8AC3E}">
-        <p14:creationId xmlns:p14="http://schemas.microsoft.com/office/powerpoint/2010/main" val="94725064"/>
-      </p:ext>
-    </p:extLst>
-  </p:cSld>
-  <p:clrMapOvr>
-    <a:masterClrMapping/>
-  </p:clrMapOvr>
-</p:sld>
-</file>
-
-<file path=ppt/slides/slide11.xml><?xml version="1.0" encoding="utf-8"?>
-<p:sld xmlns:a="http://schemas.openxmlformats.org/drawingml/2006/main" xmlns:r="http://schemas.openxmlformats.org/officeDocument/2006/relationships" xmlns:p="http://schemas.openxmlformats.org/presentationml/2006/main">
-  <p:cSld>
-    <p:spTree>
-      <p:nvGrpSpPr>
-        <p:cNvPr id="1" name=""/>
-        <p:cNvGrpSpPr/>
-        <p:nvPr/>
-      </p:nvGrpSpPr>
-      <p:grpSpPr>
-        <a:xfrm>
-          <a:off x="0" y="0"/>
-          <a:ext cx="0" cy="0"/>
-          <a:chOff x="0" y="0"/>
-          <a:chExt cx="0" cy="0"/>
-        </a:xfrm>
-      </p:grpSpPr>
-      <p:sp>
-        <p:nvSpPr>
-          <p:cNvPr id="2" name="Title 1"/>
-          <p:cNvSpPr>
-            <a:spLocks noGrp="1"/>
-          </p:cNvSpPr>
-          <p:nvPr>
-            <p:ph type="title"/>
-          </p:nvPr>
-        </p:nvSpPr>
-        <p:spPr/>
-        <p:txBody>
-          <a:bodyPr/>
-          <a:lstStyle/>
-          <a:p>
-            <a:r>
-              <a:rPr lang="en-US" dirty="0" smtClean="0"/>
-              <a:t>Layer 2 design</a:t>
-            </a:r>
-            <a:endParaRPr lang="en-US" dirty="0"/>
-          </a:p>
-        </p:txBody>
-      </p:sp>
-      <p:sp>
-        <p:nvSpPr>
-          <p:cNvPr id="3" name="Content Placeholder 2"/>
-          <p:cNvSpPr>
-            <a:spLocks noGrp="1"/>
-          </p:cNvSpPr>
-          <p:nvPr>
-            <p:ph idx="1"/>
-          </p:nvPr>
-        </p:nvSpPr>
-        <p:spPr/>
-        <p:txBody>
-          <a:bodyPr/>
-          <a:lstStyle/>
-          <a:p>
-            <a:endParaRPr lang="en-US"/>
-          </a:p>
-        </p:txBody>
-      </p:sp>
-    </p:spTree>
-    <p:extLst>
-      <p:ext uri="{BB962C8B-B14F-4D97-AF65-F5344CB8AC3E}">
-        <p14:creationId xmlns:p14="http://schemas.microsoft.com/office/powerpoint/2010/main" val="2573190310"/>
-      </p:ext>
-    </p:extLst>
-  </p:cSld>
-  <p:clrMapOvr>
-    <a:masterClrMapping/>
-  </p:clrMapOvr>
-</p:sld>
-</file>
-
-<file path=ppt/slides/slide12.xml><?xml version="1.0" encoding="utf-8"?>
-<p:sld xmlns:a="http://schemas.openxmlformats.org/drawingml/2006/main" xmlns:r="http://schemas.openxmlformats.org/officeDocument/2006/relationships" xmlns:p="http://schemas.openxmlformats.org/presentationml/2006/main">
-  <p:cSld>
-    <p:spTree>
-      <p:nvGrpSpPr>
-        <p:cNvPr id="1" name=""/>
-        <p:cNvGrpSpPr/>
-        <p:nvPr/>
-      </p:nvGrpSpPr>
-      <p:grpSpPr>
-        <a:xfrm>
-          <a:off x="0" y="0"/>
-          <a:ext cx="0" cy="0"/>
-          <a:chOff x="0" y="0"/>
-          <a:chExt cx="0" cy="0"/>
-        </a:xfrm>
-      </p:grpSpPr>
-      <p:sp>
-        <p:nvSpPr>
-          <p:cNvPr id="2" name="Title 1"/>
-          <p:cNvSpPr>
-            <a:spLocks noGrp="1"/>
-          </p:cNvSpPr>
-          <p:nvPr>
-            <p:ph type="title"/>
-          </p:nvPr>
-        </p:nvSpPr>
-        <p:spPr/>
-        <p:txBody>
-          <a:bodyPr/>
-          <a:lstStyle/>
-          <a:p>
-            <a:r>
-              <a:rPr lang="en-US" dirty="0" smtClean="0"/>
-              <a:t>Layer 3 Design </a:t>
-            </a:r>
-            <a:endParaRPr lang="en-US" dirty="0"/>
-          </a:p>
-        </p:txBody>
-      </p:sp>
-      <p:sp>
-        <p:nvSpPr>
-          <p:cNvPr id="3" name="Content Placeholder 2"/>
-          <p:cNvSpPr>
-            <a:spLocks noGrp="1"/>
-          </p:cNvSpPr>
-          <p:nvPr>
-            <p:ph idx="1"/>
-          </p:nvPr>
-        </p:nvSpPr>
-        <p:spPr/>
-        <p:txBody>
-          <a:bodyPr/>
-          <a:lstStyle/>
-          <a:p>
-            <a:endParaRPr lang="en-US"/>
-          </a:p>
-        </p:txBody>
-      </p:sp>
-    </p:spTree>
-    <p:extLst>
-      <p:ext uri="{BB962C8B-B14F-4D97-AF65-F5344CB8AC3E}">
-        <p14:creationId xmlns:p14="http://schemas.microsoft.com/office/powerpoint/2010/main" val="3118301213"/>
-      </p:ext>
-    </p:extLst>
-  </p:cSld>
-  <p:clrMapOvr>
-    <a:masterClrMapping/>
-  </p:clrMapOvr>
-</p:sld>
-</file>
-
 <file path=ppt/slides/slide2.xml><?xml version="1.0" encoding="utf-8"?>
 <p:sld xmlns:a="http://schemas.openxmlformats.org/drawingml/2006/main" xmlns:r="http://schemas.openxmlformats.org/officeDocument/2006/relationships" xmlns:p="http://schemas.openxmlformats.org/presentationml/2006/main">
   <p:cSld>
@@ -3277,7 +3903,7 @@
             <p:ph idx="1"/>
           </p:nvPr>
         </p:nvPicPr>
-        <p:blipFill>
+        <p:blipFill rotWithShape="1">
           <a:blip r:embed="rId2">
             <a:extLst>
               <a:ext uri="{28A0092B-C50C-407E-A947-70E740481C1C}">
@@ -3285,14 +3911,13 @@
               </a:ext>
             </a:extLst>
           </a:blip>
-          <a:stretch>
-            <a:fillRect/>
-          </a:stretch>
+          <a:srcRect b="7594"/>
+          <a:stretch/>
         </p:blipFill>
         <p:spPr>
           <a:xfrm>
             <a:off x="705854" y="-247162"/>
-            <a:ext cx="10035126" cy="7105162"/>
+            <a:ext cx="10035126" cy="6565584"/>
           </a:xfrm>
         </p:spPr>
       </p:pic>
@@ -3306,7 +3931,12 @@
             <p:ph type="title"/>
           </p:nvPr>
         </p:nvSpPr>
-        <p:spPr/>
+        <p:spPr>
+          <a:xfrm>
+            <a:off x="380589" y="-155036"/>
+            <a:ext cx="10058400" cy="1450757"/>
+          </a:xfrm>
+        </p:spPr>
         <p:txBody>
           <a:bodyPr/>
           <a:lstStyle/>
@@ -3319,6 +3949,156 @@
           </a:p>
         </p:txBody>
       </p:sp>
+      <p:cxnSp>
+        <p:nvCxnSpPr>
+          <p:cNvPr id="5" name="Straight Connector 4"/>
+          <p:cNvCxnSpPr/>
+          <p:nvPr/>
+        </p:nvCxnSpPr>
+        <p:spPr>
+          <a:xfrm flipV="1">
+            <a:off x="4885038" y="2512541"/>
+            <a:ext cx="1210962" cy="1120345"/>
+          </a:xfrm>
+          <a:prstGeom prst="line">
+            <a:avLst/>
+          </a:prstGeom>
+        </p:spPr>
+        <p:style>
+          <a:lnRef idx="3">
+            <a:schemeClr val="dk1"/>
+          </a:lnRef>
+          <a:fillRef idx="0">
+            <a:schemeClr val="dk1"/>
+          </a:fillRef>
+          <a:effectRef idx="2">
+            <a:schemeClr val="dk1"/>
+          </a:effectRef>
+          <a:fontRef idx="minor">
+            <a:schemeClr val="tx1"/>
+          </a:fontRef>
+        </p:style>
+      </p:cxnSp>
+      <p:cxnSp>
+        <p:nvCxnSpPr>
+          <p:cNvPr id="6" name="Straight Connector 5"/>
+          <p:cNvCxnSpPr/>
+          <p:nvPr/>
+        </p:nvCxnSpPr>
+        <p:spPr>
+          <a:xfrm>
+            <a:off x="4885038" y="3714172"/>
+            <a:ext cx="1210962" cy="116423"/>
+          </a:xfrm>
+          <a:prstGeom prst="line">
+            <a:avLst/>
+          </a:prstGeom>
+        </p:spPr>
+        <p:style>
+          <a:lnRef idx="3">
+            <a:schemeClr val="dk1"/>
+          </a:lnRef>
+          <a:fillRef idx="0">
+            <a:schemeClr val="dk1"/>
+          </a:fillRef>
+          <a:effectRef idx="2">
+            <a:schemeClr val="dk1"/>
+          </a:effectRef>
+          <a:fontRef idx="minor">
+            <a:schemeClr val="tx1"/>
+          </a:fontRef>
+        </p:style>
+      </p:cxnSp>
+      <p:cxnSp>
+        <p:nvCxnSpPr>
+          <p:cNvPr id="8" name="Straight Connector 7"/>
+          <p:cNvCxnSpPr/>
+          <p:nvPr/>
+        </p:nvCxnSpPr>
+        <p:spPr>
+          <a:xfrm flipV="1">
+            <a:off x="7039233" y="3714171"/>
+            <a:ext cx="1915297" cy="1"/>
+          </a:xfrm>
+          <a:prstGeom prst="line">
+            <a:avLst/>
+          </a:prstGeom>
+        </p:spPr>
+        <p:style>
+          <a:lnRef idx="3">
+            <a:schemeClr val="dk1"/>
+          </a:lnRef>
+          <a:fillRef idx="0">
+            <a:schemeClr val="dk1"/>
+          </a:fillRef>
+          <a:effectRef idx="2">
+            <a:schemeClr val="dk1"/>
+          </a:effectRef>
+          <a:fontRef idx="minor">
+            <a:schemeClr val="tx1"/>
+          </a:fontRef>
+        </p:style>
+      </p:cxnSp>
+      <p:cxnSp>
+        <p:nvCxnSpPr>
+          <p:cNvPr id="10" name="Straight Connector 9"/>
+          <p:cNvCxnSpPr/>
+          <p:nvPr/>
+        </p:nvCxnSpPr>
+        <p:spPr>
+          <a:xfrm flipH="1" flipV="1">
+            <a:off x="6598506" y="2603155"/>
+            <a:ext cx="8240" cy="988544"/>
+          </a:xfrm>
+          <a:prstGeom prst="line">
+            <a:avLst/>
+          </a:prstGeom>
+        </p:spPr>
+        <p:style>
+          <a:lnRef idx="3">
+            <a:schemeClr val="dk1"/>
+          </a:lnRef>
+          <a:fillRef idx="0">
+            <a:schemeClr val="dk1"/>
+          </a:fillRef>
+          <a:effectRef idx="2">
+            <a:schemeClr val="dk1"/>
+          </a:effectRef>
+          <a:fontRef idx="minor">
+            <a:schemeClr val="tx1"/>
+          </a:fontRef>
+        </p:style>
+      </p:cxnSp>
+      <p:cxnSp>
+        <p:nvCxnSpPr>
+          <p:cNvPr id="13" name="Straight Connector 12"/>
+          <p:cNvCxnSpPr/>
+          <p:nvPr/>
+        </p:nvCxnSpPr>
+        <p:spPr>
+          <a:xfrm flipV="1">
+            <a:off x="6598506" y="1112108"/>
+            <a:ext cx="0" cy="1126815"/>
+          </a:xfrm>
+          <a:prstGeom prst="line">
+            <a:avLst/>
+          </a:prstGeom>
+        </p:spPr>
+        <p:style>
+          <a:lnRef idx="3">
+            <a:schemeClr val="dk1"/>
+          </a:lnRef>
+          <a:fillRef idx="0">
+            <a:schemeClr val="dk1"/>
+          </a:fillRef>
+          <a:effectRef idx="2">
+            <a:schemeClr val="dk1"/>
+          </a:effectRef>
+          <a:fontRef idx="minor">
+            <a:schemeClr val="tx1"/>
+          </a:fontRef>
+        </p:style>
+      </p:cxnSp>
     </p:spTree>
     <p:extLst>
       <p:ext uri="{BB962C8B-B14F-4D97-AF65-F5344CB8AC3E}">
@@ -3525,6 +4305,13 @@
   <p:clrMapOvr>
     <a:masterClrMapping/>
   </p:clrMapOvr>
+  <p:timing>
+    <p:tnLst>
+      <p:par>
+        <p:cTn id="1" dur="indefinite" restart="never" nodeType="tmRoot"/>
+      </p:par>
+    </p:tnLst>
+  </p:timing>
 </p:sld>
 </file>
 
@@ -3545,6 +4332,34 @@
           <a:chExt cx="0" cy="0"/>
         </a:xfrm>
       </p:grpSpPr>
+      <p:pic>
+        <p:nvPicPr>
+          <p:cNvPr id="4" name="Content Placeholder 3" descr="Screen Clipping"/>
+          <p:cNvPicPr>
+            <a:picLocks noGrp="1" noChangeAspect="1"/>
+          </p:cNvPicPr>
+          <p:nvPr>
+            <p:ph idx="1"/>
+          </p:nvPr>
+        </p:nvPicPr>
+        <p:blipFill rotWithShape="1">
+          <a:blip r:embed="rId2">
+            <a:extLst>
+              <a:ext uri="{28A0092B-C50C-407E-A947-70E740481C1C}">
+                <a14:useLocalDpi xmlns:a14="http://schemas.microsoft.com/office/drawing/2010/main" val="0"/>
+              </a:ext>
+            </a:extLst>
+          </a:blip>
+          <a:srcRect b="7594"/>
+          <a:stretch/>
+        </p:blipFill>
+        <p:spPr>
+          <a:xfrm>
+            <a:off x="705854" y="-247162"/>
+            <a:ext cx="10035126" cy="6565584"/>
+          </a:xfrm>
+        </p:spPr>
+      </p:pic>
       <p:sp>
         <p:nvSpPr>
           <p:cNvPr id="2" name="Title 1"/>
@@ -3555,48 +4370,1506 @@
             <p:ph type="title"/>
           </p:nvPr>
         </p:nvSpPr>
-        <p:spPr/>
+        <p:spPr>
+          <a:xfrm>
+            <a:off x="84026" y="-419935"/>
+            <a:ext cx="10058400" cy="1450757"/>
+          </a:xfrm>
+        </p:spPr>
         <p:txBody>
           <a:bodyPr/>
           <a:lstStyle/>
           <a:p>
             <a:r>
               <a:rPr lang="en-US" dirty="0" smtClean="0"/>
-              <a:t>Network Diagram</a:t>
+              <a:t>Network Diagram </a:t>
             </a:r>
             <a:endParaRPr lang="en-US" dirty="0"/>
           </a:p>
         </p:txBody>
       </p:sp>
-      <p:sp>
-        <p:nvSpPr>
-          <p:cNvPr id="3" name="Content Placeholder 2"/>
-          <p:cNvSpPr>
-            <a:spLocks noGrp="1"/>
-          </p:cNvSpPr>
-          <p:nvPr>
-            <p:ph idx="1"/>
-          </p:nvPr>
-        </p:nvSpPr>
-        <p:spPr/>
-        <p:txBody>
-          <a:bodyPr/>
-          <a:lstStyle/>
-          <a:p>
-            <a:endParaRPr lang="en-US"/>
+      <p:cxnSp>
+        <p:nvCxnSpPr>
+          <p:cNvPr id="5" name="Straight Connector 4"/>
+          <p:cNvCxnSpPr/>
+          <p:nvPr/>
+        </p:nvCxnSpPr>
+        <p:spPr>
+          <a:xfrm flipV="1">
+            <a:off x="4885038" y="2512541"/>
+            <a:ext cx="1210962" cy="1120345"/>
+          </a:xfrm>
+          <a:prstGeom prst="line">
+            <a:avLst/>
+          </a:prstGeom>
+        </p:spPr>
+        <p:style>
+          <a:lnRef idx="3">
+            <a:schemeClr val="dk1"/>
+          </a:lnRef>
+          <a:fillRef idx="0">
+            <a:schemeClr val="dk1"/>
+          </a:fillRef>
+          <a:effectRef idx="2">
+            <a:schemeClr val="dk1"/>
+          </a:effectRef>
+          <a:fontRef idx="minor">
+            <a:schemeClr val="tx1"/>
+          </a:fontRef>
+        </p:style>
+      </p:cxnSp>
+      <p:cxnSp>
+        <p:nvCxnSpPr>
+          <p:cNvPr id="6" name="Straight Connector 5"/>
+          <p:cNvCxnSpPr/>
+          <p:nvPr/>
+        </p:nvCxnSpPr>
+        <p:spPr>
+          <a:xfrm>
+            <a:off x="4885038" y="3714172"/>
+            <a:ext cx="1210962" cy="116423"/>
+          </a:xfrm>
+          <a:prstGeom prst="line">
+            <a:avLst/>
+          </a:prstGeom>
+        </p:spPr>
+        <p:style>
+          <a:lnRef idx="3">
+            <a:schemeClr val="dk1"/>
+          </a:lnRef>
+          <a:fillRef idx="0">
+            <a:schemeClr val="dk1"/>
+          </a:fillRef>
+          <a:effectRef idx="2">
+            <a:schemeClr val="dk1"/>
+          </a:effectRef>
+          <a:fontRef idx="minor">
+            <a:schemeClr val="tx1"/>
+          </a:fontRef>
+        </p:style>
+      </p:cxnSp>
+      <p:cxnSp>
+        <p:nvCxnSpPr>
+          <p:cNvPr id="8" name="Straight Connector 7"/>
+          <p:cNvCxnSpPr/>
+          <p:nvPr/>
+        </p:nvCxnSpPr>
+        <p:spPr>
+          <a:xfrm flipV="1">
+            <a:off x="7039233" y="3714171"/>
+            <a:ext cx="1915297" cy="1"/>
+          </a:xfrm>
+          <a:prstGeom prst="line">
+            <a:avLst/>
+          </a:prstGeom>
+        </p:spPr>
+        <p:style>
+          <a:lnRef idx="3">
+            <a:schemeClr val="dk1"/>
+          </a:lnRef>
+          <a:fillRef idx="0">
+            <a:schemeClr val="dk1"/>
+          </a:fillRef>
+          <a:effectRef idx="2">
+            <a:schemeClr val="dk1"/>
+          </a:effectRef>
+          <a:fontRef idx="minor">
+            <a:schemeClr val="tx1"/>
+          </a:fontRef>
+        </p:style>
+      </p:cxnSp>
+      <p:cxnSp>
+        <p:nvCxnSpPr>
+          <p:cNvPr id="10" name="Straight Connector 9"/>
+          <p:cNvCxnSpPr/>
+          <p:nvPr/>
+        </p:nvCxnSpPr>
+        <p:spPr>
+          <a:xfrm flipH="1" flipV="1">
+            <a:off x="6598506" y="2603155"/>
+            <a:ext cx="8240" cy="988544"/>
+          </a:xfrm>
+          <a:prstGeom prst="line">
+            <a:avLst/>
+          </a:prstGeom>
+        </p:spPr>
+        <p:style>
+          <a:lnRef idx="3">
+            <a:schemeClr val="dk1"/>
+          </a:lnRef>
+          <a:fillRef idx="0">
+            <a:schemeClr val="dk1"/>
+          </a:fillRef>
+          <a:effectRef idx="2">
+            <a:schemeClr val="dk1"/>
+          </a:effectRef>
+          <a:fontRef idx="minor">
+            <a:schemeClr val="tx1"/>
+          </a:fontRef>
+        </p:style>
+      </p:cxnSp>
+      <p:cxnSp>
+        <p:nvCxnSpPr>
+          <p:cNvPr id="13" name="Straight Connector 12"/>
+          <p:cNvCxnSpPr/>
+          <p:nvPr/>
+        </p:nvCxnSpPr>
+        <p:spPr>
+          <a:xfrm flipV="1">
+            <a:off x="6598506" y="1112108"/>
+            <a:ext cx="0" cy="1126815"/>
+          </a:xfrm>
+          <a:prstGeom prst="line">
+            <a:avLst/>
+          </a:prstGeom>
+        </p:spPr>
+        <p:style>
+          <a:lnRef idx="3">
+            <a:schemeClr val="dk1"/>
+          </a:lnRef>
+          <a:fillRef idx="0">
+            <a:schemeClr val="dk1"/>
+          </a:fillRef>
+          <a:effectRef idx="2">
+            <a:schemeClr val="dk1"/>
+          </a:effectRef>
+          <a:fontRef idx="minor">
+            <a:schemeClr val="tx1"/>
+          </a:fontRef>
+        </p:style>
+      </p:cxnSp>
+      <p:sp>
+        <p:nvSpPr>
+          <p:cNvPr id="3" name="TextBox 2"/>
+          <p:cNvSpPr txBox="1"/>
+          <p:nvPr/>
+        </p:nvSpPr>
+        <p:spPr>
+          <a:xfrm>
+            <a:off x="7257197" y="958108"/>
+            <a:ext cx="3184506" cy="1200329"/>
+          </a:xfrm>
+          <a:prstGeom prst="rect">
+            <a:avLst/>
+          </a:prstGeom>
+          <a:noFill/>
+        </p:spPr>
+        <p:txBody>
+          <a:bodyPr wrap="square" rtlCol="0">
+            <a:spAutoFit/>
+          </a:bodyPr>
+          <a:lstStyle/>
+          <a:p>
+            <a:r>
+              <a:rPr lang="en-US" sz="1200" b="1" dirty="0" smtClean="0">
+                <a:latin typeface="Courier New" panose="02070309020205020404" pitchFamily="49" charset="0"/>
+                <a:cs typeface="Courier New" panose="02070309020205020404" pitchFamily="49" charset="0"/>
+              </a:rPr>
+              <a:t>Fa0/0.100: 10.64.64.10</a:t>
+            </a:r>
+          </a:p>
+          <a:p>
+            <a:r>
+              <a:rPr lang="en-US" sz="1200" b="1" dirty="0" smtClean="0">
+                <a:latin typeface="Courier New" panose="02070309020205020404" pitchFamily="49" charset="0"/>
+                <a:cs typeface="Courier New" panose="02070309020205020404" pitchFamily="49" charset="0"/>
+              </a:rPr>
+              <a:t>Fa0/0.200: 10.64.64.20</a:t>
+            </a:r>
+          </a:p>
+          <a:p>
+            <a:r>
+              <a:rPr lang="en-US" sz="1200" b="1" dirty="0" smtClean="0">
+                <a:latin typeface="Courier New" panose="02070309020205020404" pitchFamily="49" charset="0"/>
+                <a:cs typeface="Courier New" panose="02070309020205020404" pitchFamily="49" charset="0"/>
+              </a:rPr>
+              <a:t>Fa0/0.300: 10.64.64.30</a:t>
+            </a:r>
+          </a:p>
+          <a:p>
+            <a:r>
+              <a:rPr lang="en-US" sz="1200" b="1" dirty="0" smtClean="0">
+                <a:latin typeface="Courier New" panose="02070309020205020404" pitchFamily="49" charset="0"/>
+                <a:cs typeface="Courier New" panose="02070309020205020404" pitchFamily="49" charset="0"/>
+              </a:rPr>
+              <a:t>Fa0/0.500</a:t>
+            </a:r>
+            <a:r>
+              <a:rPr lang="en-US" sz="1200" b="1" dirty="0" smtClean="0">
+                <a:latin typeface="Courier New" panose="02070309020205020404" pitchFamily="49" charset="0"/>
+                <a:cs typeface="Courier New" panose="02070309020205020404" pitchFamily="49" charset="0"/>
+              </a:rPr>
+              <a:t>: </a:t>
+            </a:r>
+            <a:r>
+              <a:rPr lang="en-US" sz="1200" b="1" dirty="0" smtClean="0">
+                <a:latin typeface="Courier New" panose="02070309020205020404" pitchFamily="49" charset="0"/>
+                <a:cs typeface="Courier New" panose="02070309020205020404" pitchFamily="49" charset="0"/>
+              </a:rPr>
+              <a:t>10.64.64.50</a:t>
+            </a:r>
+          </a:p>
+          <a:p>
+            <a:r>
+              <a:rPr lang="en-US" sz="1200" b="1" dirty="0" smtClean="0">
+                <a:latin typeface="Courier New" panose="02070309020205020404" pitchFamily="49" charset="0"/>
+                <a:cs typeface="Courier New" panose="02070309020205020404" pitchFamily="49" charset="0"/>
+              </a:rPr>
+              <a:t>Fa0/1 10.64.0.64</a:t>
+            </a:r>
+            <a:endParaRPr lang="en-US" sz="1200" b="1" dirty="0" smtClean="0">
+              <a:latin typeface="Courier New" panose="02070309020205020404" pitchFamily="49" charset="0"/>
+              <a:cs typeface="Courier New" panose="02070309020205020404" pitchFamily="49" charset="0"/>
+            </a:endParaRPr>
+          </a:p>
+          <a:p>
+            <a:r>
+              <a:rPr lang="en-US" sz="1200" b="1" dirty="0" smtClean="0">
+                <a:latin typeface="Courier New" panose="02070309020205020404" pitchFamily="49" charset="0"/>
+                <a:cs typeface="Courier New" panose="02070309020205020404" pitchFamily="49" charset="0"/>
+              </a:rPr>
+              <a:t>Default Gateway: 10.64.0.64</a:t>
+            </a:r>
+            <a:endParaRPr lang="en-US" sz="1200" b="1" dirty="0">
+              <a:latin typeface="Courier New" panose="02070309020205020404" pitchFamily="49" charset="0"/>
+              <a:cs typeface="Courier New" panose="02070309020205020404" pitchFamily="49" charset="0"/>
+            </a:endParaRPr>
+          </a:p>
+        </p:txBody>
+      </p:sp>
+      <p:sp>
+        <p:nvSpPr>
+          <p:cNvPr id="11" name="TextBox 10"/>
+          <p:cNvSpPr txBox="1"/>
+          <p:nvPr/>
+        </p:nvSpPr>
+        <p:spPr>
+          <a:xfrm>
+            <a:off x="7220335" y="2227126"/>
+            <a:ext cx="3184506" cy="276999"/>
+          </a:xfrm>
+          <a:prstGeom prst="rect">
+            <a:avLst/>
+          </a:prstGeom>
+          <a:noFill/>
+        </p:spPr>
+        <p:txBody>
+          <a:bodyPr wrap="square" rtlCol="0">
+            <a:spAutoFit/>
+          </a:bodyPr>
+          <a:lstStyle/>
+          <a:p>
+            <a:r>
+              <a:rPr lang="en-US" sz="1200" b="1" dirty="0" smtClean="0">
+                <a:latin typeface="Courier New" panose="02070309020205020404" pitchFamily="49" charset="0"/>
+                <a:cs typeface="Courier New" panose="02070309020205020404" pitchFamily="49" charset="0"/>
+              </a:rPr>
+              <a:t>IP:10.64.64.4/24</a:t>
+            </a:r>
+            <a:endParaRPr lang="en-US" sz="1200" b="1" dirty="0">
+              <a:latin typeface="Courier New" panose="02070309020205020404" pitchFamily="49" charset="0"/>
+              <a:cs typeface="Courier New" panose="02070309020205020404" pitchFamily="49" charset="0"/>
+            </a:endParaRPr>
+          </a:p>
+        </p:txBody>
+      </p:sp>
+      <p:sp>
+        <p:nvSpPr>
+          <p:cNvPr id="12" name="TextBox 11"/>
+          <p:cNvSpPr txBox="1"/>
+          <p:nvPr/>
+        </p:nvSpPr>
+        <p:spPr>
+          <a:xfrm>
+            <a:off x="9617951" y="3161109"/>
+            <a:ext cx="3184506" cy="1015663"/>
+          </a:xfrm>
+          <a:prstGeom prst="rect">
+            <a:avLst/>
+          </a:prstGeom>
+          <a:noFill/>
+        </p:spPr>
+        <p:txBody>
+          <a:bodyPr wrap="square" rtlCol="0">
+            <a:spAutoFit/>
+          </a:bodyPr>
+          <a:lstStyle/>
+          <a:p>
+            <a:r>
+              <a:rPr lang="en-US" sz="1200" b="1" dirty="0" smtClean="0">
+                <a:latin typeface="Courier New" panose="02070309020205020404" pitchFamily="49" charset="0"/>
+                <a:cs typeface="Courier New" panose="02070309020205020404" pitchFamily="49" charset="0"/>
+              </a:rPr>
+              <a:t>Fa0/0: 10.64.64.1/24</a:t>
+            </a:r>
+          </a:p>
+          <a:p>
+            <a:r>
+              <a:rPr lang="en-US" sz="1200" b="1" dirty="0" smtClean="0">
+                <a:latin typeface="Courier New" panose="02070309020205020404" pitchFamily="49" charset="0"/>
+                <a:cs typeface="Courier New" panose="02070309020205020404" pitchFamily="49" charset="0"/>
+              </a:rPr>
+              <a:t>Fa0/1.100:192.168.64.251/24</a:t>
+            </a:r>
+          </a:p>
+          <a:p>
+            <a:r>
+              <a:rPr lang="en-US" sz="1200" b="1" dirty="0" smtClean="0">
+                <a:latin typeface="Courier New" panose="02070309020205020404" pitchFamily="49" charset="0"/>
+                <a:cs typeface="Courier New" panose="02070309020205020404" pitchFamily="49" charset="0"/>
+              </a:rPr>
+              <a:t>Fa0/1.500:192.168.64.252/24</a:t>
+            </a:r>
+          </a:p>
+          <a:p>
+            <a:r>
+              <a:rPr lang="en-US" sz="1200" b="1" dirty="0" smtClean="0">
+                <a:latin typeface="Courier New" panose="02070309020205020404" pitchFamily="49" charset="0"/>
+                <a:cs typeface="Courier New" panose="02070309020205020404" pitchFamily="49" charset="0"/>
+              </a:rPr>
+              <a:t>VLAN 100</a:t>
+            </a:r>
+          </a:p>
+          <a:p>
+            <a:r>
+              <a:rPr lang="en-US" sz="1200" b="1" dirty="0" smtClean="0">
+                <a:latin typeface="Courier New" panose="02070309020205020404" pitchFamily="49" charset="0"/>
+                <a:cs typeface="Courier New" panose="02070309020205020404" pitchFamily="49" charset="0"/>
+              </a:rPr>
+              <a:t>VLAN 500</a:t>
+            </a:r>
+            <a:endParaRPr lang="en-US" sz="1200" b="1" dirty="0">
+              <a:latin typeface="Courier New" panose="02070309020205020404" pitchFamily="49" charset="0"/>
+              <a:cs typeface="Courier New" panose="02070309020205020404" pitchFamily="49" charset="0"/>
+            </a:endParaRPr>
+          </a:p>
+        </p:txBody>
+      </p:sp>
+      <p:sp>
+        <p:nvSpPr>
+          <p:cNvPr id="14" name="TextBox 13"/>
+          <p:cNvSpPr txBox="1"/>
+          <p:nvPr/>
+        </p:nvSpPr>
+        <p:spPr>
+          <a:xfrm>
+            <a:off x="5820058" y="4179431"/>
+            <a:ext cx="3184506" cy="276999"/>
+          </a:xfrm>
+          <a:prstGeom prst="rect">
+            <a:avLst/>
+          </a:prstGeom>
+          <a:noFill/>
+        </p:spPr>
+        <p:txBody>
+          <a:bodyPr wrap="square" rtlCol="0">
+            <a:spAutoFit/>
+          </a:bodyPr>
+          <a:lstStyle/>
+          <a:p>
+            <a:r>
+              <a:rPr lang="en-US" sz="1200" b="1" dirty="0" smtClean="0">
+                <a:latin typeface="Courier New" panose="02070309020205020404" pitchFamily="49" charset="0"/>
+                <a:cs typeface="Courier New" panose="02070309020205020404" pitchFamily="49" charset="0"/>
+              </a:rPr>
+              <a:t>IP:10.64.64.3/24</a:t>
+            </a:r>
+            <a:endParaRPr lang="en-US" sz="1200" b="1" dirty="0">
+              <a:latin typeface="Courier New" panose="02070309020205020404" pitchFamily="49" charset="0"/>
+              <a:cs typeface="Courier New" panose="02070309020205020404" pitchFamily="49" charset="0"/>
+            </a:endParaRPr>
+          </a:p>
+        </p:txBody>
+      </p:sp>
+      <p:sp>
+        <p:nvSpPr>
+          <p:cNvPr id="15" name="TextBox 14"/>
+          <p:cNvSpPr txBox="1"/>
+          <p:nvPr/>
+        </p:nvSpPr>
+        <p:spPr>
+          <a:xfrm>
+            <a:off x="9773742" y="4439023"/>
+            <a:ext cx="3184506" cy="276999"/>
+          </a:xfrm>
+          <a:prstGeom prst="rect">
+            <a:avLst/>
+          </a:prstGeom>
+          <a:noFill/>
+        </p:spPr>
+        <p:txBody>
+          <a:bodyPr wrap="square" rtlCol="0">
+            <a:spAutoFit/>
+          </a:bodyPr>
+          <a:lstStyle/>
+          <a:p>
+            <a:r>
+              <a:rPr lang="en-US" sz="1200" b="1" dirty="0" smtClean="0">
+                <a:latin typeface="Courier New" panose="02070309020205020404" pitchFamily="49" charset="0"/>
+                <a:cs typeface="Courier New" panose="02070309020205020404" pitchFamily="49" charset="0"/>
+              </a:rPr>
+              <a:t>IP:192.168.64.2/24</a:t>
+            </a:r>
+            <a:endParaRPr lang="en-US" sz="1200" b="1" dirty="0">
+              <a:latin typeface="Courier New" panose="02070309020205020404" pitchFamily="49" charset="0"/>
+              <a:cs typeface="Courier New" panose="02070309020205020404" pitchFamily="49" charset="0"/>
+            </a:endParaRPr>
+          </a:p>
+        </p:txBody>
+      </p:sp>
+      <p:sp>
+        <p:nvSpPr>
+          <p:cNvPr id="17" name="TextBox 16"/>
+          <p:cNvSpPr txBox="1"/>
+          <p:nvPr/>
+        </p:nvSpPr>
+        <p:spPr>
+          <a:xfrm>
+            <a:off x="10067957" y="5129739"/>
+            <a:ext cx="3184506" cy="1015663"/>
+          </a:xfrm>
+          <a:prstGeom prst="rect">
+            <a:avLst/>
+          </a:prstGeom>
+          <a:noFill/>
+        </p:spPr>
+        <p:txBody>
+          <a:bodyPr wrap="square" rtlCol="0">
+            <a:spAutoFit/>
+          </a:bodyPr>
+          <a:lstStyle/>
+          <a:p>
+            <a:r>
+              <a:rPr lang="en-US" sz="1200" b="1" dirty="0" smtClean="0">
+                <a:latin typeface="Courier New" panose="02070309020205020404" pitchFamily="49" charset="0"/>
+                <a:cs typeface="Courier New" panose="02070309020205020404" pitchFamily="49" charset="0"/>
+              </a:rPr>
+              <a:t>IP:192.168.64.6-65/24</a:t>
+            </a:r>
+          </a:p>
+          <a:p>
+            <a:r>
+              <a:rPr lang="en-US" sz="1200" b="1" dirty="0" smtClean="0">
+                <a:latin typeface="Courier New" panose="02070309020205020404" pitchFamily="49" charset="0"/>
+                <a:cs typeface="Courier New" panose="02070309020205020404" pitchFamily="49" charset="0"/>
+              </a:rPr>
+              <a:t>VLAN 100</a:t>
+            </a:r>
+          </a:p>
+          <a:p>
+            <a:r>
+              <a:rPr lang="en-US" sz="1200" b="1" dirty="0" smtClean="0">
+                <a:latin typeface="Courier New" panose="02070309020205020404" pitchFamily="49" charset="0"/>
+                <a:cs typeface="Courier New" panose="02070309020205020404" pitchFamily="49" charset="0"/>
+              </a:rPr>
+              <a:t>Default Gateway:</a:t>
+            </a:r>
+          </a:p>
+          <a:p>
+            <a:r>
+              <a:rPr lang="en-US" sz="1200" b="1" dirty="0" smtClean="0">
+                <a:latin typeface="Courier New" panose="02070309020205020404" pitchFamily="49" charset="0"/>
+                <a:cs typeface="Courier New" panose="02070309020205020404" pitchFamily="49" charset="0"/>
+              </a:rPr>
+              <a:t>192.168.64.251</a:t>
+            </a:r>
+          </a:p>
+          <a:p>
+            <a:endParaRPr lang="en-US" sz="1200" b="1" dirty="0">
+              <a:latin typeface="Courier New" panose="02070309020205020404" pitchFamily="49" charset="0"/>
+              <a:cs typeface="Courier New" panose="02070309020205020404" pitchFamily="49" charset="0"/>
+            </a:endParaRPr>
+          </a:p>
+        </p:txBody>
+      </p:sp>
+      <p:sp>
+        <p:nvSpPr>
+          <p:cNvPr id="18" name="TextBox 17"/>
+          <p:cNvSpPr txBox="1"/>
+          <p:nvPr/>
+        </p:nvSpPr>
+        <p:spPr>
+          <a:xfrm>
+            <a:off x="6040421" y="4512447"/>
+            <a:ext cx="3184506" cy="1200329"/>
+          </a:xfrm>
+          <a:prstGeom prst="rect">
+            <a:avLst/>
+          </a:prstGeom>
+          <a:noFill/>
+        </p:spPr>
+        <p:txBody>
+          <a:bodyPr wrap="square" rtlCol="0">
+            <a:spAutoFit/>
+          </a:bodyPr>
+          <a:lstStyle/>
+          <a:p>
+            <a:r>
+              <a:rPr lang="en-US" sz="1200" b="1" dirty="0" smtClean="0">
+                <a:latin typeface="Courier New" panose="02070309020205020404" pitchFamily="49" charset="0"/>
+                <a:cs typeface="Courier New" panose="02070309020205020404" pitchFamily="49" charset="0"/>
+              </a:rPr>
+              <a:t>IP1:192.168.64.3/24</a:t>
+            </a:r>
+          </a:p>
+          <a:p>
+            <a:r>
+              <a:rPr lang="en-US" sz="1200" b="1" dirty="0" smtClean="0">
+                <a:latin typeface="Courier New" panose="02070309020205020404" pitchFamily="49" charset="0"/>
+                <a:cs typeface="Courier New" panose="02070309020205020404" pitchFamily="49" charset="0"/>
+              </a:rPr>
+              <a:t>IP2:192.168.64.4/24</a:t>
+            </a:r>
+            <a:endParaRPr lang="en-US" sz="1200" b="1" dirty="0">
+              <a:latin typeface="Courier New" panose="02070309020205020404" pitchFamily="49" charset="0"/>
+              <a:cs typeface="Courier New" panose="02070309020205020404" pitchFamily="49" charset="0"/>
+            </a:endParaRPr>
+          </a:p>
+          <a:p>
+            <a:r>
+              <a:rPr lang="en-US" sz="1200" b="1" dirty="0" smtClean="0">
+                <a:latin typeface="Courier New" panose="02070309020205020404" pitchFamily="49" charset="0"/>
+                <a:cs typeface="Courier New" panose="02070309020205020404" pitchFamily="49" charset="0"/>
+              </a:rPr>
+              <a:t>IP3:192.168.64.5/24</a:t>
+            </a:r>
+          </a:p>
+          <a:p>
+            <a:r>
+              <a:rPr lang="en-US" sz="1200" b="1" dirty="0" smtClean="0">
+                <a:latin typeface="Courier New" panose="02070309020205020404" pitchFamily="49" charset="0"/>
+                <a:cs typeface="Courier New" panose="02070309020205020404" pitchFamily="49" charset="0"/>
+              </a:rPr>
+              <a:t>VLAN 100</a:t>
+            </a:r>
+          </a:p>
+          <a:p>
+            <a:r>
+              <a:rPr lang="en-US" sz="1200" b="1" dirty="0" smtClean="0">
+                <a:latin typeface="Courier New" panose="02070309020205020404" pitchFamily="49" charset="0"/>
+                <a:cs typeface="Courier New" panose="02070309020205020404" pitchFamily="49" charset="0"/>
+              </a:rPr>
+              <a:t>Default Gateway: </a:t>
+            </a:r>
+          </a:p>
+          <a:p>
+            <a:r>
+              <a:rPr lang="en-US" sz="1200" b="1" dirty="0" smtClean="0">
+                <a:latin typeface="Courier New" panose="02070309020205020404" pitchFamily="49" charset="0"/>
+                <a:cs typeface="Courier New" panose="02070309020205020404" pitchFamily="49" charset="0"/>
+              </a:rPr>
+              <a:t>192.168.64.251</a:t>
+            </a:r>
+            <a:endParaRPr lang="en-US" sz="1200" b="1" dirty="0">
+              <a:latin typeface="Courier New" panose="02070309020205020404" pitchFamily="49" charset="0"/>
+              <a:cs typeface="Courier New" panose="02070309020205020404" pitchFamily="49" charset="0"/>
+            </a:endParaRPr>
+          </a:p>
+        </p:txBody>
+      </p:sp>
+      <p:sp>
+        <p:nvSpPr>
+          <p:cNvPr id="19" name="TextBox 18"/>
+          <p:cNvSpPr txBox="1"/>
+          <p:nvPr/>
+        </p:nvSpPr>
+        <p:spPr>
+          <a:xfrm>
+            <a:off x="8071393" y="6240227"/>
+            <a:ext cx="3184506" cy="830997"/>
+          </a:xfrm>
+          <a:prstGeom prst="rect">
+            <a:avLst/>
+          </a:prstGeom>
+          <a:noFill/>
+        </p:spPr>
+        <p:txBody>
+          <a:bodyPr wrap="square" rtlCol="0">
+            <a:spAutoFit/>
+          </a:bodyPr>
+          <a:lstStyle/>
+          <a:p>
+            <a:r>
+              <a:rPr lang="en-US" sz="1200" b="1" dirty="0" smtClean="0">
+                <a:latin typeface="Courier New" panose="02070309020205020404" pitchFamily="49" charset="0"/>
+                <a:cs typeface="Courier New" panose="02070309020205020404" pitchFamily="49" charset="0"/>
+              </a:rPr>
+              <a:t>IP:192.168.64.66-165/24</a:t>
+            </a:r>
+          </a:p>
+          <a:p>
+            <a:r>
+              <a:rPr lang="en-US" sz="1200" b="1" dirty="0" smtClean="0">
+                <a:latin typeface="Courier New" panose="02070309020205020404" pitchFamily="49" charset="0"/>
+                <a:cs typeface="Courier New" panose="02070309020205020404" pitchFamily="49" charset="0"/>
+              </a:rPr>
+              <a:t>VLAN 100</a:t>
+            </a:r>
+          </a:p>
+          <a:p>
+            <a:r>
+              <a:rPr lang="en-US" sz="1200" b="1" dirty="0" smtClean="0">
+                <a:latin typeface="Courier New" panose="02070309020205020404" pitchFamily="49" charset="0"/>
+                <a:cs typeface="Courier New" panose="02070309020205020404" pitchFamily="49" charset="0"/>
+              </a:rPr>
+              <a:t>Default Gateway:</a:t>
+            </a:r>
+            <a:r>
+              <a:rPr lang="en-US" sz="1200" b="1" dirty="0">
+                <a:latin typeface="Courier New" panose="02070309020205020404" pitchFamily="49" charset="0"/>
+                <a:cs typeface="Courier New" panose="02070309020205020404" pitchFamily="49" charset="0"/>
+              </a:rPr>
+              <a:t>192.168.64.251</a:t>
+            </a:r>
+          </a:p>
+          <a:p>
+            <a:endParaRPr lang="en-US" sz="1200" b="1" dirty="0">
+              <a:latin typeface="Courier New" panose="02070309020205020404" pitchFamily="49" charset="0"/>
+              <a:cs typeface="Courier New" panose="02070309020205020404" pitchFamily="49" charset="0"/>
+            </a:endParaRPr>
+          </a:p>
+        </p:txBody>
+      </p:sp>
+      <p:sp>
+        <p:nvSpPr>
+          <p:cNvPr id="20" name="TextBox 19"/>
+          <p:cNvSpPr txBox="1"/>
+          <p:nvPr/>
+        </p:nvSpPr>
+        <p:spPr>
+          <a:xfrm>
+            <a:off x="5812839" y="5751150"/>
+            <a:ext cx="3184506" cy="830997"/>
+          </a:xfrm>
+          <a:prstGeom prst="rect">
+            <a:avLst/>
+          </a:prstGeom>
+          <a:noFill/>
+        </p:spPr>
+        <p:txBody>
+          <a:bodyPr wrap="square" rtlCol="0">
+            <a:spAutoFit/>
+          </a:bodyPr>
+          <a:lstStyle/>
+          <a:p>
+            <a:r>
+              <a:rPr lang="en-US" sz="1200" b="1" dirty="0" smtClean="0">
+                <a:latin typeface="Courier New" panose="02070309020205020404" pitchFamily="49" charset="0"/>
+                <a:cs typeface="Courier New" panose="02070309020205020404" pitchFamily="49" charset="0"/>
+              </a:rPr>
+              <a:t>IP:192.168.64.166-.171/24</a:t>
+            </a:r>
+          </a:p>
+          <a:p>
+            <a:r>
+              <a:rPr lang="en-US" sz="1200" b="1" dirty="0" smtClean="0">
+                <a:latin typeface="Courier New" panose="02070309020205020404" pitchFamily="49" charset="0"/>
+                <a:cs typeface="Courier New" panose="02070309020205020404" pitchFamily="49" charset="0"/>
+              </a:rPr>
+              <a:t>VLAN 500</a:t>
+            </a:r>
+          </a:p>
+          <a:p>
+            <a:r>
+              <a:rPr lang="en-US" sz="1200" b="1" dirty="0" smtClean="0">
+                <a:latin typeface="Courier New" panose="02070309020205020404" pitchFamily="49" charset="0"/>
+                <a:cs typeface="Courier New" panose="02070309020205020404" pitchFamily="49" charset="0"/>
+              </a:rPr>
+              <a:t>Default Gateway:</a:t>
+            </a:r>
+          </a:p>
+          <a:p>
+            <a:r>
+              <a:rPr lang="en-US" sz="1200" b="1" dirty="0" smtClean="0">
+                <a:latin typeface="Courier New" panose="02070309020205020404" pitchFamily="49" charset="0"/>
+                <a:cs typeface="Courier New" panose="02070309020205020404" pitchFamily="49" charset="0"/>
+              </a:rPr>
+              <a:t>192.168.64.252</a:t>
+            </a:r>
+            <a:endParaRPr lang="en-US" sz="1200" b="1" dirty="0">
+              <a:latin typeface="Courier New" panose="02070309020205020404" pitchFamily="49" charset="0"/>
+              <a:cs typeface="Courier New" panose="02070309020205020404" pitchFamily="49" charset="0"/>
+            </a:endParaRPr>
+          </a:p>
+        </p:txBody>
+      </p:sp>
+      <p:sp>
+        <p:nvSpPr>
+          <p:cNvPr id="21" name="TextBox 20"/>
+          <p:cNvSpPr txBox="1"/>
+          <p:nvPr/>
+        </p:nvSpPr>
+        <p:spPr>
+          <a:xfrm>
+            <a:off x="2944776" y="1985090"/>
+            <a:ext cx="3184506" cy="1384995"/>
+          </a:xfrm>
+          <a:prstGeom prst="rect">
+            <a:avLst/>
+          </a:prstGeom>
+          <a:noFill/>
+        </p:spPr>
+        <p:txBody>
+          <a:bodyPr wrap="square" rtlCol="0">
+            <a:spAutoFit/>
+          </a:bodyPr>
+          <a:lstStyle/>
+          <a:p>
+            <a:r>
+              <a:rPr lang="en-US" sz="1200" b="1" dirty="0" smtClean="0">
+                <a:latin typeface="Courier New" panose="02070309020205020404" pitchFamily="49" charset="0"/>
+                <a:cs typeface="Courier New" panose="02070309020205020404" pitchFamily="49" charset="0"/>
+              </a:rPr>
+              <a:t>Fa0/0: 10.64.64.2/24</a:t>
+            </a:r>
+          </a:p>
+          <a:p>
+            <a:r>
+              <a:rPr lang="en-US" sz="1200" b="1" dirty="0" smtClean="0">
+                <a:latin typeface="Courier New" panose="02070309020205020404" pitchFamily="49" charset="0"/>
+                <a:cs typeface="Courier New" panose="02070309020205020404" pitchFamily="49" charset="0"/>
+              </a:rPr>
+              <a:t>Fa1/0: 10.64.64.6/24</a:t>
+            </a:r>
+          </a:p>
+          <a:p>
+            <a:r>
+              <a:rPr lang="en-US" sz="1200" b="1" dirty="0" smtClean="0">
+                <a:latin typeface="Courier New" panose="02070309020205020404" pitchFamily="49" charset="0"/>
+                <a:cs typeface="Courier New" panose="02070309020205020404" pitchFamily="49" charset="0"/>
+              </a:rPr>
+              <a:t>Fa1/1: 192.168.74.139/31</a:t>
+            </a:r>
+          </a:p>
+          <a:p>
+            <a:r>
+              <a:rPr lang="en-US" sz="1200" b="1" dirty="0" smtClean="0">
+                <a:latin typeface="Courier New" panose="02070309020205020404" pitchFamily="49" charset="0"/>
+                <a:cs typeface="Courier New" panose="02070309020205020404" pitchFamily="49" charset="0"/>
+              </a:rPr>
+              <a:t>Fa0/1.200:192.168.74.127/25</a:t>
+            </a:r>
+          </a:p>
+          <a:p>
+            <a:r>
+              <a:rPr lang="en-US" sz="1200" b="1" dirty="0" smtClean="0">
+                <a:latin typeface="Courier New" panose="02070309020205020404" pitchFamily="49" charset="0"/>
+                <a:cs typeface="Courier New" panose="02070309020205020404" pitchFamily="49" charset="0"/>
+              </a:rPr>
+              <a:t>Fa0/1.500:192.168.74.126/25</a:t>
+            </a:r>
+          </a:p>
+          <a:p>
+            <a:r>
+              <a:rPr lang="en-US" sz="1200" b="1" dirty="0" smtClean="0">
+                <a:latin typeface="Courier New" panose="02070309020205020404" pitchFamily="49" charset="0"/>
+                <a:cs typeface="Courier New" panose="02070309020205020404" pitchFamily="49" charset="0"/>
+              </a:rPr>
+              <a:t>VLAN 200</a:t>
+            </a:r>
+          </a:p>
+          <a:p>
+            <a:r>
+              <a:rPr lang="en-US" sz="1200" b="1" dirty="0" smtClean="0">
+                <a:latin typeface="Courier New" panose="02070309020205020404" pitchFamily="49" charset="0"/>
+                <a:cs typeface="Courier New" panose="02070309020205020404" pitchFamily="49" charset="0"/>
+              </a:rPr>
+              <a:t>VLAN 500</a:t>
+            </a:r>
+            <a:endParaRPr lang="en-US" sz="1200" b="1" dirty="0">
+              <a:latin typeface="Courier New" panose="02070309020205020404" pitchFamily="49" charset="0"/>
+              <a:cs typeface="Courier New" panose="02070309020205020404" pitchFamily="49" charset="0"/>
+            </a:endParaRPr>
+          </a:p>
+        </p:txBody>
+      </p:sp>
+      <p:sp>
+        <p:nvSpPr>
+          <p:cNvPr id="22" name="TextBox 21"/>
+          <p:cNvSpPr txBox="1"/>
+          <p:nvPr/>
+        </p:nvSpPr>
+        <p:spPr>
+          <a:xfrm>
+            <a:off x="2310707" y="3456717"/>
+            <a:ext cx="673985" cy="276999"/>
+          </a:xfrm>
+          <a:prstGeom prst="rect">
+            <a:avLst/>
+          </a:prstGeom>
+          <a:noFill/>
+        </p:spPr>
+        <p:txBody>
+          <a:bodyPr wrap="square" rtlCol="0">
+            <a:spAutoFit/>
+          </a:bodyPr>
+          <a:lstStyle/>
+          <a:p>
+            <a:r>
+              <a:rPr lang="en-US" sz="1200" dirty="0" smtClean="0">
+                <a:latin typeface="Courier New" panose="02070309020205020404" pitchFamily="49" charset="0"/>
+                <a:cs typeface="Courier New" panose="02070309020205020404" pitchFamily="49" charset="0"/>
+              </a:rPr>
+              <a:t>Fa0/0</a:t>
+            </a:r>
+            <a:endParaRPr lang="en-US" sz="1200" dirty="0">
+              <a:latin typeface="Courier New" panose="02070309020205020404" pitchFamily="49" charset="0"/>
+              <a:cs typeface="Courier New" panose="02070309020205020404" pitchFamily="49" charset="0"/>
+            </a:endParaRPr>
+          </a:p>
+        </p:txBody>
+      </p:sp>
+      <p:sp>
+        <p:nvSpPr>
+          <p:cNvPr id="23" name="TextBox 22"/>
+          <p:cNvSpPr txBox="1"/>
+          <p:nvPr/>
+        </p:nvSpPr>
+        <p:spPr>
+          <a:xfrm>
+            <a:off x="4527975" y="3208546"/>
+            <a:ext cx="673985" cy="276999"/>
+          </a:xfrm>
+          <a:prstGeom prst="rect">
+            <a:avLst/>
+          </a:prstGeom>
+          <a:noFill/>
+        </p:spPr>
+        <p:txBody>
+          <a:bodyPr wrap="square" rtlCol="0">
+            <a:spAutoFit/>
+          </a:bodyPr>
+          <a:lstStyle/>
+          <a:p>
+            <a:r>
+              <a:rPr lang="en-US" sz="1200" dirty="0" smtClean="0">
+                <a:latin typeface="Courier New" panose="02070309020205020404" pitchFamily="49" charset="0"/>
+                <a:cs typeface="Courier New" panose="02070309020205020404" pitchFamily="49" charset="0"/>
+              </a:rPr>
+              <a:t>Fa0/0</a:t>
+            </a:r>
+            <a:endParaRPr lang="en-US" sz="1200" dirty="0">
+              <a:latin typeface="Courier New" panose="02070309020205020404" pitchFamily="49" charset="0"/>
+              <a:cs typeface="Courier New" panose="02070309020205020404" pitchFamily="49" charset="0"/>
+            </a:endParaRPr>
+          </a:p>
+        </p:txBody>
+      </p:sp>
+      <p:sp>
+        <p:nvSpPr>
+          <p:cNvPr id="24" name="TextBox 23"/>
+          <p:cNvSpPr txBox="1"/>
+          <p:nvPr/>
+        </p:nvSpPr>
+        <p:spPr>
+          <a:xfrm>
+            <a:off x="6007872" y="1055707"/>
+            <a:ext cx="673985" cy="276999"/>
+          </a:xfrm>
+          <a:prstGeom prst="rect">
+            <a:avLst/>
+          </a:prstGeom>
+          <a:noFill/>
+        </p:spPr>
+        <p:txBody>
+          <a:bodyPr wrap="square" rtlCol="0">
+            <a:spAutoFit/>
+          </a:bodyPr>
+          <a:lstStyle/>
+          <a:p>
+            <a:r>
+              <a:rPr lang="en-US" sz="1200" dirty="0" smtClean="0">
+                <a:latin typeface="Courier New" panose="02070309020205020404" pitchFamily="49" charset="0"/>
+                <a:cs typeface="Courier New" panose="02070309020205020404" pitchFamily="49" charset="0"/>
+              </a:rPr>
+              <a:t>Fa0/0</a:t>
+            </a:r>
+            <a:endParaRPr lang="en-US" sz="1200" dirty="0">
+              <a:latin typeface="Courier New" panose="02070309020205020404" pitchFamily="49" charset="0"/>
+              <a:cs typeface="Courier New" panose="02070309020205020404" pitchFamily="49" charset="0"/>
+            </a:endParaRPr>
+          </a:p>
+        </p:txBody>
+      </p:sp>
+      <p:sp>
+        <p:nvSpPr>
+          <p:cNvPr id="25" name="TextBox 24"/>
+          <p:cNvSpPr txBox="1"/>
+          <p:nvPr/>
+        </p:nvSpPr>
+        <p:spPr>
+          <a:xfrm>
+            <a:off x="8323360" y="3462064"/>
+            <a:ext cx="673985" cy="276999"/>
+          </a:xfrm>
+          <a:prstGeom prst="rect">
+            <a:avLst/>
+          </a:prstGeom>
+          <a:noFill/>
+        </p:spPr>
+        <p:txBody>
+          <a:bodyPr wrap="square" rtlCol="0">
+            <a:spAutoFit/>
+          </a:bodyPr>
+          <a:lstStyle/>
+          <a:p>
+            <a:r>
+              <a:rPr lang="en-US" sz="1200" dirty="0" smtClean="0">
+                <a:latin typeface="Courier New" panose="02070309020205020404" pitchFamily="49" charset="0"/>
+                <a:cs typeface="Courier New" panose="02070309020205020404" pitchFamily="49" charset="0"/>
+              </a:rPr>
+              <a:t>Fa0/0</a:t>
+            </a:r>
+            <a:endParaRPr lang="en-US" sz="1200" dirty="0">
+              <a:latin typeface="Courier New" panose="02070309020205020404" pitchFamily="49" charset="0"/>
+              <a:cs typeface="Courier New" panose="02070309020205020404" pitchFamily="49" charset="0"/>
+            </a:endParaRPr>
+          </a:p>
+        </p:txBody>
+      </p:sp>
+      <p:sp>
+        <p:nvSpPr>
+          <p:cNvPr id="26" name="TextBox 25"/>
+          <p:cNvSpPr txBox="1"/>
+          <p:nvPr/>
+        </p:nvSpPr>
+        <p:spPr>
+          <a:xfrm>
+            <a:off x="8812588" y="3966279"/>
+            <a:ext cx="673985" cy="276999"/>
+          </a:xfrm>
+          <a:prstGeom prst="rect">
+            <a:avLst/>
+          </a:prstGeom>
+          <a:noFill/>
+        </p:spPr>
+        <p:txBody>
+          <a:bodyPr wrap="square" rtlCol="0">
+            <a:spAutoFit/>
+          </a:bodyPr>
+          <a:lstStyle/>
+          <a:p>
+            <a:r>
+              <a:rPr lang="en-US" sz="1200" dirty="0" smtClean="0">
+                <a:latin typeface="Courier New" panose="02070309020205020404" pitchFamily="49" charset="0"/>
+                <a:cs typeface="Courier New" panose="02070309020205020404" pitchFamily="49" charset="0"/>
+              </a:rPr>
+              <a:t>Fa0/1</a:t>
+            </a:r>
+            <a:endParaRPr lang="en-US" sz="1200" dirty="0">
+              <a:latin typeface="Courier New" panose="02070309020205020404" pitchFamily="49" charset="0"/>
+              <a:cs typeface="Courier New" panose="02070309020205020404" pitchFamily="49" charset="0"/>
+            </a:endParaRPr>
+          </a:p>
+        </p:txBody>
+      </p:sp>
+      <p:sp>
+        <p:nvSpPr>
+          <p:cNvPr id="27" name="TextBox 26"/>
+          <p:cNvSpPr txBox="1"/>
+          <p:nvPr/>
+        </p:nvSpPr>
+        <p:spPr>
+          <a:xfrm>
+            <a:off x="6958689" y="613025"/>
+            <a:ext cx="673985" cy="276999"/>
+          </a:xfrm>
+          <a:prstGeom prst="rect">
+            <a:avLst/>
+          </a:prstGeom>
+          <a:noFill/>
+        </p:spPr>
+        <p:txBody>
+          <a:bodyPr wrap="square" rtlCol="0">
+            <a:spAutoFit/>
+          </a:bodyPr>
+          <a:lstStyle/>
+          <a:p>
+            <a:r>
+              <a:rPr lang="en-US" sz="1200" dirty="0" smtClean="0">
+                <a:latin typeface="Courier New" panose="02070309020205020404" pitchFamily="49" charset="0"/>
+                <a:cs typeface="Courier New" panose="02070309020205020404" pitchFamily="49" charset="0"/>
+              </a:rPr>
+              <a:t>Fa0/1</a:t>
+            </a:r>
+            <a:endParaRPr lang="en-US" sz="1200" dirty="0">
+              <a:latin typeface="Courier New" panose="02070309020205020404" pitchFamily="49" charset="0"/>
+              <a:cs typeface="Courier New" panose="02070309020205020404" pitchFamily="49" charset="0"/>
+            </a:endParaRPr>
+          </a:p>
+        </p:txBody>
+      </p:sp>
+      <p:sp>
+        <p:nvSpPr>
+          <p:cNvPr id="28" name="TextBox 27"/>
+          <p:cNvSpPr txBox="1"/>
+          <p:nvPr/>
+        </p:nvSpPr>
+        <p:spPr>
+          <a:xfrm>
+            <a:off x="3853990" y="4008869"/>
+            <a:ext cx="673985" cy="276999"/>
+          </a:xfrm>
+          <a:prstGeom prst="rect">
+            <a:avLst/>
+          </a:prstGeom>
+          <a:noFill/>
+        </p:spPr>
+        <p:txBody>
+          <a:bodyPr wrap="square" rtlCol="0">
+            <a:spAutoFit/>
+          </a:bodyPr>
+          <a:lstStyle/>
+          <a:p>
+            <a:r>
+              <a:rPr lang="en-US" sz="1200" dirty="0" smtClean="0">
+                <a:latin typeface="Courier New" panose="02070309020205020404" pitchFamily="49" charset="0"/>
+                <a:cs typeface="Courier New" panose="02070309020205020404" pitchFamily="49" charset="0"/>
+              </a:rPr>
+              <a:t>Fa0/1</a:t>
+            </a:r>
+            <a:endParaRPr lang="en-US" sz="1200" dirty="0">
+              <a:latin typeface="Courier New" panose="02070309020205020404" pitchFamily="49" charset="0"/>
+              <a:cs typeface="Courier New" panose="02070309020205020404" pitchFamily="49" charset="0"/>
+            </a:endParaRPr>
+          </a:p>
+        </p:txBody>
+      </p:sp>
+      <p:sp>
+        <p:nvSpPr>
+          <p:cNvPr id="29" name="TextBox 28"/>
+          <p:cNvSpPr txBox="1"/>
+          <p:nvPr/>
+        </p:nvSpPr>
+        <p:spPr>
+          <a:xfrm>
+            <a:off x="1330735" y="3950424"/>
+            <a:ext cx="673985" cy="276999"/>
+          </a:xfrm>
+          <a:prstGeom prst="rect">
+            <a:avLst/>
+          </a:prstGeom>
+          <a:noFill/>
+        </p:spPr>
+        <p:txBody>
+          <a:bodyPr wrap="square" rtlCol="0">
+            <a:spAutoFit/>
+          </a:bodyPr>
+          <a:lstStyle/>
+          <a:p>
+            <a:r>
+              <a:rPr lang="en-US" sz="1200" dirty="0" smtClean="0">
+                <a:latin typeface="Courier New" panose="02070309020205020404" pitchFamily="49" charset="0"/>
+                <a:cs typeface="Courier New" panose="02070309020205020404" pitchFamily="49" charset="0"/>
+              </a:rPr>
+              <a:t>Fa0/1</a:t>
+            </a:r>
+            <a:endParaRPr lang="en-US" sz="1200" dirty="0">
+              <a:latin typeface="Courier New" panose="02070309020205020404" pitchFamily="49" charset="0"/>
+              <a:cs typeface="Courier New" panose="02070309020205020404" pitchFamily="49" charset="0"/>
+            </a:endParaRPr>
+          </a:p>
+        </p:txBody>
+      </p:sp>
+      <p:sp>
+        <p:nvSpPr>
+          <p:cNvPr id="30" name="TextBox 29"/>
+          <p:cNvSpPr txBox="1"/>
+          <p:nvPr/>
+        </p:nvSpPr>
+        <p:spPr>
+          <a:xfrm>
+            <a:off x="4778141" y="3811924"/>
+            <a:ext cx="673985" cy="276999"/>
+          </a:xfrm>
+          <a:prstGeom prst="rect">
+            <a:avLst/>
+          </a:prstGeom>
+          <a:noFill/>
+        </p:spPr>
+        <p:txBody>
+          <a:bodyPr wrap="square" rtlCol="0">
+            <a:spAutoFit/>
+          </a:bodyPr>
+          <a:lstStyle/>
+          <a:p>
+            <a:r>
+              <a:rPr lang="en-US" sz="1200" dirty="0" smtClean="0">
+                <a:latin typeface="Courier New" panose="02070309020205020404" pitchFamily="49" charset="0"/>
+                <a:cs typeface="Courier New" panose="02070309020205020404" pitchFamily="49" charset="0"/>
+              </a:rPr>
+              <a:t>Fa1/0</a:t>
+            </a:r>
+            <a:endParaRPr lang="en-US" sz="1200" dirty="0">
+              <a:latin typeface="Courier New" panose="02070309020205020404" pitchFamily="49" charset="0"/>
+              <a:cs typeface="Courier New" panose="02070309020205020404" pitchFamily="49" charset="0"/>
+            </a:endParaRPr>
+          </a:p>
+        </p:txBody>
+      </p:sp>
+      <p:sp>
+        <p:nvSpPr>
+          <p:cNvPr id="31" name="TextBox 30"/>
+          <p:cNvSpPr txBox="1"/>
+          <p:nvPr/>
+        </p:nvSpPr>
+        <p:spPr>
+          <a:xfrm>
+            <a:off x="3429525" y="3437172"/>
+            <a:ext cx="673985" cy="276999"/>
+          </a:xfrm>
+          <a:prstGeom prst="rect">
+            <a:avLst/>
+          </a:prstGeom>
+          <a:noFill/>
+        </p:spPr>
+        <p:txBody>
+          <a:bodyPr wrap="square" rtlCol="0">
+            <a:spAutoFit/>
+          </a:bodyPr>
+          <a:lstStyle/>
+          <a:p>
+            <a:r>
+              <a:rPr lang="en-US" sz="1200" dirty="0" smtClean="0">
+                <a:latin typeface="Courier New" panose="02070309020205020404" pitchFamily="49" charset="0"/>
+                <a:cs typeface="Courier New" panose="02070309020205020404" pitchFamily="49" charset="0"/>
+              </a:rPr>
+              <a:t>Fa1/1</a:t>
+            </a:r>
+            <a:endParaRPr lang="en-US" sz="1200" dirty="0">
+              <a:latin typeface="Courier New" panose="02070309020205020404" pitchFamily="49" charset="0"/>
+              <a:cs typeface="Courier New" panose="02070309020205020404" pitchFamily="49" charset="0"/>
+            </a:endParaRPr>
+          </a:p>
+        </p:txBody>
+      </p:sp>
+      <p:sp>
+        <p:nvSpPr>
+          <p:cNvPr id="32" name="TextBox 31"/>
+          <p:cNvSpPr txBox="1"/>
+          <p:nvPr/>
+        </p:nvSpPr>
+        <p:spPr>
+          <a:xfrm>
+            <a:off x="3520973" y="6088033"/>
+            <a:ext cx="3184506" cy="1015663"/>
+          </a:xfrm>
+          <a:prstGeom prst="rect">
+            <a:avLst/>
+          </a:prstGeom>
+          <a:noFill/>
+        </p:spPr>
+        <p:txBody>
+          <a:bodyPr wrap="square" rtlCol="0">
+            <a:spAutoFit/>
+          </a:bodyPr>
+          <a:lstStyle/>
+          <a:p>
+            <a:r>
+              <a:rPr lang="en-US" sz="1200" b="1" dirty="0" smtClean="0">
+                <a:latin typeface="Courier New" panose="02070309020205020404" pitchFamily="49" charset="0"/>
+                <a:cs typeface="Courier New" panose="02070309020205020404" pitchFamily="49" charset="0"/>
+              </a:rPr>
+              <a:t>IP:192.168.74.1-10/25</a:t>
+            </a:r>
+          </a:p>
+          <a:p>
+            <a:r>
+              <a:rPr lang="en-US" sz="1200" b="1" dirty="0" smtClean="0">
+                <a:latin typeface="Courier New" panose="02070309020205020404" pitchFamily="49" charset="0"/>
+                <a:cs typeface="Courier New" panose="02070309020205020404" pitchFamily="49" charset="0"/>
+              </a:rPr>
+              <a:t>VLAN 200</a:t>
+            </a:r>
+          </a:p>
+          <a:p>
+            <a:r>
+              <a:rPr lang="en-US" sz="1200" b="1" dirty="0" smtClean="0">
+                <a:latin typeface="Courier New" panose="02070309020205020404" pitchFamily="49" charset="0"/>
+                <a:cs typeface="Courier New" panose="02070309020205020404" pitchFamily="49" charset="0"/>
+              </a:rPr>
+              <a:t>Default Gateway:</a:t>
+            </a:r>
+          </a:p>
+          <a:p>
+            <a:r>
+              <a:rPr lang="en-US" sz="1200" b="1" dirty="0" smtClean="0">
+                <a:latin typeface="Courier New" panose="02070309020205020404" pitchFamily="49" charset="0"/>
+                <a:cs typeface="Courier New" panose="02070309020205020404" pitchFamily="49" charset="0"/>
+              </a:rPr>
+              <a:t>192.168.74.127</a:t>
+            </a:r>
+          </a:p>
+          <a:p>
+            <a:endParaRPr lang="en-US" sz="1200" b="1" dirty="0">
+              <a:latin typeface="Courier New" panose="02070309020205020404" pitchFamily="49" charset="0"/>
+              <a:cs typeface="Courier New" panose="02070309020205020404" pitchFamily="49" charset="0"/>
+            </a:endParaRPr>
+          </a:p>
+        </p:txBody>
+      </p:sp>
+      <p:sp>
+        <p:nvSpPr>
+          <p:cNvPr id="33" name="TextBox 32"/>
+          <p:cNvSpPr txBox="1"/>
+          <p:nvPr/>
+        </p:nvSpPr>
+        <p:spPr>
+          <a:xfrm>
+            <a:off x="1251855" y="6125941"/>
+            <a:ext cx="3184506" cy="1015663"/>
+          </a:xfrm>
+          <a:prstGeom prst="rect">
+            <a:avLst/>
+          </a:prstGeom>
+          <a:noFill/>
+        </p:spPr>
+        <p:txBody>
+          <a:bodyPr wrap="square" rtlCol="0">
+            <a:spAutoFit/>
+          </a:bodyPr>
+          <a:lstStyle/>
+          <a:p>
+            <a:r>
+              <a:rPr lang="en-US" sz="1200" b="1" dirty="0" smtClean="0">
+                <a:latin typeface="Courier New" panose="02070309020205020404" pitchFamily="49" charset="0"/>
+                <a:cs typeface="Courier New" panose="02070309020205020404" pitchFamily="49" charset="0"/>
+              </a:rPr>
+              <a:t>IP:192.168.74.11-60/25</a:t>
+            </a:r>
+          </a:p>
+          <a:p>
+            <a:r>
+              <a:rPr lang="en-US" sz="1200" b="1" dirty="0" smtClean="0">
+                <a:latin typeface="Courier New" panose="02070309020205020404" pitchFamily="49" charset="0"/>
+                <a:cs typeface="Courier New" panose="02070309020205020404" pitchFamily="49" charset="0"/>
+              </a:rPr>
+              <a:t>VLAN 200</a:t>
+            </a:r>
+          </a:p>
+          <a:p>
+            <a:r>
+              <a:rPr lang="en-US" sz="1200" b="1" dirty="0" smtClean="0">
+                <a:latin typeface="Courier New" panose="02070309020205020404" pitchFamily="49" charset="0"/>
+                <a:cs typeface="Courier New" panose="02070309020205020404" pitchFamily="49" charset="0"/>
+              </a:rPr>
+              <a:t>Default Gateway:</a:t>
+            </a:r>
+          </a:p>
+          <a:p>
+            <a:r>
+              <a:rPr lang="en-US" sz="1200" b="1" dirty="0" smtClean="0">
+                <a:latin typeface="Courier New" panose="02070309020205020404" pitchFamily="49" charset="0"/>
+                <a:cs typeface="Courier New" panose="02070309020205020404" pitchFamily="49" charset="0"/>
+              </a:rPr>
+              <a:t>192.168.74.127</a:t>
+            </a:r>
+          </a:p>
+          <a:p>
+            <a:endParaRPr lang="en-US" sz="1200" b="1" dirty="0">
+              <a:latin typeface="Courier New" panose="02070309020205020404" pitchFamily="49" charset="0"/>
+              <a:cs typeface="Courier New" panose="02070309020205020404" pitchFamily="49" charset="0"/>
+            </a:endParaRPr>
+          </a:p>
+        </p:txBody>
+      </p:sp>
+      <p:sp>
+        <p:nvSpPr>
+          <p:cNvPr id="34" name="TextBox 33"/>
+          <p:cNvSpPr txBox="1"/>
+          <p:nvPr/>
+        </p:nvSpPr>
+        <p:spPr>
+          <a:xfrm>
+            <a:off x="1262419" y="5399404"/>
+            <a:ext cx="3184506" cy="1015663"/>
+          </a:xfrm>
+          <a:prstGeom prst="rect">
+            <a:avLst/>
+          </a:prstGeom>
+          <a:noFill/>
+        </p:spPr>
+        <p:txBody>
+          <a:bodyPr wrap="square" rtlCol="0">
+            <a:spAutoFit/>
+          </a:bodyPr>
+          <a:lstStyle/>
+          <a:p>
+            <a:r>
+              <a:rPr lang="en-US" sz="1200" b="1" dirty="0" smtClean="0">
+                <a:latin typeface="Courier New" panose="02070309020205020404" pitchFamily="49" charset="0"/>
+                <a:cs typeface="Courier New" panose="02070309020205020404" pitchFamily="49" charset="0"/>
+              </a:rPr>
+              <a:t>IP:192.168.74.61-67/25</a:t>
+            </a:r>
+          </a:p>
+          <a:p>
+            <a:r>
+              <a:rPr lang="en-US" sz="1200" b="1" dirty="0" smtClean="0">
+                <a:latin typeface="Courier New" panose="02070309020205020404" pitchFamily="49" charset="0"/>
+                <a:cs typeface="Courier New" panose="02070309020205020404" pitchFamily="49" charset="0"/>
+              </a:rPr>
+              <a:t>VLAN 500</a:t>
+            </a:r>
+          </a:p>
+          <a:p>
+            <a:r>
+              <a:rPr lang="en-US" sz="1200" b="1" dirty="0" smtClean="0">
+                <a:latin typeface="Courier New" panose="02070309020205020404" pitchFamily="49" charset="0"/>
+                <a:cs typeface="Courier New" panose="02070309020205020404" pitchFamily="49" charset="0"/>
+              </a:rPr>
+              <a:t>Default Gateway:</a:t>
+            </a:r>
+          </a:p>
+          <a:p>
+            <a:r>
+              <a:rPr lang="en-US" sz="1200" b="1" dirty="0" smtClean="0">
+                <a:latin typeface="Courier New" panose="02070309020205020404" pitchFamily="49" charset="0"/>
+                <a:cs typeface="Courier New" panose="02070309020205020404" pitchFamily="49" charset="0"/>
+              </a:rPr>
+              <a:t>192.168.74.126</a:t>
+            </a:r>
+          </a:p>
+          <a:p>
+            <a:endParaRPr lang="en-US" sz="1200" b="1" dirty="0">
+              <a:latin typeface="Courier New" panose="02070309020205020404" pitchFamily="49" charset="0"/>
+              <a:cs typeface="Courier New" panose="02070309020205020404" pitchFamily="49" charset="0"/>
+            </a:endParaRPr>
+          </a:p>
+        </p:txBody>
+      </p:sp>
+      <p:sp>
+        <p:nvSpPr>
+          <p:cNvPr id="35" name="TextBox 34"/>
+          <p:cNvSpPr txBox="1"/>
+          <p:nvPr/>
+        </p:nvSpPr>
+        <p:spPr>
+          <a:xfrm>
+            <a:off x="0" y="4421649"/>
+            <a:ext cx="3184506" cy="1015663"/>
+          </a:xfrm>
+          <a:prstGeom prst="rect">
+            <a:avLst/>
+          </a:prstGeom>
+          <a:noFill/>
+        </p:spPr>
+        <p:txBody>
+          <a:bodyPr wrap="square" rtlCol="0">
+            <a:spAutoFit/>
+          </a:bodyPr>
+          <a:lstStyle/>
+          <a:p>
+            <a:r>
+              <a:rPr lang="en-US" sz="1200" b="1" dirty="0" smtClean="0">
+                <a:latin typeface="Courier New" panose="02070309020205020404" pitchFamily="49" charset="0"/>
+                <a:cs typeface="Courier New" panose="02070309020205020404" pitchFamily="49" charset="0"/>
+              </a:rPr>
+              <a:t>IP:192.168.74.129-132/29</a:t>
+            </a:r>
+          </a:p>
+          <a:p>
+            <a:r>
+              <a:rPr lang="en-US" sz="1200" b="1" dirty="0" smtClean="0">
+                <a:latin typeface="Courier New" panose="02070309020205020404" pitchFamily="49" charset="0"/>
+                <a:cs typeface="Courier New" panose="02070309020205020404" pitchFamily="49" charset="0"/>
+              </a:rPr>
+              <a:t>VLAN 300</a:t>
+            </a:r>
+          </a:p>
+          <a:p>
+            <a:r>
+              <a:rPr lang="en-US" sz="1200" b="1" dirty="0" smtClean="0">
+                <a:latin typeface="Courier New" panose="02070309020205020404" pitchFamily="49" charset="0"/>
+                <a:cs typeface="Courier New" panose="02070309020205020404" pitchFamily="49" charset="0"/>
+              </a:rPr>
+              <a:t>Default Gateway:</a:t>
+            </a:r>
+          </a:p>
+          <a:p>
+            <a:r>
+              <a:rPr lang="en-US" sz="1200" b="1" dirty="0" smtClean="0">
+                <a:latin typeface="Courier New" panose="02070309020205020404" pitchFamily="49" charset="0"/>
+                <a:cs typeface="Courier New" panose="02070309020205020404" pitchFamily="49" charset="0"/>
+              </a:rPr>
+              <a:t>192.168.74.133</a:t>
+            </a:r>
+          </a:p>
+          <a:p>
+            <a:endParaRPr lang="en-US" sz="1200" b="1" dirty="0">
+              <a:latin typeface="Courier New" panose="02070309020205020404" pitchFamily="49" charset="0"/>
+              <a:cs typeface="Courier New" panose="02070309020205020404" pitchFamily="49" charset="0"/>
+            </a:endParaRPr>
+          </a:p>
+        </p:txBody>
+      </p:sp>
+      <p:sp>
+        <p:nvSpPr>
+          <p:cNvPr id="36" name="TextBox 35"/>
+          <p:cNvSpPr txBox="1"/>
+          <p:nvPr/>
+        </p:nvSpPr>
+        <p:spPr>
+          <a:xfrm>
+            <a:off x="58474" y="2567503"/>
+            <a:ext cx="3184506" cy="646331"/>
+          </a:xfrm>
+          <a:prstGeom prst="rect">
+            <a:avLst/>
+          </a:prstGeom>
+          <a:noFill/>
+        </p:spPr>
+        <p:txBody>
+          <a:bodyPr wrap="square" rtlCol="0">
+            <a:spAutoFit/>
+          </a:bodyPr>
+          <a:lstStyle/>
+          <a:p>
+            <a:r>
+              <a:rPr lang="en-US" sz="1200" b="1" dirty="0" smtClean="0">
+                <a:latin typeface="Courier New" panose="02070309020205020404" pitchFamily="49" charset="0"/>
+                <a:cs typeface="Courier New" panose="02070309020205020404" pitchFamily="49" charset="0"/>
+              </a:rPr>
+              <a:t>Fa0/0: 192.168.64.138/31</a:t>
+            </a:r>
+          </a:p>
+          <a:p>
+            <a:r>
+              <a:rPr lang="en-US" sz="1200" b="1" dirty="0" smtClean="0">
+                <a:latin typeface="Courier New" panose="02070309020205020404" pitchFamily="49" charset="0"/>
+                <a:cs typeface="Courier New" panose="02070309020205020404" pitchFamily="49" charset="0"/>
+              </a:rPr>
+              <a:t>Fa0/1:192.168.74.133/29</a:t>
+            </a:r>
+          </a:p>
+          <a:p>
+            <a:r>
+              <a:rPr lang="en-US" sz="1200" b="1" dirty="0" smtClean="0">
+                <a:latin typeface="Courier New" panose="02070309020205020404" pitchFamily="49" charset="0"/>
+                <a:cs typeface="Courier New" panose="02070309020205020404" pitchFamily="49" charset="0"/>
+              </a:rPr>
+              <a:t>VLAN 400</a:t>
+            </a:r>
           </a:p>
         </p:txBody>
       </p:sp>
     </p:spTree>
     <p:extLst>
       <p:ext uri="{BB962C8B-B14F-4D97-AF65-F5344CB8AC3E}">
-        <p14:creationId xmlns:p14="http://schemas.microsoft.com/office/powerpoint/2010/main" val="2334348415"/>
+        <p14:creationId xmlns:p14="http://schemas.microsoft.com/office/powerpoint/2010/main" val="2379264716"/>
       </p:ext>
     </p:extLst>
   </p:cSld>
   <p:clrMapOvr>
     <a:masterClrMapping/>
   </p:clrMapOvr>
+  <p:timing>
+    <p:tnLst>
+      <p:par>
+        <p:cTn id="1" dur="indefinite" restart="never" nodeType="tmRoot"/>
+      </p:par>
+    </p:tnLst>
+  </p:timing>
 </p:sld>
 </file>
 
@@ -3633,33 +5906,933 @@
           <a:lstStyle/>
           <a:p>
             <a:r>
-              <a:rPr lang="en-US" dirty="0" err="1" smtClean="0"/>
-              <a:t>Subnetting</a:t>
-            </a:r>
-            <a:r>
               <a:rPr lang="en-US" dirty="0" smtClean="0"/>
-              <a:t> Chart </a:t>
+              <a:t>Subnetting Chart </a:t>
             </a:r>
             <a:endParaRPr lang="en-US" dirty="0"/>
           </a:p>
         </p:txBody>
       </p:sp>
-      <p:sp>
-        <p:nvSpPr>
-          <p:cNvPr id="3" name="Content Placeholder 2"/>
-          <p:cNvSpPr>
-            <a:spLocks noGrp="1"/>
-          </p:cNvSpPr>
+      <p:graphicFrame>
+        <p:nvGraphicFramePr>
+          <p:cNvPr id="4" name="Content Placeholder 3"/>
+          <p:cNvGraphicFramePr>
+            <a:graphicFrameLocks noGrp="1"/>
+          </p:cNvGraphicFramePr>
           <p:nvPr>
             <p:ph idx="1"/>
-          </p:nvPr>
-        </p:nvSpPr>
-        <p:spPr/>
-        <p:txBody>
-          <a:bodyPr/>
-          <a:lstStyle/>
-          <a:p>
-            <a:endParaRPr lang="en-US"/>
+            <p:extLst>
+              <p:ext uri="{D42A27DB-BD31-4B8C-83A1-F6EECF244321}">
+                <p14:modId xmlns:p14="http://schemas.microsoft.com/office/powerpoint/2010/main" val="3034109944"/>
+              </p:ext>
+            </p:extLst>
+          </p:nvPr>
+        </p:nvGraphicFramePr>
+        <p:xfrm>
+          <a:off x="838200" y="1982144"/>
+          <a:ext cx="10515600" cy="1854200"/>
+        </p:xfrm>
+        <a:graphic>
+          <a:graphicData uri="http://schemas.openxmlformats.org/drawingml/2006/table">
+            <a:tbl>
+              <a:tblPr firstRow="1" bandRow="1">
+                <a:tableStyleId>{5C22544A-7EE6-4342-B048-85BDC9FD1C3A}</a:tableStyleId>
+              </a:tblPr>
+              <a:tblGrid>
+                <a:gridCol w="2103120"/>
+                <a:gridCol w="2103120"/>
+                <a:gridCol w="2103120"/>
+                <a:gridCol w="2227099"/>
+                <a:gridCol w="1979141"/>
+              </a:tblGrid>
+              <a:tr h="370840">
+                <a:tc>
+                  <a:txBody>
+                    <a:bodyPr/>
+                    <a:lstStyle/>
+                    <a:p>
+                      <a:r>
+                        <a:rPr lang="en-US" dirty="0" smtClean="0"/>
+                        <a:t>Location</a:t>
+                      </a:r>
+                      <a:endParaRPr lang="en-US" dirty="0"/>
+                    </a:p>
+                  </a:txBody>
+                  <a:tcPr/>
+                </a:tc>
+                <a:tc>
+                  <a:txBody>
+                    <a:bodyPr/>
+                    <a:lstStyle/>
+                    <a:p>
+                      <a:r>
+                        <a:rPr lang="en-US" dirty="0" smtClean="0"/>
+                        <a:t>Network</a:t>
+                      </a:r>
+                      <a:endParaRPr lang="en-US" dirty="0"/>
+                    </a:p>
+                  </a:txBody>
+                  <a:tcPr/>
+                </a:tc>
+                <a:tc>
+                  <a:txBody>
+                    <a:bodyPr/>
+                    <a:lstStyle/>
+                    <a:p>
+                      <a:r>
+                        <a:rPr lang="en-US" dirty="0" smtClean="0"/>
+                        <a:t>Subnet</a:t>
+                      </a:r>
+                      <a:r>
+                        <a:rPr lang="en-US" baseline="0" dirty="0" smtClean="0"/>
+                        <a:t> Mask</a:t>
+                      </a:r>
+                      <a:endParaRPr lang="en-US" dirty="0"/>
+                    </a:p>
+                  </a:txBody>
+                  <a:tcPr/>
+                </a:tc>
+                <a:tc>
+                  <a:txBody>
+                    <a:bodyPr/>
+                    <a:lstStyle/>
+                    <a:p>
+                      <a:r>
+                        <a:rPr lang="en-US" dirty="0" smtClean="0"/>
+                        <a:t>Usable Range</a:t>
+                      </a:r>
+                      <a:endParaRPr lang="en-US" dirty="0"/>
+                    </a:p>
+                  </a:txBody>
+                  <a:tcPr/>
+                </a:tc>
+                <a:tc>
+                  <a:txBody>
+                    <a:bodyPr/>
+                    <a:lstStyle/>
+                    <a:p>
+                      <a:r>
+                        <a:rPr lang="en-US" dirty="0" smtClean="0"/>
+                        <a:t>Broadcast</a:t>
+                      </a:r>
+                      <a:endParaRPr lang="en-US" dirty="0"/>
+                    </a:p>
+                  </a:txBody>
+                  <a:tcPr/>
+                </a:tc>
+              </a:tr>
+              <a:tr h="370840">
+                <a:tc>
+                  <a:txBody>
+                    <a:bodyPr/>
+                    <a:lstStyle/>
+                    <a:p>
+                      <a:r>
+                        <a:rPr lang="en-US" dirty="0" smtClean="0"/>
+                        <a:t>FOB HOOD</a:t>
+                      </a:r>
+                      <a:endParaRPr lang="en-US" dirty="0"/>
+                    </a:p>
+                  </a:txBody>
+                  <a:tcPr/>
+                </a:tc>
+                <a:tc>
+                  <a:txBody>
+                    <a:bodyPr/>
+                    <a:lstStyle/>
+                    <a:p>
+                      <a:r>
+                        <a:rPr lang="en-US" dirty="0" smtClean="0"/>
+                        <a:t>192.168.64.0</a:t>
+                      </a:r>
+                      <a:endParaRPr lang="en-US" dirty="0"/>
+                    </a:p>
+                  </a:txBody>
+                  <a:tcPr/>
+                </a:tc>
+                <a:tc>
+                  <a:txBody>
+                    <a:bodyPr/>
+                    <a:lstStyle/>
+                    <a:p>
+                      <a:r>
+                        <a:rPr lang="en-US" dirty="0" smtClean="0"/>
+                        <a:t>255.255.255.0</a:t>
+                      </a:r>
+                      <a:endParaRPr lang="en-US" dirty="0"/>
+                    </a:p>
+                  </a:txBody>
+                  <a:tcPr/>
+                </a:tc>
+                <a:tc>
+                  <a:txBody>
+                    <a:bodyPr/>
+                    <a:lstStyle/>
+                    <a:p>
+                      <a:r>
+                        <a:rPr lang="en-US" dirty="0" smtClean="0"/>
+                        <a:t>192.168.64.1-</a:t>
+                      </a:r>
+                      <a:r>
+                        <a:rPr lang="en-US" dirty="0" smtClean="0"/>
+                        <a:t>.255</a:t>
+                      </a:r>
+                      <a:endParaRPr lang="en-US" dirty="0"/>
+                    </a:p>
+                  </a:txBody>
+                  <a:tcPr/>
+                </a:tc>
+                <a:tc>
+                  <a:txBody>
+                    <a:bodyPr/>
+                    <a:lstStyle/>
+                    <a:p>
+                      <a:r>
+                        <a:rPr lang="en-US" dirty="0" smtClean="0"/>
+                        <a:t>192.168.64.256</a:t>
+                      </a:r>
+                      <a:endParaRPr lang="en-US" dirty="0"/>
+                    </a:p>
+                  </a:txBody>
+                  <a:tcPr/>
+                </a:tc>
+              </a:tr>
+              <a:tr h="370840">
+                <a:tc>
+                  <a:txBody>
+                    <a:bodyPr/>
+                    <a:lstStyle/>
+                    <a:p>
+                      <a:r>
+                        <a:rPr lang="en-US" dirty="0" smtClean="0"/>
+                        <a:t>FOB BLISS</a:t>
+                      </a:r>
+                      <a:endParaRPr lang="en-US" dirty="0"/>
+                    </a:p>
+                  </a:txBody>
+                  <a:tcPr/>
+                </a:tc>
+                <a:tc>
+                  <a:txBody>
+                    <a:bodyPr/>
+                    <a:lstStyle/>
+                    <a:p>
+                      <a:r>
+                        <a:rPr lang="en-US" dirty="0" smtClean="0"/>
+                        <a:t>192.168.74.0</a:t>
+                      </a:r>
+                      <a:endParaRPr lang="en-US" dirty="0"/>
+                    </a:p>
+                  </a:txBody>
+                  <a:tcPr/>
+                </a:tc>
+                <a:tc>
+                  <a:txBody>
+                    <a:bodyPr/>
+                    <a:lstStyle/>
+                    <a:p>
+                      <a:pPr marL="0" marR="0" lvl="0" indent="0" algn="l" defTabSz="914400" rtl="0" eaLnBrk="1" fontAlgn="auto" latinLnBrk="0" hangingPunct="1">
+                        <a:lnSpc>
+                          <a:spcPct val="100000"/>
+                        </a:lnSpc>
+                        <a:spcBef>
+                          <a:spcPts val="0"/>
+                        </a:spcBef>
+                        <a:spcAft>
+                          <a:spcPts val="0"/>
+                        </a:spcAft>
+                        <a:buClrTx/>
+                        <a:buSzTx/>
+                        <a:buFontTx/>
+                        <a:buNone/>
+                        <a:tabLst/>
+                        <a:defRPr/>
+                      </a:pPr>
+                      <a:r>
+                        <a:rPr lang="en-US" dirty="0" smtClean="0"/>
+                        <a:t>255.255.255.128</a:t>
+                      </a:r>
+                    </a:p>
+                  </a:txBody>
+                  <a:tcPr/>
+                </a:tc>
+                <a:tc>
+                  <a:txBody>
+                    <a:bodyPr/>
+                    <a:lstStyle/>
+                    <a:p>
+                      <a:pPr marL="0" marR="0" lvl="0" indent="0" algn="l" defTabSz="914400" rtl="0" eaLnBrk="1" fontAlgn="auto" latinLnBrk="0" hangingPunct="1">
+                        <a:lnSpc>
+                          <a:spcPct val="100000"/>
+                        </a:lnSpc>
+                        <a:spcBef>
+                          <a:spcPts val="0"/>
+                        </a:spcBef>
+                        <a:spcAft>
+                          <a:spcPts val="0"/>
+                        </a:spcAft>
+                        <a:buClrTx/>
+                        <a:buSzTx/>
+                        <a:buFontTx/>
+                        <a:buNone/>
+                        <a:tabLst/>
+                        <a:defRPr/>
+                      </a:pPr>
+                      <a:r>
+                        <a:rPr lang="en-US" dirty="0" smtClean="0"/>
+                        <a:t>192.168.74.1-.126</a:t>
+                      </a:r>
+                    </a:p>
+                  </a:txBody>
+                  <a:tcPr/>
+                </a:tc>
+                <a:tc>
+                  <a:txBody>
+                    <a:bodyPr/>
+                    <a:lstStyle/>
+                    <a:p>
+                      <a:pPr marL="0" marR="0" lvl="0" indent="0" algn="l" defTabSz="914400" rtl="0" eaLnBrk="1" fontAlgn="auto" latinLnBrk="0" hangingPunct="1">
+                        <a:lnSpc>
+                          <a:spcPct val="100000"/>
+                        </a:lnSpc>
+                        <a:spcBef>
+                          <a:spcPts val="0"/>
+                        </a:spcBef>
+                        <a:spcAft>
+                          <a:spcPts val="0"/>
+                        </a:spcAft>
+                        <a:buClrTx/>
+                        <a:buSzTx/>
+                        <a:buFontTx/>
+                        <a:buNone/>
+                        <a:tabLst/>
+                        <a:defRPr/>
+                      </a:pPr>
+                      <a:r>
+                        <a:rPr lang="en-US" dirty="0" smtClean="0"/>
+                        <a:t>192.168.74.127</a:t>
+                      </a:r>
+                    </a:p>
+                  </a:txBody>
+                  <a:tcPr/>
+                </a:tc>
+              </a:tr>
+              <a:tr h="370840">
+                <a:tc>
+                  <a:txBody>
+                    <a:bodyPr/>
+                    <a:lstStyle/>
+                    <a:p>
+                      <a:r>
+                        <a:rPr lang="en-US" dirty="0" smtClean="0"/>
+                        <a:t>COP CARSON</a:t>
+                      </a:r>
+                      <a:endParaRPr lang="en-US" dirty="0"/>
+                    </a:p>
+                  </a:txBody>
+                  <a:tcPr/>
+                </a:tc>
+                <a:tc>
+                  <a:txBody>
+                    <a:bodyPr/>
+                    <a:lstStyle/>
+                    <a:p>
+                      <a:r>
+                        <a:rPr lang="en-US" dirty="0" smtClean="0"/>
+                        <a:t>192.168.74.128</a:t>
+                      </a:r>
+                      <a:endParaRPr lang="en-US" dirty="0"/>
+                    </a:p>
+                  </a:txBody>
+                  <a:tcPr/>
+                </a:tc>
+                <a:tc>
+                  <a:txBody>
+                    <a:bodyPr/>
+                    <a:lstStyle/>
+                    <a:p>
+                      <a:pPr marL="0" marR="0" lvl="0" indent="0" algn="l" defTabSz="914400" rtl="0" eaLnBrk="1" fontAlgn="auto" latinLnBrk="0" hangingPunct="1">
+                        <a:lnSpc>
+                          <a:spcPct val="100000"/>
+                        </a:lnSpc>
+                        <a:spcBef>
+                          <a:spcPts val="0"/>
+                        </a:spcBef>
+                        <a:spcAft>
+                          <a:spcPts val="0"/>
+                        </a:spcAft>
+                        <a:buClrTx/>
+                        <a:buSzTx/>
+                        <a:buFontTx/>
+                        <a:buNone/>
+                        <a:tabLst/>
+                        <a:defRPr/>
+                      </a:pPr>
+                      <a:r>
+                        <a:rPr lang="en-US" dirty="0" smtClean="0"/>
+                        <a:t>255.255.255.248</a:t>
+                      </a:r>
+                    </a:p>
+                  </a:txBody>
+                  <a:tcPr/>
+                </a:tc>
+                <a:tc>
+                  <a:txBody>
+                    <a:bodyPr/>
+                    <a:lstStyle/>
+                    <a:p>
+                      <a:pPr marL="0" marR="0" lvl="0" indent="0" algn="l" defTabSz="914400" rtl="0" eaLnBrk="1" fontAlgn="auto" latinLnBrk="0" hangingPunct="1">
+                        <a:lnSpc>
+                          <a:spcPct val="100000"/>
+                        </a:lnSpc>
+                        <a:spcBef>
+                          <a:spcPts val="0"/>
+                        </a:spcBef>
+                        <a:spcAft>
+                          <a:spcPts val="0"/>
+                        </a:spcAft>
+                        <a:buClrTx/>
+                        <a:buSzTx/>
+                        <a:buFontTx/>
+                        <a:buNone/>
+                        <a:tabLst/>
+                        <a:defRPr/>
+                      </a:pPr>
+                      <a:r>
+                        <a:rPr lang="en-US" dirty="0" smtClean="0"/>
+                        <a:t>192.168.74.129-.135</a:t>
+                      </a:r>
+                    </a:p>
+                  </a:txBody>
+                  <a:tcPr/>
+                </a:tc>
+                <a:tc>
+                  <a:txBody>
+                    <a:bodyPr/>
+                    <a:lstStyle/>
+                    <a:p>
+                      <a:pPr marL="0" marR="0" lvl="0" indent="0" algn="l" defTabSz="914400" rtl="0" eaLnBrk="1" fontAlgn="auto" latinLnBrk="0" hangingPunct="1">
+                        <a:lnSpc>
+                          <a:spcPct val="100000"/>
+                        </a:lnSpc>
+                        <a:spcBef>
+                          <a:spcPts val="0"/>
+                        </a:spcBef>
+                        <a:spcAft>
+                          <a:spcPts val="0"/>
+                        </a:spcAft>
+                        <a:buClrTx/>
+                        <a:buSzTx/>
+                        <a:buFontTx/>
+                        <a:buNone/>
+                        <a:tabLst/>
+                        <a:defRPr/>
+                      </a:pPr>
+                      <a:r>
+                        <a:rPr lang="en-US" dirty="0" smtClean="0"/>
+                        <a:t>192.168.74.136</a:t>
+                      </a:r>
+                    </a:p>
+                  </a:txBody>
+                  <a:tcPr/>
+                </a:tc>
+              </a:tr>
+              <a:tr h="370840">
+                <a:tc>
+                  <a:txBody>
+                    <a:bodyPr/>
+                    <a:lstStyle/>
+                    <a:p>
+                      <a:r>
+                        <a:rPr lang="en-US" dirty="0" smtClean="0"/>
+                        <a:t>Router to Router</a:t>
+                      </a:r>
+                      <a:endParaRPr lang="en-US" dirty="0"/>
+                    </a:p>
+                  </a:txBody>
+                  <a:tcPr/>
+                </a:tc>
+                <a:tc>
+                  <a:txBody>
+                    <a:bodyPr/>
+                    <a:lstStyle/>
+                    <a:p>
+                      <a:r>
+                        <a:rPr lang="en-US" dirty="0" smtClean="0"/>
+                        <a:t>192.168.74.137</a:t>
+                      </a:r>
+                      <a:endParaRPr lang="en-US" dirty="0"/>
+                    </a:p>
+                  </a:txBody>
+                  <a:tcPr/>
+                </a:tc>
+                <a:tc>
+                  <a:txBody>
+                    <a:bodyPr/>
+                    <a:lstStyle/>
+                    <a:p>
+                      <a:pPr marL="0" marR="0" lvl="0" indent="0" algn="l" defTabSz="914400" rtl="0" eaLnBrk="1" fontAlgn="auto" latinLnBrk="0" hangingPunct="1">
+                        <a:lnSpc>
+                          <a:spcPct val="100000"/>
+                        </a:lnSpc>
+                        <a:spcBef>
+                          <a:spcPts val="0"/>
+                        </a:spcBef>
+                        <a:spcAft>
+                          <a:spcPts val="0"/>
+                        </a:spcAft>
+                        <a:buClrTx/>
+                        <a:buSzTx/>
+                        <a:buFontTx/>
+                        <a:buNone/>
+                        <a:tabLst/>
+                        <a:defRPr/>
+                      </a:pPr>
+                      <a:r>
+                        <a:rPr lang="en-US" dirty="0" smtClean="0"/>
+                        <a:t>255.255.255.252</a:t>
+                      </a:r>
+                      <a:endParaRPr lang="en-US" dirty="0" smtClean="0"/>
+                    </a:p>
+                  </a:txBody>
+                  <a:tcPr/>
+                </a:tc>
+                <a:tc>
+                  <a:txBody>
+                    <a:bodyPr/>
+                    <a:lstStyle/>
+                    <a:p>
+                      <a:pPr marL="0" marR="0" lvl="0" indent="0" algn="l" defTabSz="914400" rtl="0" eaLnBrk="1" fontAlgn="auto" latinLnBrk="0" hangingPunct="1">
+                        <a:lnSpc>
+                          <a:spcPct val="100000"/>
+                        </a:lnSpc>
+                        <a:spcBef>
+                          <a:spcPts val="0"/>
+                        </a:spcBef>
+                        <a:spcAft>
+                          <a:spcPts val="0"/>
+                        </a:spcAft>
+                        <a:buClrTx/>
+                        <a:buSzTx/>
+                        <a:buFontTx/>
+                        <a:buNone/>
+                        <a:tabLst/>
+                        <a:defRPr/>
+                      </a:pPr>
+                      <a:r>
+                        <a:rPr lang="en-US" dirty="0" smtClean="0"/>
+                        <a:t>192.168.74.138-.139</a:t>
+                      </a:r>
+                      <a:endParaRPr lang="en-US" dirty="0" smtClean="0"/>
+                    </a:p>
+                  </a:txBody>
+                  <a:tcPr/>
+                </a:tc>
+                <a:tc>
+                  <a:txBody>
+                    <a:bodyPr/>
+                    <a:lstStyle/>
+                    <a:p>
+                      <a:pPr marL="0" marR="0" lvl="0" indent="0" algn="l" defTabSz="914400" rtl="0" eaLnBrk="1" fontAlgn="auto" latinLnBrk="0" hangingPunct="1">
+                        <a:lnSpc>
+                          <a:spcPct val="100000"/>
+                        </a:lnSpc>
+                        <a:spcBef>
+                          <a:spcPts val="0"/>
+                        </a:spcBef>
+                        <a:spcAft>
+                          <a:spcPts val="0"/>
+                        </a:spcAft>
+                        <a:buClrTx/>
+                        <a:buSzTx/>
+                        <a:buFontTx/>
+                        <a:buNone/>
+                        <a:tabLst/>
+                        <a:defRPr/>
+                      </a:pPr>
+                      <a:r>
+                        <a:rPr lang="en-US" dirty="0" smtClean="0"/>
+                        <a:t>192.168.74.140</a:t>
+                      </a:r>
+                      <a:endParaRPr lang="en-US" dirty="0" smtClean="0"/>
+                    </a:p>
+                  </a:txBody>
+                  <a:tcPr/>
+                </a:tc>
+              </a:tr>
+            </a:tbl>
+          </a:graphicData>
+        </a:graphic>
+      </p:graphicFrame>
+      <p:sp>
+        <p:nvSpPr>
+          <p:cNvPr id="5" name="TextBox 4"/>
+          <p:cNvSpPr txBox="1"/>
+          <p:nvPr/>
+        </p:nvSpPr>
+        <p:spPr>
+          <a:xfrm>
+            <a:off x="691978" y="1499286"/>
+            <a:ext cx="10799806" cy="369332"/>
+          </a:xfrm>
+          <a:prstGeom prst="rect">
+            <a:avLst/>
+          </a:prstGeom>
+          <a:noFill/>
+        </p:spPr>
+        <p:txBody>
+          <a:bodyPr wrap="square" rtlCol="0">
+            <a:spAutoFit/>
+          </a:bodyPr>
+          <a:lstStyle/>
+          <a:p>
+            <a:pPr algn="ctr"/>
+            <a:r>
+              <a:rPr lang="en-US" dirty="0" smtClean="0"/>
+              <a:t>Private Addresses</a:t>
+            </a:r>
+            <a:endParaRPr lang="en-US" dirty="0"/>
+          </a:p>
+        </p:txBody>
+      </p:sp>
+      <p:sp>
+        <p:nvSpPr>
+          <p:cNvPr id="6" name="TextBox 5"/>
+          <p:cNvSpPr txBox="1"/>
+          <p:nvPr/>
+        </p:nvSpPr>
+        <p:spPr>
+          <a:xfrm>
+            <a:off x="691978" y="3889669"/>
+            <a:ext cx="10799806" cy="369332"/>
+          </a:xfrm>
+          <a:prstGeom prst="rect">
+            <a:avLst/>
+          </a:prstGeom>
+          <a:noFill/>
+        </p:spPr>
+        <p:txBody>
+          <a:bodyPr wrap="square" rtlCol="0">
+            <a:spAutoFit/>
+          </a:bodyPr>
+          <a:lstStyle/>
+          <a:p>
+            <a:pPr algn="ctr"/>
+            <a:r>
+              <a:rPr lang="en-US" dirty="0" smtClean="0"/>
+              <a:t>Public Addresses</a:t>
+            </a:r>
+            <a:endParaRPr lang="en-US" dirty="0"/>
+          </a:p>
+        </p:txBody>
+      </p:sp>
+      <p:graphicFrame>
+        <p:nvGraphicFramePr>
+          <p:cNvPr id="7" name="Content Placeholder 3"/>
+          <p:cNvGraphicFramePr>
+            <a:graphicFrameLocks/>
+          </p:cNvGraphicFramePr>
+          <p:nvPr>
+            <p:extLst>
+              <p:ext uri="{D42A27DB-BD31-4B8C-83A1-F6EECF244321}">
+                <p14:modId xmlns:p14="http://schemas.microsoft.com/office/powerpoint/2010/main" val="4016634941"/>
+              </p:ext>
+            </p:extLst>
+          </p:nvPr>
+        </p:nvGraphicFramePr>
+        <p:xfrm>
+          <a:off x="838200" y="4352088"/>
+          <a:ext cx="4206240" cy="1381760"/>
+        </p:xfrm>
+        <a:graphic>
+          <a:graphicData uri="http://schemas.openxmlformats.org/drawingml/2006/table">
+            <a:tbl>
+              <a:tblPr firstRow="1" bandRow="1">
+                <a:tableStyleId>{21E4AEA4-8DFA-4A89-87EB-49C32662AFE0}</a:tableStyleId>
+              </a:tblPr>
+              <a:tblGrid>
+                <a:gridCol w="2103120"/>
+                <a:gridCol w="2103120"/>
+              </a:tblGrid>
+              <a:tr h="370840">
+                <a:tc>
+                  <a:txBody>
+                    <a:bodyPr/>
+                    <a:lstStyle/>
+                    <a:p>
+                      <a:r>
+                        <a:rPr lang="en-US" dirty="0" smtClean="0"/>
+                        <a:t>Location</a:t>
+                      </a:r>
+                      <a:endParaRPr lang="en-US" dirty="0"/>
+                    </a:p>
+                  </a:txBody>
+                  <a:tcPr/>
+                </a:tc>
+                <a:tc>
+                  <a:txBody>
+                    <a:bodyPr/>
+                    <a:lstStyle/>
+                    <a:p>
+                      <a:r>
+                        <a:rPr lang="en-US" dirty="0" smtClean="0"/>
+                        <a:t>Network</a:t>
+                      </a:r>
+                      <a:endParaRPr lang="en-US" dirty="0"/>
+                    </a:p>
+                  </a:txBody>
+                  <a:tcPr/>
+                </a:tc>
+              </a:tr>
+              <a:tr h="370840">
+                <a:tc>
+                  <a:txBody>
+                    <a:bodyPr/>
+                    <a:lstStyle/>
+                    <a:p>
+                      <a:r>
+                        <a:rPr lang="en-US" dirty="0" smtClean="0"/>
+                        <a:t>FOB HOOD</a:t>
+                      </a:r>
+                      <a:endParaRPr lang="en-US" dirty="0"/>
+                    </a:p>
+                  </a:txBody>
+                  <a:tcPr/>
+                </a:tc>
+                <a:tc>
+                  <a:txBody>
+                    <a:bodyPr/>
+                    <a:lstStyle/>
+                    <a:p>
+                      <a:r>
+                        <a:rPr lang="en-US" dirty="0" smtClean="0"/>
+                        <a:t>10.64.64.1</a:t>
+                      </a:r>
+                      <a:endParaRPr lang="en-US" dirty="0"/>
+                    </a:p>
+                  </a:txBody>
+                  <a:tcPr/>
+                </a:tc>
+              </a:tr>
+              <a:tr h="370840">
+                <a:tc>
+                  <a:txBody>
+                    <a:bodyPr/>
+                    <a:lstStyle/>
+                    <a:p>
+                      <a:r>
+                        <a:rPr lang="en-US" dirty="0" smtClean="0"/>
+                        <a:t>FOB BLISS</a:t>
+                      </a:r>
+                      <a:endParaRPr lang="en-US" dirty="0"/>
+                    </a:p>
+                  </a:txBody>
+                  <a:tcPr/>
+                </a:tc>
+                <a:tc>
+                  <a:txBody>
+                    <a:bodyPr/>
+                    <a:lstStyle/>
+                    <a:p>
+                      <a:r>
+                        <a:rPr lang="en-US" dirty="0" smtClean="0"/>
+                        <a:t>10.64.64.2</a:t>
+                      </a:r>
+                    </a:p>
+                    <a:p>
+                      <a:r>
+                        <a:rPr lang="en-US" dirty="0" smtClean="0"/>
+                        <a:t>10.64.64.6</a:t>
+                      </a:r>
+                      <a:endParaRPr lang="en-US" dirty="0"/>
+                    </a:p>
+                  </a:txBody>
+                  <a:tcPr/>
+                </a:tc>
+              </a:tr>
+            </a:tbl>
+          </a:graphicData>
+        </a:graphic>
+      </p:graphicFrame>
+      <p:graphicFrame>
+        <p:nvGraphicFramePr>
+          <p:cNvPr id="8" name="Content Placeholder 3"/>
+          <p:cNvGraphicFramePr>
+            <a:graphicFrameLocks/>
+          </p:cNvGraphicFramePr>
+          <p:nvPr>
+            <p:extLst>
+              <p:ext uri="{D42A27DB-BD31-4B8C-83A1-F6EECF244321}">
+                <p14:modId xmlns:p14="http://schemas.microsoft.com/office/powerpoint/2010/main" val="1921345909"/>
+              </p:ext>
+            </p:extLst>
+          </p:nvPr>
+        </p:nvGraphicFramePr>
+        <p:xfrm>
+          <a:off x="7147560" y="4352088"/>
+          <a:ext cx="4206240" cy="1483360"/>
+        </p:xfrm>
+        <a:graphic>
+          <a:graphicData uri="http://schemas.openxmlformats.org/drawingml/2006/table">
+            <a:tbl>
+              <a:tblPr firstRow="1" bandRow="1">
+                <a:tableStyleId>{21E4AEA4-8DFA-4A89-87EB-49C32662AFE0}</a:tableStyleId>
+              </a:tblPr>
+              <a:tblGrid>
+                <a:gridCol w="2103120"/>
+                <a:gridCol w="2103120"/>
+              </a:tblGrid>
+              <a:tr h="370840">
+                <a:tc>
+                  <a:txBody>
+                    <a:bodyPr/>
+                    <a:lstStyle/>
+                    <a:p>
+                      <a:r>
+                        <a:rPr lang="en-US" dirty="0" smtClean="0"/>
+                        <a:t>Location</a:t>
+                      </a:r>
+                      <a:endParaRPr lang="en-US" dirty="0"/>
+                    </a:p>
+                  </a:txBody>
+                  <a:tcPr/>
+                </a:tc>
+                <a:tc>
+                  <a:txBody>
+                    <a:bodyPr/>
+                    <a:lstStyle/>
+                    <a:p>
+                      <a:r>
+                        <a:rPr lang="en-US" dirty="0" smtClean="0"/>
+                        <a:t>Network</a:t>
+                      </a:r>
+                      <a:endParaRPr lang="en-US" dirty="0"/>
+                    </a:p>
+                  </a:txBody>
+                  <a:tcPr/>
+                </a:tc>
+              </a:tr>
+              <a:tr h="370840">
+                <a:tc>
+                  <a:txBody>
+                    <a:bodyPr/>
+                    <a:lstStyle/>
+                    <a:p>
+                      <a:r>
+                        <a:rPr lang="en-US" dirty="0" err="1" smtClean="0"/>
+                        <a:t>Pershingville</a:t>
+                      </a:r>
+                      <a:endParaRPr lang="en-US" dirty="0"/>
+                    </a:p>
+                  </a:txBody>
+                  <a:tcPr/>
+                </a:tc>
+                <a:tc>
+                  <a:txBody>
+                    <a:bodyPr/>
+                    <a:lstStyle/>
+                    <a:p>
+                      <a:r>
+                        <a:rPr lang="en-US" dirty="0" smtClean="0"/>
+                        <a:t>10.64.64.3</a:t>
+                      </a:r>
+                      <a:endParaRPr lang="en-US" dirty="0"/>
+                    </a:p>
+                  </a:txBody>
+                  <a:tcPr/>
+                </a:tc>
+              </a:tr>
+              <a:tr h="370840">
+                <a:tc>
+                  <a:txBody>
+                    <a:bodyPr/>
+                    <a:lstStyle/>
+                    <a:p>
+                      <a:r>
+                        <a:rPr lang="en-US" dirty="0" smtClean="0"/>
+                        <a:t>Patton</a:t>
+                      </a:r>
+                      <a:endParaRPr lang="en-US" dirty="0"/>
+                    </a:p>
+                  </a:txBody>
+                  <a:tcPr/>
+                </a:tc>
+                <a:tc>
+                  <a:txBody>
+                    <a:bodyPr/>
+                    <a:lstStyle/>
+                    <a:p>
+                      <a:r>
+                        <a:rPr lang="en-US" dirty="0" smtClean="0"/>
+                        <a:t>10.64.64.4</a:t>
+                      </a:r>
+                      <a:endParaRPr lang="en-US" dirty="0"/>
+                    </a:p>
+                  </a:txBody>
+                  <a:tcPr/>
+                </a:tc>
+              </a:tr>
+              <a:tr h="370840">
+                <a:tc>
+                  <a:txBody>
+                    <a:bodyPr/>
+                    <a:lstStyle/>
+                    <a:p>
+                      <a:r>
+                        <a:rPr lang="en-US" dirty="0" smtClean="0"/>
+                        <a:t>Metropolis</a:t>
+                      </a:r>
+                      <a:endParaRPr lang="en-US" dirty="0"/>
+                    </a:p>
+                  </a:txBody>
+                  <a:tcPr/>
+                </a:tc>
+                <a:tc>
+                  <a:txBody>
+                    <a:bodyPr/>
+                    <a:lstStyle/>
+                    <a:p>
+                      <a:r>
+                        <a:rPr lang="en-US" dirty="0" smtClean="0"/>
+                        <a:t>10.64.64.5</a:t>
+                      </a:r>
+                    </a:p>
+                  </a:txBody>
+                  <a:tcPr/>
+                </a:tc>
+              </a:tr>
+            </a:tbl>
+          </a:graphicData>
+        </a:graphic>
+      </p:graphicFrame>
+      <p:sp>
+        <p:nvSpPr>
+          <p:cNvPr id="9" name="TextBox 8"/>
+          <p:cNvSpPr txBox="1"/>
+          <p:nvPr/>
+        </p:nvSpPr>
+        <p:spPr>
+          <a:xfrm>
+            <a:off x="3251886" y="5920022"/>
+            <a:ext cx="5679990" cy="369332"/>
+          </a:xfrm>
+          <a:prstGeom prst="rect">
+            <a:avLst/>
+          </a:prstGeom>
+          <a:noFill/>
+        </p:spPr>
+        <p:txBody>
+          <a:bodyPr wrap="square" rtlCol="0">
+            <a:spAutoFit/>
+          </a:bodyPr>
+          <a:lstStyle/>
+          <a:p>
+            <a:pPr algn="ctr"/>
+            <a:r>
+              <a:rPr lang="en-US" dirty="0" smtClean="0"/>
+              <a:t>Network will utilize PAT to save the limited IP space</a:t>
+            </a:r>
+            <a:endParaRPr lang="en-US" dirty="0"/>
           </a:p>
         </p:txBody>
       </p:sp>
@@ -3673,6 +6846,13 @@
   <p:clrMapOvr>
     <a:masterClrMapping/>
   </p:clrMapOvr>
+  <p:timing>
+    <p:tnLst>
+      <p:par>
+        <p:cTn id="1" dur="indefinite" restart="never" nodeType="tmRoot"/>
+      </p:par>
+    </p:tnLst>
+  </p:timing>
 </p:sld>
 </file>
 
@@ -3710,41 +6890,358 @@
           <a:p>
             <a:r>
               <a:rPr lang="en-US" dirty="0" smtClean="0"/>
-              <a:t>Interface Configuration</a:t>
+              <a:t>VLAN Configuration</a:t>
             </a:r>
             <a:endParaRPr lang="en-US" dirty="0"/>
           </a:p>
         </p:txBody>
       </p:sp>
-      <p:sp>
-        <p:nvSpPr>
-          <p:cNvPr id="3" name="Content Placeholder 2"/>
-          <p:cNvSpPr>
-            <a:spLocks noGrp="1"/>
-          </p:cNvSpPr>
+      <p:graphicFrame>
+        <p:nvGraphicFramePr>
+          <p:cNvPr id="4" name="Content Placeholder 3"/>
+          <p:cNvGraphicFramePr>
+            <a:graphicFrameLocks noGrp="1"/>
+          </p:cNvGraphicFramePr>
           <p:nvPr>
             <p:ph idx="1"/>
-          </p:nvPr>
-        </p:nvSpPr>
-        <p:spPr/>
-        <p:txBody>
-          <a:bodyPr/>
-          <a:lstStyle/>
-          <a:p>
-            <a:endParaRPr lang="en-US"/>
-          </a:p>
-        </p:txBody>
-      </p:sp>
+            <p:extLst>
+              <p:ext uri="{D42A27DB-BD31-4B8C-83A1-F6EECF244321}">
+                <p14:modId xmlns:p14="http://schemas.microsoft.com/office/powerpoint/2010/main" val="4106129674"/>
+              </p:ext>
+            </p:extLst>
+          </p:nvPr>
+        </p:nvGraphicFramePr>
+        <p:xfrm>
+          <a:off x="2117124" y="1779371"/>
+          <a:ext cx="7043352" cy="3781170"/>
+        </p:xfrm>
+        <a:graphic>
+          <a:graphicData uri="http://schemas.openxmlformats.org/drawingml/2006/table">
+            <a:tbl>
+              <a:tblPr firstRow="1" bandRow="1">
+                <a:tableStyleId>{5C22544A-7EE6-4342-B048-85BDC9FD1C3A}</a:tableStyleId>
+              </a:tblPr>
+              <a:tblGrid>
+                <a:gridCol w="2347784"/>
+                <a:gridCol w="2347784"/>
+                <a:gridCol w="2347784"/>
+              </a:tblGrid>
+              <a:tr h="756234">
+                <a:tc>
+                  <a:txBody>
+                    <a:bodyPr/>
+                    <a:lstStyle/>
+                    <a:p>
+                      <a:pPr algn="ctr"/>
+                      <a:r>
+                        <a:rPr lang="en-US" dirty="0" smtClean="0"/>
+                        <a:t>VLAN Number</a:t>
+                      </a:r>
+                      <a:endParaRPr lang="en-US" dirty="0"/>
+                    </a:p>
+                  </a:txBody>
+                  <a:tcPr/>
+                </a:tc>
+                <a:tc>
+                  <a:txBody>
+                    <a:bodyPr/>
+                    <a:lstStyle/>
+                    <a:p>
+                      <a:pPr algn="ctr"/>
+                      <a:r>
+                        <a:rPr lang="en-US" dirty="0" smtClean="0"/>
+                        <a:t> VLAN</a:t>
+                      </a:r>
+                      <a:r>
+                        <a:rPr lang="en-US" baseline="0" dirty="0" smtClean="0"/>
+                        <a:t> </a:t>
+                      </a:r>
+                      <a:r>
+                        <a:rPr lang="en-US" dirty="0" smtClean="0"/>
+                        <a:t>Name</a:t>
+                      </a:r>
+                      <a:endParaRPr lang="en-US" dirty="0"/>
+                    </a:p>
+                  </a:txBody>
+                  <a:tcPr/>
+                </a:tc>
+                <a:tc>
+                  <a:txBody>
+                    <a:bodyPr/>
+                    <a:lstStyle/>
+                    <a:p>
+                      <a:pPr algn="ctr"/>
+                      <a:r>
+                        <a:rPr lang="en-US" dirty="0" smtClean="0"/>
+                        <a:t>IP on Metropolis</a:t>
+                      </a:r>
+                      <a:endParaRPr lang="en-US" dirty="0"/>
+                    </a:p>
+                  </a:txBody>
+                  <a:tcPr/>
+                </a:tc>
+              </a:tr>
+              <a:tr h="756234">
+                <a:tc>
+                  <a:txBody>
+                    <a:bodyPr/>
+                    <a:lstStyle/>
+                    <a:p>
+                      <a:r>
+                        <a:rPr lang="en-US" dirty="0" smtClean="0"/>
+                        <a:t>500</a:t>
+                      </a:r>
+                      <a:endParaRPr lang="en-US" dirty="0"/>
+                    </a:p>
+                  </a:txBody>
+                  <a:tcPr/>
+                </a:tc>
+                <a:tc>
+                  <a:txBody>
+                    <a:bodyPr/>
+                    <a:lstStyle/>
+                    <a:p>
+                      <a:r>
+                        <a:rPr lang="en-US" dirty="0" smtClean="0"/>
+                        <a:t>Management</a:t>
+                      </a:r>
+                      <a:endParaRPr lang="en-US" dirty="0"/>
+                    </a:p>
+                  </a:txBody>
+                  <a:tcPr/>
+                </a:tc>
+                <a:tc>
+                  <a:txBody>
+                    <a:bodyPr/>
+                    <a:lstStyle/>
+                    <a:p>
+                      <a:r>
+                        <a:rPr lang="en-US" dirty="0" smtClean="0"/>
+                        <a:t>10.64.64.50</a:t>
+                      </a:r>
+                      <a:endParaRPr lang="en-US" dirty="0"/>
+                    </a:p>
+                  </a:txBody>
+                  <a:tcPr/>
+                </a:tc>
+              </a:tr>
+              <a:tr h="756234">
+                <a:tc>
+                  <a:txBody>
+                    <a:bodyPr/>
+                    <a:lstStyle/>
+                    <a:p>
+                      <a:r>
+                        <a:rPr lang="en-US" dirty="0" smtClean="0"/>
+                        <a:t>100</a:t>
+                      </a:r>
+                      <a:endParaRPr lang="en-US" dirty="0"/>
+                    </a:p>
+                  </a:txBody>
+                  <a:tcPr/>
+                </a:tc>
+                <a:tc>
+                  <a:txBody>
+                    <a:bodyPr/>
+                    <a:lstStyle/>
+                    <a:p>
+                      <a:r>
+                        <a:rPr lang="en-US" dirty="0" smtClean="0"/>
+                        <a:t>FOB</a:t>
+                      </a:r>
+                      <a:r>
+                        <a:rPr lang="en-US" baseline="0" dirty="0" smtClean="0"/>
+                        <a:t> HOOD</a:t>
+                      </a:r>
+                      <a:endParaRPr lang="en-US" dirty="0"/>
+                    </a:p>
+                  </a:txBody>
+                  <a:tcPr/>
+                </a:tc>
+                <a:tc>
+                  <a:txBody>
+                    <a:bodyPr/>
+                    <a:lstStyle/>
+                    <a:p>
+                      <a:pPr marL="0" marR="0" lvl="0" indent="0" algn="l" defTabSz="914400" rtl="0" eaLnBrk="1" fontAlgn="auto" latinLnBrk="0" hangingPunct="1">
+                        <a:lnSpc>
+                          <a:spcPct val="100000"/>
+                        </a:lnSpc>
+                        <a:spcBef>
+                          <a:spcPts val="0"/>
+                        </a:spcBef>
+                        <a:spcAft>
+                          <a:spcPts val="0"/>
+                        </a:spcAft>
+                        <a:buClrTx/>
+                        <a:buSzTx/>
+                        <a:buFontTx/>
+                        <a:buNone/>
+                        <a:tabLst/>
+                        <a:defRPr/>
+                      </a:pPr>
+                      <a:r>
+                        <a:rPr lang="en-US" dirty="0" smtClean="0"/>
+                        <a:t>10.64.64.10</a:t>
+                      </a:r>
+                      <a:endParaRPr lang="en-US" dirty="0" smtClean="0"/>
+                    </a:p>
+                    <a:p>
+                      <a:endParaRPr lang="en-US" dirty="0"/>
+                    </a:p>
+                  </a:txBody>
+                  <a:tcPr/>
+                </a:tc>
+              </a:tr>
+              <a:tr h="756234">
+                <a:tc>
+                  <a:txBody>
+                    <a:bodyPr/>
+                    <a:lstStyle/>
+                    <a:p>
+                      <a:r>
+                        <a:rPr lang="en-US" dirty="0" smtClean="0"/>
+                        <a:t>200</a:t>
+                      </a:r>
+                      <a:endParaRPr lang="en-US" dirty="0"/>
+                    </a:p>
+                  </a:txBody>
+                  <a:tcPr/>
+                </a:tc>
+                <a:tc>
+                  <a:txBody>
+                    <a:bodyPr/>
+                    <a:lstStyle/>
+                    <a:p>
+                      <a:r>
+                        <a:rPr lang="en-US" dirty="0" smtClean="0"/>
+                        <a:t>FOB BLISS</a:t>
+                      </a:r>
+                      <a:endParaRPr lang="en-US" dirty="0"/>
+                    </a:p>
+                  </a:txBody>
+                  <a:tcPr/>
+                </a:tc>
+                <a:tc>
+                  <a:txBody>
+                    <a:bodyPr/>
+                    <a:lstStyle/>
+                    <a:p>
+                      <a:pPr marL="0" marR="0" lvl="0" indent="0" algn="l" defTabSz="914400" rtl="0" eaLnBrk="1" fontAlgn="auto" latinLnBrk="0" hangingPunct="1">
+                        <a:lnSpc>
+                          <a:spcPct val="100000"/>
+                        </a:lnSpc>
+                        <a:spcBef>
+                          <a:spcPts val="0"/>
+                        </a:spcBef>
+                        <a:spcAft>
+                          <a:spcPts val="0"/>
+                        </a:spcAft>
+                        <a:buClrTx/>
+                        <a:buSzTx/>
+                        <a:buFontTx/>
+                        <a:buNone/>
+                        <a:tabLst/>
+                        <a:defRPr/>
+                      </a:pPr>
+                      <a:r>
+                        <a:rPr lang="en-US" dirty="0" smtClean="0"/>
+                        <a:t>10.64.64.20</a:t>
+                      </a:r>
+                      <a:endParaRPr lang="en-US" dirty="0" smtClean="0"/>
+                    </a:p>
+                    <a:p>
+                      <a:endParaRPr lang="en-US" b="1" dirty="0"/>
+                    </a:p>
+                  </a:txBody>
+                  <a:tcPr/>
+                </a:tc>
+              </a:tr>
+              <a:tr h="756234">
+                <a:tc>
+                  <a:txBody>
+                    <a:bodyPr/>
+                    <a:lstStyle/>
+                    <a:p>
+                      <a:r>
+                        <a:rPr lang="en-US" dirty="0" smtClean="0"/>
+                        <a:t>300</a:t>
+                      </a:r>
+                      <a:endParaRPr lang="en-US" dirty="0"/>
+                    </a:p>
+                  </a:txBody>
+                  <a:tcPr/>
+                </a:tc>
+                <a:tc>
+                  <a:txBody>
+                    <a:bodyPr/>
+                    <a:lstStyle/>
+                    <a:p>
+                      <a:r>
+                        <a:rPr lang="en-US" dirty="0" smtClean="0"/>
+                        <a:t>COP CARSON</a:t>
+                      </a:r>
+                      <a:endParaRPr lang="en-US" dirty="0"/>
+                    </a:p>
+                  </a:txBody>
+                  <a:tcPr/>
+                </a:tc>
+                <a:tc>
+                  <a:txBody>
+                    <a:bodyPr/>
+                    <a:lstStyle/>
+                    <a:p>
+                      <a:pPr marL="0" marR="0" lvl="0" indent="0" algn="l" defTabSz="914400" rtl="0" eaLnBrk="1" fontAlgn="auto" latinLnBrk="0" hangingPunct="1">
+                        <a:lnSpc>
+                          <a:spcPct val="100000"/>
+                        </a:lnSpc>
+                        <a:spcBef>
+                          <a:spcPts val="0"/>
+                        </a:spcBef>
+                        <a:spcAft>
+                          <a:spcPts val="0"/>
+                        </a:spcAft>
+                        <a:buClrTx/>
+                        <a:buSzTx/>
+                        <a:buFontTx/>
+                        <a:buNone/>
+                        <a:tabLst/>
+                        <a:defRPr/>
+                      </a:pPr>
+                      <a:r>
+                        <a:rPr lang="en-US" dirty="0" smtClean="0"/>
+                        <a:t>10.64.64.30</a:t>
+                      </a:r>
+                      <a:endParaRPr lang="en-US" dirty="0" smtClean="0"/>
+                    </a:p>
+                    <a:p>
+                      <a:endParaRPr lang="en-US" dirty="0"/>
+                    </a:p>
+                  </a:txBody>
+                  <a:tcPr/>
+                </a:tc>
+              </a:tr>
+            </a:tbl>
+          </a:graphicData>
+        </a:graphic>
+      </p:graphicFrame>
     </p:spTree>
     <p:extLst>
       <p:ext uri="{BB962C8B-B14F-4D97-AF65-F5344CB8AC3E}">
-        <p14:creationId xmlns:p14="http://schemas.microsoft.com/office/powerpoint/2010/main" val="2563453283"/>
+        <p14:creationId xmlns:p14="http://schemas.microsoft.com/office/powerpoint/2010/main" val="2178614100"/>
       </p:ext>
     </p:extLst>
   </p:cSld>
   <p:clrMapOvr>
     <a:masterClrMapping/>
   </p:clrMapOvr>
+  <p:timing>
+    <p:tnLst>
+      <p:par>
+        <p:cTn id="1" dur="indefinite" restart="never" nodeType="tmRoot"/>
+      </p:par>
+    </p:tnLst>
+  </p:timing>
 </p:sld>
 </file>
 
@@ -3782,7 +7279,7 @@
           <a:p>
             <a:r>
               <a:rPr lang="en-US" dirty="0" smtClean="0"/>
-              <a:t>VLAN Configuration</a:t>
+              <a:t>Routing </a:t>
             </a:r>
             <a:endParaRPr lang="en-US" dirty="0"/>
           </a:p>
@@ -3810,13 +7307,20 @@
     </p:spTree>
     <p:extLst>
       <p:ext uri="{BB962C8B-B14F-4D97-AF65-F5344CB8AC3E}">
-        <p14:creationId xmlns:p14="http://schemas.microsoft.com/office/powerpoint/2010/main" val="2178614100"/>
+        <p14:creationId xmlns:p14="http://schemas.microsoft.com/office/powerpoint/2010/main" val="1155659483"/>
       </p:ext>
     </p:extLst>
   </p:cSld>
   <p:clrMapOvr>
     <a:masterClrMapping/>
   </p:clrMapOvr>
+  <p:timing>
+    <p:tnLst>
+      <p:par>
+        <p:cTn id="1" dur="indefinite" restart="never" nodeType="tmRoot"/>
+      </p:par>
+    </p:tnLst>
+  </p:timing>
 </p:sld>
 </file>
 
@@ -3854,7 +7358,7 @@
           <a:p>
             <a:r>
               <a:rPr lang="en-US" dirty="0" smtClean="0"/>
-              <a:t>Routing </a:t>
+              <a:t>ACLS, NAT and wireless </a:t>
             </a:r>
             <a:endParaRPr lang="en-US" dirty="0"/>
           </a:p>
@@ -3882,58 +7386,65 @@
     </p:spTree>
     <p:extLst>
       <p:ext uri="{BB962C8B-B14F-4D97-AF65-F5344CB8AC3E}">
-        <p14:creationId xmlns:p14="http://schemas.microsoft.com/office/powerpoint/2010/main" val="1155659483"/>
+        <p14:creationId xmlns:p14="http://schemas.microsoft.com/office/powerpoint/2010/main" val="94725064"/>
       </p:ext>
     </p:extLst>
   </p:cSld>
   <p:clrMapOvr>
     <a:masterClrMapping/>
   </p:clrMapOvr>
+  <p:timing>
+    <p:tnLst>
+      <p:par>
+        <p:cTn id="1" dur="indefinite" restart="never" nodeType="tmRoot"/>
+      </p:par>
+    </p:tnLst>
+  </p:timing>
 </p:sld>
 </file>
 
 <file path=ppt/theme/theme1.xml><?xml version="1.0" encoding="utf-8"?>
-<a:theme xmlns:a="http://schemas.openxmlformats.org/drawingml/2006/main" name="Office Theme">
+<a:theme xmlns:a="http://schemas.openxmlformats.org/drawingml/2006/main" name="Retrospect">
   <a:themeElements>
-    <a:clrScheme name="Office">
+    <a:clrScheme name="Retrospect">
       <a:dk1>
-        <a:sysClr val="windowText" lastClr="000000"/>
+        <a:srgbClr val="000000"/>
       </a:dk1>
       <a:lt1>
         <a:sysClr val="window" lastClr="FFFFFF"/>
       </a:lt1>
       <a:dk2>
-        <a:srgbClr val="44546A"/>
+        <a:srgbClr val="637052"/>
       </a:dk2>
       <a:lt2>
-        <a:srgbClr val="E7E6E6"/>
+        <a:srgbClr val="CCDDEA"/>
       </a:lt2>
       <a:accent1>
-        <a:srgbClr val="5B9BD5"/>
+        <a:srgbClr val="E48312"/>
       </a:accent1>
       <a:accent2>
-        <a:srgbClr val="ED7D31"/>
+        <a:srgbClr val="BD582C"/>
       </a:accent2>
       <a:accent3>
-        <a:srgbClr val="A5A5A5"/>
+        <a:srgbClr val="865640"/>
       </a:accent3>
       <a:accent4>
-        <a:srgbClr val="FFC000"/>
+        <a:srgbClr val="9B8357"/>
       </a:accent4>
       <a:accent5>
-        <a:srgbClr val="4472C4"/>
+        <a:srgbClr val="C2BC80"/>
       </a:accent5>
       <a:accent6>
-        <a:srgbClr val="70AD47"/>
+        <a:srgbClr val="94A088"/>
       </a:accent6>
       <a:hlink>
-        <a:srgbClr val="0563C1"/>
+        <a:srgbClr val="2998E3"/>
       </a:hlink>
       <a:folHlink>
-        <a:srgbClr val="954F72"/>
+        <a:srgbClr val="8C8C8C"/>
       </a:folHlink>
     </a:clrScheme>
-    <a:fontScheme name="Office">
+    <a:fontScheme name="Retrospect">
       <a:majorFont>
         <a:latin typeface="Calibri Light" panose="020F0302020204030204"/>
         <a:ea typeface=""/>
@@ -4005,7 +7516,7 @@
         <a:font script="Geor" typeface="Sylfaen"/>
       </a:minorFont>
     </a:fontScheme>
-    <a:fmtScheme name="Office">
+    <a:fmtScheme name="Retrospect">
       <a:fillStyleLst>
         <a:solidFill>
           <a:schemeClr val="phClr"/>
@@ -4014,76 +7525,81 @@
           <a:gsLst>
             <a:gs pos="0">
               <a:schemeClr val="phClr">
-                <a:lumMod val="110000"/>
-                <a:satMod val="105000"/>
-                <a:tint val="67000"/>
+                <a:tint val="65000"/>
+                <a:shade val="92000"/>
+                <a:satMod val="130000"/>
               </a:schemeClr>
             </a:gs>
-            <a:gs pos="50000">
+            <a:gs pos="45000">
               <a:schemeClr val="phClr">
-                <a:lumMod val="105000"/>
-                <a:satMod val="103000"/>
-                <a:tint val="73000"/>
+                <a:tint val="60000"/>
+                <a:shade val="99000"/>
+                <a:satMod val="120000"/>
               </a:schemeClr>
             </a:gs>
             <a:gs pos="100000">
               <a:schemeClr val="phClr">
-                <a:lumMod val="105000"/>
-                <a:satMod val="109000"/>
-                <a:tint val="81000"/>
+                <a:tint val="55000"/>
+                <a:satMod val="140000"/>
               </a:schemeClr>
             </a:gs>
           </a:gsLst>
-          <a:lin ang="5400000" scaled="0"/>
+          <a:path path="circle">
+            <a:fillToRect l="100000" t="100000" r="100000" b="100000"/>
+          </a:path>
         </a:gradFill>
         <a:gradFill rotWithShape="1">
           <a:gsLst>
             <a:gs pos="0">
               <a:schemeClr val="phClr">
-                <a:satMod val="103000"/>
-                <a:lumMod val="102000"/>
-                <a:tint val="94000"/>
+                <a:shade val="85000"/>
+                <a:satMod val="130000"/>
               </a:schemeClr>
             </a:gs>
-            <a:gs pos="50000">
+            <a:gs pos="34000">
               <a:schemeClr val="phClr">
-                <a:satMod val="110000"/>
-                <a:lumMod val="100000"/>
-                <a:shade val="100000"/>
+                <a:shade val="87000"/>
+                <a:satMod val="125000"/>
+              </a:schemeClr>
+            </a:gs>
+            <a:gs pos="70000">
+              <a:schemeClr val="phClr">
+                <a:tint val="100000"/>
+                <a:shade val="90000"/>
+                <a:satMod val="130000"/>
               </a:schemeClr>
             </a:gs>
             <a:gs pos="100000">
               <a:schemeClr val="phClr">
-                <a:lumMod val="99000"/>
-                <a:satMod val="120000"/>
-                <a:shade val="78000"/>
+                <a:tint val="100000"/>
+                <a:shade val="100000"/>
+                <a:satMod val="110000"/>
               </a:schemeClr>
             </a:gs>
           </a:gsLst>
-          <a:lin ang="5400000" scaled="0"/>
+          <a:path path="circle">
+            <a:fillToRect l="100000" t="100000" r="100000" b="100000"/>
+          </a:path>
         </a:gradFill>
       </a:fillStyleLst>
       <a:lnStyleLst>
-        <a:ln w="6350" cap="flat" cmpd="sng" algn="ctr">
-          <a:solidFill>
-            <a:schemeClr val="phClr"/>
-          </a:solidFill>
-          <a:prstDash val="solid"/>
-          <a:miter lim="800000"/>
-        </a:ln>
         <a:ln w="12700" cap="flat" cmpd="sng" algn="ctr">
           <a:solidFill>
             <a:schemeClr val="phClr"/>
           </a:solidFill>
           <a:prstDash val="solid"/>
-          <a:miter lim="800000"/>
         </a:ln>
-        <a:ln w="19050" cap="flat" cmpd="sng" algn="ctr">
+        <a:ln w="15875" cap="flat" cmpd="sng" algn="ctr">
           <a:solidFill>
             <a:schemeClr val="phClr"/>
           </a:solidFill>
           <a:prstDash val="solid"/>
-          <a:miter lim="800000"/>
+        </a:ln>
+        <a:ln w="25400" cap="flat" cmpd="sng" algn="ctr">
+          <a:solidFill>
+            <a:schemeClr val="phClr"/>
+          </a:solidFill>
+          <a:prstDash val="solid"/>
         </a:ln>
       </a:lnStyleLst>
       <a:effectStyleLst>
@@ -4091,16 +7607,33 @@
           <a:effectLst/>
         </a:effectStyle>
         <a:effectStyle>
-          <a:effectLst/>
+          <a:effectLst>
+            <a:outerShdw blurRad="38100" dist="25400" dir="2700000" algn="br" rotWithShape="0">
+              <a:srgbClr val="000000">
+                <a:alpha val="60000"/>
+              </a:srgbClr>
+            </a:outerShdw>
+          </a:effectLst>
         </a:effectStyle>
         <a:effectStyle>
           <a:effectLst>
-            <a:outerShdw blurRad="57150" dist="19050" dir="5400000" algn="ctr" rotWithShape="0">
+            <a:outerShdw blurRad="44450" dist="25400" dir="2700000" algn="br" rotWithShape="0">
               <a:srgbClr val="000000">
-                <a:alpha val="63000"/>
+                <a:alpha val="60000"/>
               </a:srgbClr>
             </a:outerShdw>
           </a:effectLst>
+          <a:scene3d>
+            <a:camera prst="orthographicFront">
+              <a:rot lat="0" lon="0" rev="0"/>
+            </a:camera>
+            <a:lightRig rig="threePt" dir="t">
+              <a:rot lat="0" lon="0" rev="19800000"/>
+            </a:lightRig>
+          </a:scene3d>
+          <a:sp3d prstMaterial="flat">
+            <a:bevelT w="25400" h="31750"/>
+          </a:sp3d>
         </a:effectStyle>
       </a:effectStyleLst>
       <a:bgFillStyleLst>
@@ -4109,36 +7642,36 @@
         </a:solidFill>
         <a:solidFill>
           <a:schemeClr val="phClr">
-            <a:tint val="95000"/>
-            <a:satMod val="170000"/>
+            <a:tint val="90000"/>
+            <a:shade val="97000"/>
+            <a:satMod val="130000"/>
           </a:schemeClr>
         </a:solidFill>
         <a:gradFill rotWithShape="1">
           <a:gsLst>
             <a:gs pos="0">
               <a:schemeClr val="phClr">
-                <a:tint val="93000"/>
-                <a:satMod val="150000"/>
-                <a:shade val="98000"/>
-                <a:lumMod val="102000"/>
+                <a:tint val="96000"/>
+                <a:shade val="99000"/>
+                <a:satMod val="140000"/>
               </a:schemeClr>
             </a:gs>
-            <a:gs pos="50000">
+            <a:gs pos="65000">
               <a:schemeClr val="phClr">
-                <a:tint val="98000"/>
+                <a:tint val="100000"/>
+                <a:shade val="80000"/>
                 <a:satMod val="130000"/>
-                <a:shade val="90000"/>
-                <a:lumMod val="103000"/>
               </a:schemeClr>
             </a:gs>
             <a:gs pos="100000">
               <a:schemeClr val="phClr">
-                <a:shade val="63000"/>
+                <a:tint val="100000"/>
+                <a:shade val="48000"/>
                 <a:satMod val="120000"/>
               </a:schemeClr>
             </a:gs>
           </a:gsLst>
-          <a:lin ang="5400000" scaled="0"/>
+          <a:lin ang="16200000" scaled="0"/>
         </a:gradFill>
       </a:bgFillStyleLst>
     </a:fmtScheme>
@@ -4147,7 +7680,7 @@
   <a:extraClrSchemeLst/>
   <a:extLst>
     <a:ext uri="{05A4C25C-085E-4340-85A3-A5531E510DB2}">
-      <thm15:themeFamily xmlns:thm15="http://schemas.microsoft.com/office/thememl/2012/main" name="Office Theme" id="{62F939B6-93AF-4DB8-9C6B-D6C7DFDC589F}" vid="{4A3C46E8-61CC-4603-A589-7422A47A8E4A}"/>
+      <thm15:themeFamily xmlns:thm15="http://schemas.microsoft.com/office/thememl/2012/main" name="Retrospect" id="{5F128B03-DCCA-4EEB-AB3B-CF2899314A46}" vid="{3F1AAB62-24C6-49D2-8E01-B56FAC9A3DCD}"/>
     </a:ext>
   </a:extLst>
 </a:theme>

--- a/Network Proposal.pptx
+++ b/Network Proposal.pptx
@@ -14,6 +14,9 @@
     <p:sldId id="263" r:id="rId8"/>
     <p:sldId id="264" r:id="rId9"/>
     <p:sldId id="265" r:id="rId10"/>
+    <p:sldId id="269" r:id="rId11"/>
+    <p:sldId id="270" r:id="rId12"/>
+    <p:sldId id="271" r:id="rId13"/>
   </p:sldIdLst>
   <p:sldSz cx="12192000" cy="6858000"/>
   <p:notesSz cx="6858000" cy="9144000"/>
@@ -3834,7 +3837,7 @@
           <a:p>
             <a:r>
               <a:rPr lang="en-US" dirty="0" smtClean="0"/>
-              <a:t>Network Proposal </a:t>
+              <a:t>IPR</a:t>
             </a:r>
             <a:endParaRPr lang="en-US" dirty="0"/>
           </a:p>
@@ -3873,6 +3876,424 @@
   <p:clrMapOvr>
     <a:masterClrMapping/>
   </p:clrMapOvr>
+</p:sld>
+</file>
+
+<file path=ppt/slides/slide10.xml><?xml version="1.0" encoding="utf-8"?>
+<p:sld xmlns:a="http://schemas.openxmlformats.org/drawingml/2006/main" xmlns:r="http://schemas.openxmlformats.org/officeDocument/2006/relationships" xmlns:p="http://schemas.openxmlformats.org/presentationml/2006/main">
+  <p:cSld>
+    <p:spTree>
+      <p:nvGrpSpPr>
+        <p:cNvPr id="1" name=""/>
+        <p:cNvGrpSpPr/>
+        <p:nvPr/>
+      </p:nvGrpSpPr>
+      <p:grpSpPr>
+        <a:xfrm>
+          <a:off x="0" y="0"/>
+          <a:ext cx="0" cy="0"/>
+          <a:chOff x="0" y="0"/>
+          <a:chExt cx="0" cy="0"/>
+        </a:xfrm>
+      </p:grpSpPr>
+      <p:sp>
+        <p:nvSpPr>
+          <p:cNvPr id="2" name="Title 1"/>
+          <p:cNvSpPr>
+            <a:spLocks noGrp="1"/>
+          </p:cNvSpPr>
+          <p:nvPr>
+            <p:ph type="title"/>
+          </p:nvPr>
+        </p:nvSpPr>
+        <p:spPr/>
+        <p:txBody>
+          <a:bodyPr/>
+          <a:lstStyle/>
+          <a:p>
+            <a:r>
+              <a:rPr lang="en-US" dirty="0" smtClean="0"/>
+              <a:t>ACLS, NAT and wireless </a:t>
+            </a:r>
+            <a:endParaRPr lang="en-US" dirty="0"/>
+          </a:p>
+        </p:txBody>
+      </p:sp>
+      <p:sp>
+        <p:nvSpPr>
+          <p:cNvPr id="3" name="Content Placeholder 2"/>
+          <p:cNvSpPr>
+            <a:spLocks noGrp="1"/>
+          </p:cNvSpPr>
+          <p:nvPr>
+            <p:ph idx="1"/>
+          </p:nvPr>
+        </p:nvSpPr>
+        <p:spPr/>
+        <p:txBody>
+          <a:bodyPr/>
+          <a:lstStyle/>
+          <a:p>
+            <a:pPr marL="0" indent="0">
+              <a:buNone/>
+            </a:pPr>
+            <a:r>
+              <a:rPr lang="en-US" dirty="0" smtClean="0"/>
+              <a:t>ACLS/Security</a:t>
+            </a:r>
+            <a:endParaRPr lang="en-US" dirty="0" smtClean="0"/>
+          </a:p>
+          <a:p>
+            <a:pPr>
+              <a:buFont typeface="Arial" panose="020B0604020202020204" pitchFamily="34" charset="0"/>
+              <a:buChar char="•"/>
+            </a:pPr>
+            <a:r>
+              <a:rPr lang="en-US" dirty="0" smtClean="0"/>
+              <a:t>The metropolis router will implement the following rules:</a:t>
+            </a:r>
+          </a:p>
+          <a:p>
+            <a:pPr lvl="1">
+              <a:buFont typeface="Arial" panose="020B0604020202020204" pitchFamily="34" charset="0"/>
+              <a:buChar char="•"/>
+            </a:pPr>
+            <a:r>
+              <a:rPr lang="en-US" dirty="0" smtClean="0"/>
+              <a:t>No ICMP from outside the network (no pings)</a:t>
+            </a:r>
+          </a:p>
+          <a:p>
+            <a:pPr lvl="1">
+              <a:buFont typeface="Arial" panose="020B0604020202020204" pitchFamily="34" charset="0"/>
+              <a:buChar char="•"/>
+            </a:pPr>
+            <a:r>
+              <a:rPr lang="en-US" dirty="0" smtClean="0"/>
+              <a:t>No access to server addresses from outside the network</a:t>
+            </a:r>
+          </a:p>
+          <a:p>
+            <a:pPr>
+              <a:buFont typeface="Arial" panose="020B0604020202020204" pitchFamily="34" charset="0"/>
+              <a:buChar char="•"/>
+            </a:pPr>
+            <a:r>
+              <a:rPr lang="en-US" dirty="0" smtClean="0"/>
+              <a:t>The FOB Hood router will implement the following rules</a:t>
+            </a:r>
+          </a:p>
+          <a:p>
+            <a:pPr lvl="1">
+              <a:buFont typeface="Arial" panose="020B0604020202020204" pitchFamily="34" charset="0"/>
+              <a:buChar char="•"/>
+            </a:pPr>
+            <a:r>
+              <a:rPr lang="en-US" dirty="0" smtClean="0"/>
+              <a:t>No access to port 22 expect for Management VLAN  for the servers</a:t>
+            </a:r>
+          </a:p>
+          <a:p>
+            <a:pPr lvl="1">
+              <a:buFont typeface="Arial" panose="020B0604020202020204" pitchFamily="34" charset="0"/>
+              <a:buChar char="•"/>
+            </a:pPr>
+            <a:r>
+              <a:rPr lang="en-US" dirty="0" smtClean="0"/>
+              <a:t>Only access to ports on the servers for relevant services for all computers on the network</a:t>
+            </a:r>
+          </a:p>
+          <a:p>
+            <a:pPr>
+              <a:buFont typeface="Arial" panose="020B0604020202020204" pitchFamily="34" charset="0"/>
+              <a:buChar char="•"/>
+            </a:pPr>
+            <a:r>
+              <a:rPr lang="en-US" dirty="0" smtClean="0"/>
+              <a:t>All routers will be configured to only accept SSH and all passwords will by encrypted</a:t>
+            </a:r>
+            <a:endParaRPr lang="en-US" dirty="0" smtClean="0"/>
+          </a:p>
+        </p:txBody>
+      </p:sp>
+    </p:spTree>
+    <p:extLst>
+      <p:ext uri="{BB962C8B-B14F-4D97-AF65-F5344CB8AC3E}">
+        <p14:creationId xmlns:p14="http://schemas.microsoft.com/office/powerpoint/2010/main" val="1272003803"/>
+      </p:ext>
+    </p:extLst>
+  </p:cSld>
+  <p:clrMapOvr>
+    <a:masterClrMapping/>
+  </p:clrMapOvr>
+  <p:timing>
+    <p:tnLst>
+      <p:par>
+        <p:cTn id="1" dur="indefinite" restart="never" nodeType="tmRoot"/>
+      </p:par>
+    </p:tnLst>
+  </p:timing>
+</p:sld>
+</file>
+
+<file path=ppt/slides/slide11.xml><?xml version="1.0" encoding="utf-8"?>
+<p:sld xmlns:a="http://schemas.openxmlformats.org/drawingml/2006/main" xmlns:r="http://schemas.openxmlformats.org/officeDocument/2006/relationships" xmlns:p="http://schemas.openxmlformats.org/presentationml/2006/main">
+  <p:cSld>
+    <p:spTree>
+      <p:nvGrpSpPr>
+        <p:cNvPr id="1" name=""/>
+        <p:cNvGrpSpPr/>
+        <p:nvPr/>
+      </p:nvGrpSpPr>
+      <p:grpSpPr>
+        <a:xfrm>
+          <a:off x="0" y="0"/>
+          <a:ext cx="0" cy="0"/>
+          <a:chOff x="0" y="0"/>
+          <a:chExt cx="0" cy="0"/>
+        </a:xfrm>
+      </p:grpSpPr>
+      <p:sp>
+        <p:nvSpPr>
+          <p:cNvPr id="2" name="Title 1"/>
+          <p:cNvSpPr>
+            <a:spLocks noGrp="1"/>
+          </p:cNvSpPr>
+          <p:nvPr>
+            <p:ph type="title"/>
+          </p:nvPr>
+        </p:nvSpPr>
+        <p:spPr/>
+        <p:txBody>
+          <a:bodyPr/>
+          <a:lstStyle/>
+          <a:p>
+            <a:r>
+              <a:rPr lang="en-US" dirty="0" smtClean="0"/>
+              <a:t>ACLS, NAT and wireless </a:t>
+            </a:r>
+            <a:endParaRPr lang="en-US" dirty="0"/>
+          </a:p>
+        </p:txBody>
+      </p:sp>
+      <p:sp>
+        <p:nvSpPr>
+          <p:cNvPr id="3" name="Content Placeholder 2"/>
+          <p:cNvSpPr>
+            <a:spLocks noGrp="1"/>
+          </p:cNvSpPr>
+          <p:nvPr>
+            <p:ph idx="1"/>
+          </p:nvPr>
+        </p:nvSpPr>
+        <p:spPr/>
+        <p:txBody>
+          <a:bodyPr/>
+          <a:lstStyle/>
+          <a:p>
+            <a:pPr marL="0" indent="0">
+              <a:buNone/>
+            </a:pPr>
+            <a:r>
+              <a:rPr lang="en-US" dirty="0" smtClean="0"/>
+              <a:t>Wireless</a:t>
+            </a:r>
+            <a:endParaRPr lang="en-US" dirty="0" smtClean="0"/>
+          </a:p>
+          <a:p>
+            <a:pPr>
+              <a:buFont typeface="Arial" panose="020B0604020202020204" pitchFamily="34" charset="0"/>
+              <a:buChar char="•"/>
+            </a:pPr>
+            <a:r>
+              <a:rPr lang="en-US" dirty="0" smtClean="0"/>
+              <a:t>Wireless Router will be given one private range </a:t>
+            </a:r>
+            <a:r>
+              <a:rPr lang="en-US" dirty="0" err="1" smtClean="0"/>
+              <a:t>ip</a:t>
+            </a:r>
+            <a:r>
+              <a:rPr lang="en-US" dirty="0" smtClean="0"/>
+              <a:t> address at COB Carson</a:t>
+            </a:r>
+          </a:p>
+          <a:p>
+            <a:pPr>
+              <a:buFont typeface="Arial" panose="020B0604020202020204" pitchFamily="34" charset="0"/>
+              <a:buChar char="•"/>
+            </a:pPr>
+            <a:r>
+              <a:rPr lang="en-US" dirty="0" smtClean="0"/>
+              <a:t>Since the purpose of the router is for personal internet connectivity,</a:t>
+            </a:r>
+            <a:r>
+              <a:rPr lang="en-US" dirty="0"/>
+              <a:t> </a:t>
+            </a:r>
+            <a:r>
+              <a:rPr lang="en-US" dirty="0" smtClean="0"/>
+              <a:t>PAT will be implemented so that all devices on the Router are translated to the one private </a:t>
+            </a:r>
+            <a:r>
+              <a:rPr lang="en-US" dirty="0" err="1" smtClean="0"/>
+              <a:t>ip</a:t>
+            </a:r>
+            <a:r>
+              <a:rPr lang="en-US" dirty="0" smtClean="0"/>
+              <a:t> at COB Carson</a:t>
+            </a:r>
+          </a:p>
+          <a:p>
+            <a:pPr>
+              <a:buFont typeface="Arial" panose="020B0604020202020204" pitchFamily="34" charset="0"/>
+              <a:buChar char="•"/>
+            </a:pPr>
+            <a:r>
+              <a:rPr lang="en-US" dirty="0" smtClean="0"/>
+              <a:t>The router has DHCP, so configuration of each host on the wireless is unnecessary.</a:t>
+            </a:r>
+          </a:p>
+          <a:p>
+            <a:pPr>
+              <a:buFont typeface="Arial" panose="020B0604020202020204" pitchFamily="34" charset="0"/>
+              <a:buChar char="•"/>
+            </a:pPr>
+            <a:r>
+              <a:rPr lang="en-US" dirty="0" smtClean="0"/>
+              <a:t>Wireless network secured with WPA2</a:t>
+            </a:r>
+            <a:endParaRPr lang="en-US" dirty="0"/>
+          </a:p>
+        </p:txBody>
+      </p:sp>
+      <p:pic>
+        <p:nvPicPr>
+          <p:cNvPr id="4" name="Picture 2" descr="Image result for linksys wireless n router"/>
+          <p:cNvPicPr>
+            <a:picLocks noChangeAspect="1" noChangeArrowheads="1"/>
+          </p:cNvPicPr>
+          <p:nvPr/>
+        </p:nvPicPr>
+        <p:blipFill>
+          <a:blip r:embed="rId2" cstate="print">
+            <a:extLst>
+              <a:ext uri="{BEBA8EAE-BF5A-486C-A8C5-ECC9F3942E4B}">
+                <a14:imgProps xmlns:a14="http://schemas.microsoft.com/office/drawing/2010/main">
+                  <a14:imgLayer r:embed="rId3">
+                    <a14:imgEffect>
+                      <a14:backgroundRemoval t="10000" b="90000" l="10000" r="90000"/>
+                    </a14:imgEffect>
+                  </a14:imgLayer>
+                </a14:imgProps>
+              </a:ext>
+              <a:ext uri="{28A0092B-C50C-407E-A947-70E740481C1C}">
+                <a14:useLocalDpi xmlns:a14="http://schemas.microsoft.com/office/drawing/2010/main" val="0"/>
+              </a:ext>
+            </a:extLst>
+          </a:blip>
+          <a:srcRect/>
+          <a:stretch>
+            <a:fillRect/>
+          </a:stretch>
+        </p:blipFill>
+        <p:spPr bwMode="auto">
+          <a:xfrm>
+            <a:off x="4206266" y="4095158"/>
+            <a:ext cx="2514574" cy="2514574"/>
+          </a:xfrm>
+          <a:prstGeom prst="rect">
+            <a:avLst/>
+          </a:prstGeom>
+          <a:noFill/>
+          <a:extLst>
+            <a:ext uri="{909E8E84-426E-40DD-AFC4-6F175D3DCCD1}">
+              <a14:hiddenFill xmlns:a14="http://schemas.microsoft.com/office/drawing/2010/main">
+                <a:solidFill>
+                  <a:srgbClr val="FFFFFF"/>
+                </a:solidFill>
+              </a14:hiddenFill>
+            </a:ext>
+          </a:extLst>
+        </p:spPr>
+      </p:pic>
+    </p:spTree>
+    <p:extLst>
+      <p:ext uri="{BB962C8B-B14F-4D97-AF65-F5344CB8AC3E}">
+        <p14:creationId xmlns:p14="http://schemas.microsoft.com/office/powerpoint/2010/main" val="4001985074"/>
+      </p:ext>
+    </p:extLst>
+  </p:cSld>
+  <p:clrMapOvr>
+    <a:masterClrMapping/>
+  </p:clrMapOvr>
+  <p:timing>
+    <p:tnLst>
+      <p:par>
+        <p:cTn id="1" dur="indefinite" restart="never" nodeType="tmRoot"/>
+      </p:par>
+    </p:tnLst>
+  </p:timing>
+</p:sld>
+</file>
+
+<file path=ppt/slides/slide12.xml><?xml version="1.0" encoding="utf-8"?>
+<p:sld xmlns:a="http://schemas.openxmlformats.org/drawingml/2006/main" xmlns:r="http://schemas.openxmlformats.org/officeDocument/2006/relationships" xmlns:p="http://schemas.openxmlformats.org/presentationml/2006/main">
+  <p:cSld>
+    <p:spTree>
+      <p:nvGrpSpPr>
+        <p:cNvPr id="1" name=""/>
+        <p:cNvGrpSpPr/>
+        <p:nvPr/>
+      </p:nvGrpSpPr>
+      <p:grpSpPr>
+        <a:xfrm>
+          <a:off x="0" y="0"/>
+          <a:ext cx="0" cy="0"/>
+          <a:chOff x="0" y="0"/>
+          <a:chExt cx="0" cy="0"/>
+        </a:xfrm>
+      </p:grpSpPr>
+      <p:sp>
+        <p:nvSpPr>
+          <p:cNvPr id="2" name="Title 1"/>
+          <p:cNvSpPr>
+            <a:spLocks noGrp="1"/>
+          </p:cNvSpPr>
+          <p:nvPr>
+            <p:ph type="title"/>
+          </p:nvPr>
+        </p:nvSpPr>
+        <p:spPr/>
+        <p:txBody>
+          <a:bodyPr/>
+          <a:lstStyle/>
+          <a:p>
+            <a:r>
+              <a:rPr lang="en-US" dirty="0" smtClean="0"/>
+              <a:t>Questions?</a:t>
+            </a:r>
+            <a:endParaRPr lang="en-US" dirty="0"/>
+          </a:p>
+        </p:txBody>
+      </p:sp>
+    </p:spTree>
+    <p:extLst>
+      <p:ext uri="{BB962C8B-B14F-4D97-AF65-F5344CB8AC3E}">
+        <p14:creationId xmlns:p14="http://schemas.microsoft.com/office/powerpoint/2010/main" val="2074581605"/>
+      </p:ext>
+    </p:extLst>
+  </p:cSld>
+  <p:clrMapOvr>
+    <a:masterClrMapping/>
+  </p:clrMapOvr>
+  <p:timing>
+    <p:tnLst>
+      <p:par>
+        <p:cTn id="1" dur="indefinite" restart="never" nodeType="tmRoot"/>
+      </p:par>
+    </p:tnLst>
+  </p:timing>
 </p:sld>
 </file>
 
@@ -4079,6 +4500,36 @@
           <a:xfrm flipV="1">
             <a:off x="6598506" y="1112108"/>
             <a:ext cx="0" cy="1126815"/>
+          </a:xfrm>
+          <a:prstGeom prst="line">
+            <a:avLst/>
+          </a:prstGeom>
+        </p:spPr>
+        <p:style>
+          <a:lnRef idx="3">
+            <a:schemeClr val="dk1"/>
+          </a:lnRef>
+          <a:fillRef idx="0">
+            <a:schemeClr val="dk1"/>
+          </a:fillRef>
+          <a:effectRef idx="2">
+            <a:schemeClr val="dk1"/>
+          </a:effectRef>
+          <a:fontRef idx="minor">
+            <a:schemeClr val="tx1"/>
+          </a:fontRef>
+        </p:style>
+      </p:cxnSp>
+      <p:cxnSp>
+        <p:nvCxnSpPr>
+          <p:cNvPr id="9" name="Straight Connector 8"/>
+          <p:cNvCxnSpPr/>
+          <p:nvPr/>
+        </p:nvCxnSpPr>
+        <p:spPr>
+          <a:xfrm>
+            <a:off x="6950921" y="2577467"/>
+            <a:ext cx="2053643" cy="803293"/>
           </a:xfrm>
           <a:prstGeom prst="line">
             <a:avLst/>
@@ -4355,7 +4806,7 @@
         </p:blipFill>
         <p:spPr>
           <a:xfrm>
-            <a:off x="705854" y="-247162"/>
+            <a:off x="727906" y="-222651"/>
             <a:ext cx="10035126" cy="6565584"/>
           </a:xfrm>
         </p:spPr>
@@ -4546,7 +4997,7 @@
         </p:nvSpPr>
         <p:spPr>
           <a:xfrm>
-            <a:off x="7257197" y="958108"/>
+            <a:off x="7467699" y="1240003"/>
             <a:ext cx="3184506" cy="1200329"/>
           </a:xfrm>
           <a:prstGeom prst="rect">
@@ -4565,57 +5016,14 @@
                 <a:latin typeface="Courier New" panose="02070309020205020404" pitchFamily="49" charset="0"/>
                 <a:cs typeface="Courier New" panose="02070309020205020404" pitchFamily="49" charset="0"/>
               </a:rPr>
-              <a:t>Fa0/0.100: 10.64.64.10</a:t>
-            </a:r>
-          </a:p>
-          <a:p>
+              <a:t>Fa0/0.100: </a:t>
+            </a:r>
             <a:r>
               <a:rPr lang="en-US" sz="1200" b="1" dirty="0" smtClean="0">
                 <a:latin typeface="Courier New" panose="02070309020205020404" pitchFamily="49" charset="0"/>
                 <a:cs typeface="Courier New" panose="02070309020205020404" pitchFamily="49" charset="0"/>
               </a:rPr>
-              <a:t>Fa0/0.200: 10.64.64.20</a:t>
-            </a:r>
-          </a:p>
-          <a:p>
-            <a:r>
-              <a:rPr lang="en-US" sz="1200" b="1" dirty="0" smtClean="0">
-                <a:latin typeface="Courier New" panose="02070309020205020404" pitchFamily="49" charset="0"/>
-                <a:cs typeface="Courier New" panose="02070309020205020404" pitchFamily="49" charset="0"/>
-              </a:rPr>
-              <a:t>Fa0/0.300: 10.64.64.30</a:t>
-            </a:r>
-          </a:p>
-          <a:p>
-            <a:r>
-              <a:rPr lang="en-US" sz="1200" b="1" dirty="0" smtClean="0">
-                <a:latin typeface="Courier New" panose="02070309020205020404" pitchFamily="49" charset="0"/>
-                <a:cs typeface="Courier New" panose="02070309020205020404" pitchFamily="49" charset="0"/>
-              </a:rPr>
-              <a:t>Fa0/0.500</a:t>
-            </a:r>
-            <a:r>
-              <a:rPr lang="en-US" sz="1200" b="1" dirty="0" smtClean="0">
-                <a:latin typeface="Courier New" panose="02070309020205020404" pitchFamily="49" charset="0"/>
-                <a:cs typeface="Courier New" panose="02070309020205020404" pitchFamily="49" charset="0"/>
-              </a:rPr>
-              <a:t>: </a:t>
-            </a:r>
-            <a:r>
-              <a:rPr lang="en-US" sz="1200" b="1" dirty="0" smtClean="0">
-                <a:latin typeface="Courier New" panose="02070309020205020404" pitchFamily="49" charset="0"/>
-                <a:cs typeface="Courier New" panose="02070309020205020404" pitchFamily="49" charset="0"/>
-              </a:rPr>
-              <a:t>10.64.64.50</a:t>
-            </a:r>
-          </a:p>
-          <a:p>
-            <a:r>
-              <a:rPr lang="en-US" sz="1200" b="1" dirty="0" smtClean="0">
-                <a:latin typeface="Courier New" panose="02070309020205020404" pitchFamily="49" charset="0"/>
-                <a:cs typeface="Courier New" panose="02070309020205020404" pitchFamily="49" charset="0"/>
-              </a:rPr>
-              <a:t>Fa0/1 10.64.0.64</a:t>
+              <a:t>10.64.62.10</a:t>
             </a:r>
             <a:endParaRPr lang="en-US" sz="1200" b="1" dirty="0" smtClean="0">
               <a:latin typeface="Courier New" panose="02070309020205020404" pitchFamily="49" charset="0"/>
@@ -4628,6 +5036,86 @@
                 <a:latin typeface="Courier New" panose="02070309020205020404" pitchFamily="49" charset="0"/>
                 <a:cs typeface="Courier New" panose="02070309020205020404" pitchFamily="49" charset="0"/>
               </a:rPr>
+              <a:t>Fa0/0.200: </a:t>
+            </a:r>
+            <a:r>
+              <a:rPr lang="en-US" sz="1200" b="1" dirty="0" smtClean="0">
+                <a:latin typeface="Courier New" panose="02070309020205020404" pitchFamily="49" charset="0"/>
+                <a:cs typeface="Courier New" panose="02070309020205020404" pitchFamily="49" charset="0"/>
+              </a:rPr>
+              <a:t>10.64.62.20</a:t>
+            </a:r>
+            <a:endParaRPr lang="en-US" sz="1200" b="1" dirty="0" smtClean="0">
+              <a:latin typeface="Courier New" panose="02070309020205020404" pitchFamily="49" charset="0"/>
+              <a:cs typeface="Courier New" panose="02070309020205020404" pitchFamily="49" charset="0"/>
+            </a:endParaRPr>
+          </a:p>
+          <a:p>
+            <a:r>
+              <a:rPr lang="en-US" sz="1200" b="1" dirty="0" smtClean="0">
+                <a:latin typeface="Courier New" panose="02070309020205020404" pitchFamily="49" charset="0"/>
+                <a:cs typeface="Courier New" panose="02070309020205020404" pitchFamily="49" charset="0"/>
+              </a:rPr>
+              <a:t>Fa0/0.300: </a:t>
+            </a:r>
+            <a:r>
+              <a:rPr lang="en-US" sz="1200" b="1" dirty="0" smtClean="0">
+                <a:latin typeface="Courier New" panose="02070309020205020404" pitchFamily="49" charset="0"/>
+                <a:cs typeface="Courier New" panose="02070309020205020404" pitchFamily="49" charset="0"/>
+              </a:rPr>
+              <a:t>10.64.62.30</a:t>
+            </a:r>
+            <a:endParaRPr lang="en-US" sz="1200" b="1" dirty="0" smtClean="0">
+              <a:latin typeface="Courier New" panose="02070309020205020404" pitchFamily="49" charset="0"/>
+              <a:cs typeface="Courier New" panose="02070309020205020404" pitchFamily="49" charset="0"/>
+            </a:endParaRPr>
+          </a:p>
+          <a:p>
+            <a:r>
+              <a:rPr lang="en-US" sz="1200" b="1" dirty="0" smtClean="0">
+                <a:latin typeface="Courier New" panose="02070309020205020404" pitchFamily="49" charset="0"/>
+                <a:cs typeface="Courier New" panose="02070309020205020404" pitchFamily="49" charset="0"/>
+              </a:rPr>
+              <a:t>Fa0/0.500: </a:t>
+            </a:r>
+            <a:r>
+              <a:rPr lang="en-US" sz="1200" b="1" dirty="0" smtClean="0">
+                <a:latin typeface="Courier New" panose="02070309020205020404" pitchFamily="49" charset="0"/>
+                <a:cs typeface="Courier New" panose="02070309020205020404" pitchFamily="49" charset="0"/>
+              </a:rPr>
+              <a:t>10.64.62.50</a:t>
+            </a:r>
+            <a:endParaRPr lang="en-US" sz="1200" b="1" dirty="0" smtClean="0">
+              <a:latin typeface="Courier New" panose="02070309020205020404" pitchFamily="49" charset="0"/>
+              <a:cs typeface="Courier New" panose="02070309020205020404" pitchFamily="49" charset="0"/>
+            </a:endParaRPr>
+          </a:p>
+          <a:p>
+            <a:r>
+              <a:rPr lang="en-US" sz="1200" b="1" dirty="0" smtClean="0">
+                <a:latin typeface="Courier New" panose="02070309020205020404" pitchFamily="49" charset="0"/>
+                <a:cs typeface="Courier New" panose="02070309020205020404" pitchFamily="49" charset="0"/>
+              </a:rPr>
+              <a:t>Fa0/1 </a:t>
+            </a:r>
+            <a:r>
+              <a:rPr lang="en-US" sz="1200" b="1" dirty="0" smtClean="0">
+                <a:latin typeface="Courier New" panose="02070309020205020404" pitchFamily="49" charset="0"/>
+                <a:cs typeface="Courier New" panose="02070309020205020404" pitchFamily="49" charset="0"/>
+              </a:rPr>
+              <a:t>10.64.0.62</a:t>
+            </a:r>
+            <a:endParaRPr lang="en-US" sz="1200" b="1" dirty="0" smtClean="0">
+              <a:latin typeface="Courier New" panose="02070309020205020404" pitchFamily="49" charset="0"/>
+              <a:cs typeface="Courier New" panose="02070309020205020404" pitchFamily="49" charset="0"/>
+            </a:endParaRPr>
+          </a:p>
+          <a:p>
+            <a:r>
+              <a:rPr lang="en-US" sz="1200" b="1" dirty="0" smtClean="0">
+                <a:latin typeface="Courier New" panose="02070309020205020404" pitchFamily="49" charset="0"/>
+                <a:cs typeface="Courier New" panose="02070309020205020404" pitchFamily="49" charset="0"/>
+              </a:rPr>
               <a:t>Default Gateway: 10.64.0.64</a:t>
             </a:r>
             <a:endParaRPr lang="en-US" sz="1200" b="1" dirty="0">
@@ -4645,7 +5133,7 @@
         </p:nvSpPr>
         <p:spPr>
           <a:xfrm>
-            <a:off x="7220335" y="2227126"/>
+            <a:off x="6983579" y="2391555"/>
             <a:ext cx="3184506" cy="276999"/>
           </a:xfrm>
           <a:prstGeom prst="rect">
@@ -4664,7 +5152,7 @@
                 <a:latin typeface="Courier New" panose="02070309020205020404" pitchFamily="49" charset="0"/>
                 <a:cs typeface="Courier New" panose="02070309020205020404" pitchFamily="49" charset="0"/>
               </a:rPr>
-              <a:t>IP:10.64.64.4/24</a:t>
+              <a:t>IP:10.64.62.4/24</a:t>
             </a:r>
             <a:endParaRPr lang="en-US" sz="1200" b="1" dirty="0">
               <a:latin typeface="Courier New" panose="02070309020205020404" pitchFamily="49" charset="0"/>
@@ -4682,7 +5170,7 @@
         <p:spPr>
           <a:xfrm>
             <a:off x="9617951" y="3161109"/>
-            <a:ext cx="3184506" cy="1015663"/>
+            <a:ext cx="3184506" cy="1200329"/>
           </a:xfrm>
           <a:prstGeom prst="rect">
             <a:avLst/>
@@ -4700,17 +5188,19 @@
                 <a:latin typeface="Courier New" panose="02070309020205020404" pitchFamily="49" charset="0"/>
                 <a:cs typeface="Courier New" panose="02070309020205020404" pitchFamily="49" charset="0"/>
               </a:rPr>
-              <a:t>Fa0/0: 10.64.64.1/24</a:t>
-            </a:r>
-          </a:p>
-          <a:p>
+              <a:t>Fa0/0: </a:t>
+            </a:r>
             <a:r>
               <a:rPr lang="en-US" sz="1200" b="1" dirty="0" smtClean="0">
                 <a:latin typeface="Courier New" panose="02070309020205020404" pitchFamily="49" charset="0"/>
                 <a:cs typeface="Courier New" panose="02070309020205020404" pitchFamily="49" charset="0"/>
               </a:rPr>
-              <a:t>Fa0/1.100:192.168.64.251/24</a:t>
-            </a:r>
+              <a:t>10.64.62.1/24</a:t>
+            </a:r>
+            <a:endParaRPr lang="en-US" sz="1200" b="1" dirty="0" smtClean="0">
+              <a:latin typeface="Courier New" panose="02070309020205020404" pitchFamily="49" charset="0"/>
+              <a:cs typeface="Courier New" panose="02070309020205020404" pitchFamily="49" charset="0"/>
+            </a:endParaRPr>
           </a:p>
           <a:p>
             <a:r>
@@ -4718,31 +5208,71 @@
                 <a:latin typeface="Courier New" panose="02070309020205020404" pitchFamily="49" charset="0"/>
                 <a:cs typeface="Courier New" panose="02070309020205020404" pitchFamily="49" charset="0"/>
               </a:rPr>
-              <a:t>Fa0/1.500:192.168.64.252/24</a:t>
-            </a:r>
-          </a:p>
-          <a:p>
+              <a:t>Fa0/0</a:t>
+            </a:r>
+            <a:r>
+              <a:rPr lang="en-US" sz="1200" b="1" dirty="0">
+                <a:latin typeface="Courier New" panose="02070309020205020404" pitchFamily="49" charset="0"/>
+                <a:cs typeface="Courier New" panose="02070309020205020404" pitchFamily="49" charset="0"/>
+              </a:rPr>
+              <a:t>: </a:t>
+            </a:r>
             <a:r>
               <a:rPr lang="en-US" sz="1200" b="1" dirty="0" smtClean="0">
                 <a:latin typeface="Courier New" panose="02070309020205020404" pitchFamily="49" charset="0"/>
                 <a:cs typeface="Courier New" panose="02070309020205020404" pitchFamily="49" charset="0"/>
               </a:rPr>
-              <a:t>VLAN 100</a:t>
-            </a:r>
-          </a:p>
-          <a:p>
-            <a:r>
-              <a:rPr lang="en-US" sz="1200" b="1" dirty="0" smtClean="0">
-                <a:latin typeface="Courier New" panose="02070309020205020404" pitchFamily="49" charset="0"/>
-                <a:cs typeface="Courier New" panose="02070309020205020404" pitchFamily="49" charset="0"/>
-              </a:rPr>
-              <a:t>VLAN 500</a:t>
+              <a:t>10.64.62.7/24</a:t>
             </a:r>
             <a:endParaRPr lang="en-US" sz="1200" b="1" dirty="0">
               <a:latin typeface="Courier New" panose="02070309020205020404" pitchFamily="49" charset="0"/>
               <a:cs typeface="Courier New" panose="02070309020205020404" pitchFamily="49" charset="0"/>
             </a:endParaRPr>
           </a:p>
+          <a:p>
+            <a:r>
+              <a:rPr lang="en-US" sz="1200" b="1" dirty="0" smtClean="0">
+                <a:latin typeface="Courier New" panose="02070309020205020404" pitchFamily="49" charset="0"/>
+                <a:cs typeface="Courier New" panose="02070309020205020404" pitchFamily="49" charset="0"/>
+              </a:rPr>
+              <a:t>Fa0/1.100:192.168.64.251/24</a:t>
+            </a:r>
+            <a:endParaRPr lang="en-US" sz="1200" b="1" dirty="0" smtClean="0">
+              <a:latin typeface="Courier New" panose="02070309020205020404" pitchFamily="49" charset="0"/>
+              <a:cs typeface="Courier New" panose="02070309020205020404" pitchFamily="49" charset="0"/>
+            </a:endParaRPr>
+          </a:p>
+          <a:p>
+            <a:r>
+              <a:rPr lang="en-US" sz="1200" b="1" dirty="0" smtClean="0">
+                <a:latin typeface="Courier New" panose="02070309020205020404" pitchFamily="49" charset="0"/>
+                <a:cs typeface="Courier New" panose="02070309020205020404" pitchFamily="49" charset="0"/>
+              </a:rPr>
+              <a:t>Fa0/1.500:192.168.64.252/24</a:t>
+            </a:r>
+          </a:p>
+          <a:p>
+            <a:r>
+              <a:rPr lang="en-US" sz="1200" b="1" dirty="0" smtClean="0">
+                <a:latin typeface="Courier New" panose="02070309020205020404" pitchFamily="49" charset="0"/>
+                <a:cs typeface="Courier New" panose="02070309020205020404" pitchFamily="49" charset="0"/>
+              </a:rPr>
+              <a:t>VLAN 100</a:t>
+            </a:r>
+          </a:p>
+          <a:p>
+            <a:r>
+              <a:rPr lang="en-US" sz="1200" b="1" dirty="0" smtClean="0">
+                <a:latin typeface="Courier New" panose="02070309020205020404" pitchFamily="49" charset="0"/>
+                <a:cs typeface="Courier New" panose="02070309020205020404" pitchFamily="49" charset="0"/>
+              </a:rPr>
+              <a:t>VLAN 500</a:t>
+            </a:r>
+            <a:endParaRPr lang="en-US" sz="1200" b="1" dirty="0">
+              <a:latin typeface="Courier New" panose="02070309020205020404" pitchFamily="49" charset="0"/>
+              <a:cs typeface="Courier New" panose="02070309020205020404" pitchFamily="49" charset="0"/>
+            </a:endParaRPr>
+          </a:p>
         </p:txBody>
       </p:sp>
       <p:sp>
@@ -4772,7 +5302,7 @@
                 <a:latin typeface="Courier New" panose="02070309020205020404" pitchFamily="49" charset="0"/>
                 <a:cs typeface="Courier New" panose="02070309020205020404" pitchFamily="49" charset="0"/>
               </a:rPr>
-              <a:t>IP:10.64.64.3/24</a:t>
+              <a:t>IP:10.64.62.3/24</a:t>
             </a:r>
             <a:endParaRPr lang="en-US" sz="1200" b="1" dirty="0">
               <a:latin typeface="Courier New" panose="02070309020205020404" pitchFamily="49" charset="0"/>
@@ -4890,8 +5420,8 @@
         </p:nvSpPr>
         <p:spPr>
           <a:xfrm>
-            <a:off x="6040421" y="4512447"/>
-            <a:ext cx="3184506" cy="1200329"/>
+            <a:off x="5833061" y="4458438"/>
+            <a:ext cx="3109324" cy="1754326"/>
           </a:xfrm>
           <a:prstGeom prst="rect">
             <a:avLst/>
@@ -4940,31 +5470,77 @@
                 <a:latin typeface="Courier New" panose="02070309020205020404" pitchFamily="49" charset="0"/>
                 <a:cs typeface="Courier New" panose="02070309020205020404" pitchFamily="49" charset="0"/>
               </a:rPr>
-              <a:t>VLAN 100</a:t>
-            </a:r>
-          </a:p>
-          <a:p>
-            <a:r>
-              <a:rPr lang="en-US" sz="1200" b="1" dirty="0" smtClean="0">
-                <a:latin typeface="Courier New" panose="02070309020205020404" pitchFamily="49" charset="0"/>
-                <a:cs typeface="Courier New" panose="02070309020205020404" pitchFamily="49" charset="0"/>
-              </a:rPr>
-              <a:t>Default Gateway: </a:t>
-            </a:r>
-          </a:p>
-          <a:p>
-            <a:r>
-              <a:rPr lang="en-US" sz="1200" b="1" dirty="0" smtClean="0">
-                <a:latin typeface="Courier New" panose="02070309020205020404" pitchFamily="49" charset="0"/>
-                <a:cs typeface="Courier New" panose="02070309020205020404" pitchFamily="49" charset="0"/>
-              </a:rPr>
-              <a:t>192.168.64.251</a:t>
+              <a:t>IP1:10.64.62.13/24</a:t>
             </a:r>
             <a:endParaRPr lang="en-US" sz="1200" b="1" dirty="0">
               <a:latin typeface="Courier New" panose="02070309020205020404" pitchFamily="49" charset="0"/>
               <a:cs typeface="Courier New" panose="02070309020205020404" pitchFamily="49" charset="0"/>
             </a:endParaRPr>
           </a:p>
+          <a:p>
+            <a:r>
+              <a:rPr lang="en-US" sz="1200" b="1" dirty="0" smtClean="0">
+                <a:latin typeface="Courier New" panose="02070309020205020404" pitchFamily="49" charset="0"/>
+                <a:cs typeface="Courier New" panose="02070309020205020404" pitchFamily="49" charset="0"/>
+              </a:rPr>
+              <a:t>IP2:10.64.62.14/24</a:t>
+            </a:r>
+            <a:endParaRPr lang="en-US" sz="1200" b="1" dirty="0">
+              <a:latin typeface="Courier New" panose="02070309020205020404" pitchFamily="49" charset="0"/>
+              <a:cs typeface="Courier New" panose="02070309020205020404" pitchFamily="49" charset="0"/>
+            </a:endParaRPr>
+          </a:p>
+          <a:p>
+            <a:r>
+              <a:rPr lang="en-US" sz="1200" b="1" dirty="0" smtClean="0">
+                <a:latin typeface="Courier New" panose="02070309020205020404" pitchFamily="49" charset="0"/>
+                <a:cs typeface="Courier New" panose="02070309020205020404" pitchFamily="49" charset="0"/>
+              </a:rPr>
+              <a:t>IP3:10.64.62.15/24</a:t>
+            </a:r>
+            <a:endParaRPr lang="en-US" sz="1200" b="1" dirty="0" smtClean="0">
+              <a:latin typeface="Courier New" panose="02070309020205020404" pitchFamily="49" charset="0"/>
+              <a:cs typeface="Courier New" panose="02070309020205020404" pitchFamily="49" charset="0"/>
+            </a:endParaRPr>
+          </a:p>
+          <a:p>
+            <a:r>
+              <a:rPr lang="en-US" sz="1200" b="1" dirty="0" smtClean="0">
+                <a:latin typeface="Courier New" panose="02070309020205020404" pitchFamily="49" charset="0"/>
+                <a:cs typeface="Courier New" panose="02070309020205020404" pitchFamily="49" charset="0"/>
+              </a:rPr>
+              <a:t>VLAN </a:t>
+            </a:r>
+            <a:r>
+              <a:rPr lang="en-US" sz="1200" b="1" dirty="0" smtClean="0">
+                <a:latin typeface="Courier New" panose="02070309020205020404" pitchFamily="49" charset="0"/>
+                <a:cs typeface="Courier New" panose="02070309020205020404" pitchFamily="49" charset="0"/>
+              </a:rPr>
+              <a:t>100</a:t>
+            </a:r>
+          </a:p>
+          <a:p>
+            <a:r>
+              <a:rPr lang="en-US" sz="1200" b="1" dirty="0" smtClean="0">
+                <a:latin typeface="Courier New" panose="02070309020205020404" pitchFamily="49" charset="0"/>
+                <a:cs typeface="Courier New" panose="02070309020205020404" pitchFamily="49" charset="0"/>
+              </a:rPr>
+              <a:t>Default Gateway: </a:t>
+            </a:r>
+          </a:p>
+          <a:p>
+            <a:r>
+              <a:rPr lang="en-US" sz="1200" b="1" dirty="0" smtClean="0">
+                <a:latin typeface="Courier New" panose="02070309020205020404" pitchFamily="49" charset="0"/>
+                <a:cs typeface="Courier New" panose="02070309020205020404" pitchFamily="49" charset="0"/>
+              </a:rPr>
+              <a:t>192.168.64.251</a:t>
+            </a:r>
+            <a:endParaRPr lang="en-US" sz="1200" b="1" dirty="0">
+              <a:latin typeface="Courier New" panose="02070309020205020404" pitchFamily="49" charset="0"/>
+              <a:cs typeface="Courier New" panose="02070309020205020404" pitchFamily="49" charset="0"/>
+            </a:endParaRPr>
+          </a:p>
         </p:txBody>
       </p:sp>
       <p:sp>
@@ -5038,7 +5614,7 @@
         </p:nvSpPr>
         <p:spPr>
           <a:xfrm>
-            <a:off x="5812839" y="5751150"/>
+            <a:off x="5703428" y="6094912"/>
             <a:ext cx="3184506" cy="830997"/>
           </a:xfrm>
           <a:prstGeom prst="rect">
@@ -5120,17 +5696,39 @@
                 <a:latin typeface="Courier New" panose="02070309020205020404" pitchFamily="49" charset="0"/>
                 <a:cs typeface="Courier New" panose="02070309020205020404" pitchFamily="49" charset="0"/>
               </a:rPr>
-              <a:t>Fa0/0: 10.64.64.2/24</a:t>
-            </a:r>
-          </a:p>
-          <a:p>
+              <a:t>Fa0/0: </a:t>
+            </a:r>
             <a:r>
               <a:rPr lang="en-US" sz="1200" b="1" dirty="0" smtClean="0">
                 <a:latin typeface="Courier New" panose="02070309020205020404" pitchFamily="49" charset="0"/>
                 <a:cs typeface="Courier New" panose="02070309020205020404" pitchFamily="49" charset="0"/>
               </a:rPr>
-              <a:t>Fa1/0: 10.64.64.6/24</a:t>
-            </a:r>
+              <a:t>10.64.62.2/24</a:t>
+            </a:r>
+            <a:endParaRPr lang="en-US" sz="1200" b="1" dirty="0" smtClean="0">
+              <a:latin typeface="Courier New" panose="02070309020205020404" pitchFamily="49" charset="0"/>
+              <a:cs typeface="Courier New" panose="02070309020205020404" pitchFamily="49" charset="0"/>
+            </a:endParaRPr>
+          </a:p>
+          <a:p>
+            <a:r>
+              <a:rPr lang="en-US" sz="1200" b="1" dirty="0" smtClean="0">
+                <a:latin typeface="Courier New" panose="02070309020205020404" pitchFamily="49" charset="0"/>
+                <a:cs typeface="Courier New" panose="02070309020205020404" pitchFamily="49" charset="0"/>
+              </a:rPr>
+              <a:t>Fa1/0: </a:t>
+            </a:r>
+            <a:r>
+              <a:rPr lang="en-US" sz="1200" b="1" dirty="0" smtClean="0">
+                <a:latin typeface="Courier New" panose="02070309020205020404" pitchFamily="49" charset="0"/>
+                <a:cs typeface="Courier New" panose="02070309020205020404" pitchFamily="49" charset="0"/>
+              </a:rPr>
+              <a:t>10.64.62.6/24</a:t>
+            </a:r>
+            <a:endParaRPr lang="en-US" sz="1200" b="1" dirty="0" smtClean="0">
+              <a:latin typeface="Courier New" panose="02070309020205020404" pitchFamily="49" charset="0"/>
+              <a:cs typeface="Courier New" panose="02070309020205020404" pitchFamily="49" charset="0"/>
+            </a:endParaRPr>
           </a:p>
           <a:p>
             <a:r>
@@ -5299,7 +5897,7 @@
         </p:nvSpPr>
         <p:spPr>
           <a:xfrm>
-            <a:off x="8323360" y="3462064"/>
+            <a:off x="8788091" y="3041090"/>
             <a:ext cx="673985" cy="276999"/>
           </a:xfrm>
           <a:prstGeom prst="rect">
@@ -5318,7 +5916,7 @@
                 <a:latin typeface="Courier New" panose="02070309020205020404" pitchFamily="49" charset="0"/>
                 <a:cs typeface="Courier New" panose="02070309020205020404" pitchFamily="49" charset="0"/>
               </a:rPr>
-              <a:t>Fa0/0</a:t>
+              <a:t>Fa1/0</a:t>
             </a:r>
             <a:endParaRPr lang="en-US" sz="1200" dirty="0">
               <a:latin typeface="Courier New" panose="02070309020205020404" pitchFamily="49" charset="0"/>
@@ -5616,7 +6214,7 @@
         </p:nvSpPr>
         <p:spPr>
           <a:xfrm>
-            <a:off x="1251855" y="6125941"/>
+            <a:off x="1190265" y="6111965"/>
             <a:ext cx="3184506" cy="1015663"/>
           </a:xfrm>
           <a:prstGeom prst="rect">
@@ -5681,7 +6279,7 @@
         </p:nvSpPr>
         <p:spPr>
           <a:xfrm>
-            <a:off x="1262419" y="5399404"/>
+            <a:off x="1244716" y="5363311"/>
             <a:ext cx="3184506" cy="1015663"/>
           </a:xfrm>
           <a:prstGeom prst="rect">
@@ -5848,8 +6446,232 @@
                 <a:latin typeface="Courier New" panose="02070309020205020404" pitchFamily="49" charset="0"/>
                 <a:cs typeface="Courier New" panose="02070309020205020404" pitchFamily="49" charset="0"/>
               </a:rPr>
-              <a:t>VLAN 400</a:t>
-            </a:r>
+              <a:t>VLAN </a:t>
+            </a:r>
+            <a:r>
+              <a:rPr lang="en-US" sz="1200" b="1" dirty="0">
+                <a:latin typeface="Courier New" panose="02070309020205020404" pitchFamily="49" charset="0"/>
+                <a:cs typeface="Courier New" panose="02070309020205020404" pitchFamily="49" charset="0"/>
+              </a:rPr>
+              <a:t>3</a:t>
+            </a:r>
+            <a:r>
+              <a:rPr lang="en-US" sz="1200" b="1" dirty="0" smtClean="0">
+                <a:latin typeface="Courier New" panose="02070309020205020404" pitchFamily="49" charset="0"/>
+                <a:cs typeface="Courier New" panose="02070309020205020404" pitchFamily="49" charset="0"/>
+              </a:rPr>
+              <a:t>00</a:t>
+            </a:r>
+            <a:endParaRPr lang="en-US" sz="1200" b="1" dirty="0" smtClean="0">
+              <a:latin typeface="Courier New" panose="02070309020205020404" pitchFamily="49" charset="0"/>
+              <a:cs typeface="Courier New" panose="02070309020205020404" pitchFamily="49" charset="0"/>
+            </a:endParaRPr>
+          </a:p>
+        </p:txBody>
+      </p:sp>
+      <p:pic>
+        <p:nvPicPr>
+          <p:cNvPr id="1026" name="Picture 2" descr="Image result for linksys wireless n router"/>
+          <p:cNvPicPr>
+            <a:picLocks noChangeAspect="1" noChangeArrowheads="1"/>
+          </p:cNvPicPr>
+          <p:nvPr/>
+        </p:nvPicPr>
+        <p:blipFill>
+          <a:blip r:embed="rId3" cstate="print">
+            <a:extLst>
+              <a:ext uri="{28A0092B-C50C-407E-A947-70E740481C1C}">
+                <a14:useLocalDpi xmlns:a14="http://schemas.microsoft.com/office/drawing/2010/main" val="0"/>
+              </a:ext>
+            </a:extLst>
+          </a:blip>
+          <a:srcRect/>
+          <a:stretch>
+            <a:fillRect/>
+          </a:stretch>
+        </p:blipFill>
+        <p:spPr bwMode="auto">
+          <a:xfrm>
+            <a:off x="493802" y="3459780"/>
+            <a:ext cx="370815" cy="370815"/>
+          </a:xfrm>
+          <a:prstGeom prst="rect">
+            <a:avLst/>
+          </a:prstGeom>
+          <a:noFill/>
+          <a:extLst>
+            <a:ext uri="{909E8E84-426E-40DD-AFC4-6F175D3DCCD1}">
+              <a14:hiddenFill xmlns:a14="http://schemas.microsoft.com/office/drawing/2010/main">
+                <a:solidFill>
+                  <a:srgbClr val="FFFFFF"/>
+                </a:solidFill>
+              </a14:hiddenFill>
+            </a:ext>
+          </a:extLst>
+        </p:spPr>
+      </p:pic>
+      <p:sp>
+        <p:nvSpPr>
+          <p:cNvPr id="37" name="TextBox 36"/>
+          <p:cNvSpPr txBox="1"/>
+          <p:nvPr/>
+        </p:nvSpPr>
+        <p:spPr>
+          <a:xfrm>
+            <a:off x="-57936" y="3714171"/>
+            <a:ext cx="3184506" cy="1015663"/>
+          </a:xfrm>
+          <a:prstGeom prst="rect">
+            <a:avLst/>
+          </a:prstGeom>
+          <a:noFill/>
+        </p:spPr>
+        <p:txBody>
+          <a:bodyPr wrap="square" rtlCol="0">
+            <a:spAutoFit/>
+          </a:bodyPr>
+          <a:lstStyle/>
+          <a:p>
+            <a:r>
+              <a:rPr lang="en-US" sz="1200" b="1" dirty="0" smtClean="0">
+                <a:latin typeface="Courier New" panose="02070309020205020404" pitchFamily="49" charset="0"/>
+                <a:cs typeface="Courier New" panose="02070309020205020404" pitchFamily="49" charset="0"/>
+              </a:rPr>
+              <a:t>IP:192.168.74.132/29</a:t>
+            </a:r>
+            <a:endParaRPr lang="en-US" sz="1200" b="1" dirty="0" smtClean="0">
+              <a:latin typeface="Courier New" panose="02070309020205020404" pitchFamily="49" charset="0"/>
+              <a:cs typeface="Courier New" panose="02070309020205020404" pitchFamily="49" charset="0"/>
+            </a:endParaRPr>
+          </a:p>
+          <a:p>
+            <a:r>
+              <a:rPr lang="en-US" sz="1200" b="1" dirty="0" smtClean="0">
+                <a:latin typeface="Courier New" panose="02070309020205020404" pitchFamily="49" charset="0"/>
+                <a:cs typeface="Courier New" panose="02070309020205020404" pitchFamily="49" charset="0"/>
+              </a:rPr>
+              <a:t>VLAN 300</a:t>
+            </a:r>
+          </a:p>
+          <a:p>
+            <a:r>
+              <a:rPr lang="en-US" sz="1200" b="1" dirty="0" smtClean="0">
+                <a:latin typeface="Courier New" panose="02070309020205020404" pitchFamily="49" charset="0"/>
+                <a:cs typeface="Courier New" panose="02070309020205020404" pitchFamily="49" charset="0"/>
+              </a:rPr>
+              <a:t>Default Gateway:</a:t>
+            </a:r>
+          </a:p>
+          <a:p>
+            <a:r>
+              <a:rPr lang="en-US" sz="1200" b="1" dirty="0" smtClean="0">
+                <a:latin typeface="Courier New" panose="02070309020205020404" pitchFamily="49" charset="0"/>
+                <a:cs typeface="Courier New" panose="02070309020205020404" pitchFamily="49" charset="0"/>
+              </a:rPr>
+              <a:t>192.168.74.133</a:t>
+            </a:r>
+          </a:p>
+          <a:p>
+            <a:endParaRPr lang="en-US" sz="1200" b="1" dirty="0">
+              <a:latin typeface="Courier New" panose="02070309020205020404" pitchFamily="49" charset="0"/>
+              <a:cs typeface="Courier New" panose="02070309020205020404" pitchFamily="49" charset="0"/>
+            </a:endParaRPr>
+          </a:p>
+        </p:txBody>
+      </p:sp>
+      <p:cxnSp>
+        <p:nvCxnSpPr>
+          <p:cNvPr id="38" name="Straight Connector 37"/>
+          <p:cNvCxnSpPr/>
+          <p:nvPr/>
+        </p:nvCxnSpPr>
+        <p:spPr>
+          <a:xfrm>
+            <a:off x="940094" y="3627889"/>
+            <a:ext cx="526885" cy="9993"/>
+          </a:xfrm>
+          <a:prstGeom prst="line">
+            <a:avLst/>
+          </a:prstGeom>
+        </p:spPr>
+        <p:style>
+          <a:lnRef idx="3">
+            <a:schemeClr val="dk1"/>
+          </a:lnRef>
+          <a:fillRef idx="0">
+            <a:schemeClr val="dk1"/>
+          </a:fillRef>
+          <a:effectRef idx="2">
+            <a:schemeClr val="dk1"/>
+          </a:effectRef>
+          <a:fontRef idx="minor">
+            <a:schemeClr val="tx1"/>
+          </a:fontRef>
+        </p:style>
+      </p:cxnSp>
+      <p:cxnSp>
+        <p:nvCxnSpPr>
+          <p:cNvPr id="39" name="Straight Connector 38"/>
+          <p:cNvCxnSpPr/>
+          <p:nvPr/>
+        </p:nvCxnSpPr>
+        <p:spPr>
+          <a:xfrm>
+            <a:off x="6950921" y="2577467"/>
+            <a:ext cx="2053643" cy="803293"/>
+          </a:xfrm>
+          <a:prstGeom prst="line">
+            <a:avLst/>
+          </a:prstGeom>
+        </p:spPr>
+        <p:style>
+          <a:lnRef idx="3">
+            <a:schemeClr val="dk1"/>
+          </a:lnRef>
+          <a:fillRef idx="0">
+            <a:schemeClr val="dk1"/>
+          </a:fillRef>
+          <a:effectRef idx="2">
+            <a:schemeClr val="dk1"/>
+          </a:effectRef>
+          <a:fontRef idx="minor">
+            <a:schemeClr val="tx1"/>
+          </a:fontRef>
+        </p:style>
+      </p:cxnSp>
+      <p:sp>
+        <p:nvSpPr>
+          <p:cNvPr id="41" name="TextBox 40"/>
+          <p:cNvSpPr txBox="1"/>
+          <p:nvPr/>
+        </p:nvSpPr>
+        <p:spPr>
+          <a:xfrm>
+            <a:off x="8475760" y="3614464"/>
+            <a:ext cx="673985" cy="276999"/>
+          </a:xfrm>
+          <a:prstGeom prst="rect">
+            <a:avLst/>
+          </a:prstGeom>
+          <a:noFill/>
+        </p:spPr>
+        <p:txBody>
+          <a:bodyPr wrap="square" rtlCol="0">
+            <a:spAutoFit/>
+          </a:bodyPr>
+          <a:lstStyle/>
+          <a:p>
+            <a:r>
+              <a:rPr lang="en-US" sz="1200" dirty="0" smtClean="0">
+                <a:latin typeface="Courier New" panose="02070309020205020404" pitchFamily="49" charset="0"/>
+                <a:cs typeface="Courier New" panose="02070309020205020404" pitchFamily="49" charset="0"/>
+              </a:rPr>
+              <a:t>Fa0/0</a:t>
+            </a:r>
+            <a:endParaRPr lang="en-US" sz="1200" dirty="0">
+              <a:latin typeface="Courier New" panose="02070309020205020404" pitchFamily="49" charset="0"/>
+              <a:cs typeface="Courier New" panose="02070309020205020404" pitchFamily="49" charset="0"/>
+            </a:endParaRPr>
           </a:p>
         </p:txBody>
       </p:sp>
@@ -5923,14 +6745,14 @@
             <p:ph idx="1"/>
             <p:extLst>
               <p:ext uri="{D42A27DB-BD31-4B8C-83A1-F6EECF244321}">
-                <p14:modId xmlns:p14="http://schemas.microsoft.com/office/powerpoint/2010/main" val="3034109944"/>
+                <p14:modId xmlns:p14="http://schemas.microsoft.com/office/powerpoint/2010/main" val="1195067155"/>
               </p:ext>
             </p:extLst>
           </p:nvPr>
         </p:nvGraphicFramePr>
         <p:xfrm>
-          <a:off x="838200" y="1982144"/>
-          <a:ext cx="10515600" cy="1854200"/>
+          <a:off x="834081" y="2132059"/>
+          <a:ext cx="10515600" cy="1884189"/>
         </p:xfrm>
         <a:graphic>
           <a:graphicData uri="http://schemas.openxmlformats.org/drawingml/2006/table">
@@ -5945,7 +6767,7 @@
                 <a:gridCol w="2227099"/>
                 <a:gridCol w="1979141"/>
               </a:tblGrid>
-              <a:tr h="370840">
+              <a:tr h="400829">
                 <a:tc>
                   <a:txBody>
                     <a:bodyPr/>
@@ -6071,11 +6893,7 @@
                     <a:p>
                       <a:r>
                         <a:rPr lang="en-US" dirty="0" smtClean="0"/>
-                        <a:t>192.168.64.1-</a:t>
-                      </a:r>
-                      <a:r>
-                        <a:rPr lang="en-US" dirty="0" smtClean="0"/>
-                        <a:t>.255</a:t>
+                        <a:t>192.168.64.1-.255</a:t>
                       </a:r>
                       <a:endParaRPr lang="en-US" dirty="0"/>
                     </a:p>
@@ -6392,7 +7210,6 @@
                         <a:rPr lang="en-US" dirty="0" smtClean="0"/>
                         <a:t>255.255.255.252</a:t>
                       </a:r>
-                      <a:endParaRPr lang="en-US" dirty="0" smtClean="0"/>
                     </a:p>
                   </a:txBody>
                   <a:tcPr/>
@@ -6423,7 +7240,6 @@
                         <a:rPr lang="en-US" dirty="0" smtClean="0"/>
                         <a:t>192.168.74.138-.139</a:t>
                       </a:r>
-                      <a:endParaRPr lang="en-US" dirty="0" smtClean="0"/>
                     </a:p>
                   </a:txBody>
                   <a:tcPr/>
@@ -6454,7 +7270,6 @@
                         <a:rPr lang="en-US" dirty="0" smtClean="0"/>
                         <a:t>192.168.74.140</a:t>
                       </a:r>
-                      <a:endParaRPr lang="en-US" dirty="0" smtClean="0"/>
                     </a:p>
                   </a:txBody>
                   <a:tcPr/>
@@ -6472,7 +7287,7 @@
         </p:nvSpPr>
         <p:spPr>
           <a:xfrm>
-            <a:off x="691978" y="1499286"/>
+            <a:off x="691978" y="1762727"/>
             <a:ext cx="10799806" cy="369332"/>
           </a:xfrm>
           <a:prstGeom prst="rect">
@@ -6503,7 +7318,7 @@
         </p:nvSpPr>
         <p:spPr>
           <a:xfrm>
-            <a:off x="691978" y="3889669"/>
+            <a:off x="834081" y="3968109"/>
             <a:ext cx="10799806" cy="369332"/>
           </a:xfrm>
           <a:prstGeom prst="rect">
@@ -6535,14 +7350,14 @@
           <p:nvPr>
             <p:extLst>
               <p:ext uri="{D42A27DB-BD31-4B8C-83A1-F6EECF244321}">
-                <p14:modId xmlns:p14="http://schemas.microsoft.com/office/powerpoint/2010/main" val="4016634941"/>
+                <p14:modId xmlns:p14="http://schemas.microsoft.com/office/powerpoint/2010/main" val="480634899"/>
               </p:ext>
             </p:extLst>
           </p:nvPr>
         </p:nvGraphicFramePr>
         <p:xfrm>
-          <a:off x="838200" y="4352088"/>
-          <a:ext cx="4206240" cy="1381760"/>
+          <a:off x="232636" y="4355591"/>
+          <a:ext cx="3260372" cy="1645920"/>
         </p:xfrm>
         <a:graphic>
           <a:graphicData uri="http://schemas.openxmlformats.org/drawingml/2006/table">
@@ -6551,10 +7366,10 @@
                 <a:tableStyleId>{21E4AEA4-8DFA-4A89-87EB-49C32662AFE0}</a:tableStyleId>
               </a:tblPr>
               <a:tblGrid>
-                <a:gridCol w="2103120"/>
-                <a:gridCol w="2103120"/>
+                <a:gridCol w="1639573"/>
+                <a:gridCol w="1620799"/>
               </a:tblGrid>
-              <a:tr h="370840">
+              <a:tr h="327327">
                 <a:tc>
                   <a:txBody>
                     <a:bodyPr/>
@@ -6606,7 +7421,13 @@
                     <a:p>
                       <a:r>
                         <a:rPr lang="en-US" dirty="0" smtClean="0"/>
-                        <a:t>10.64.64.1</a:t>
+                        <a:t>10.64.62.1</a:t>
+                      </a:r>
+                    </a:p>
+                    <a:p>
+                      <a:r>
+                        <a:rPr lang="en-US" dirty="0" smtClean="0"/>
+                        <a:t>10.64.62.7</a:t>
                       </a:r>
                       <a:endParaRPr lang="en-US" dirty="0"/>
                     </a:p>
@@ -6636,13 +7457,14 @@
                     <a:p>
                       <a:r>
                         <a:rPr lang="en-US" dirty="0" smtClean="0"/>
-                        <a:t>10.64.64.2</a:t>
+                        <a:t>10.64.62.2</a:t>
                       </a:r>
+                      <a:endParaRPr lang="en-US" dirty="0" smtClean="0"/>
                     </a:p>
                     <a:p>
                       <a:r>
                         <a:rPr lang="en-US" dirty="0" smtClean="0"/>
-                        <a:t>10.64.64.6</a:t>
+                        <a:t>10.64.62.6</a:t>
                       </a:r>
                       <a:endParaRPr lang="en-US" dirty="0"/>
                     </a:p>
@@ -6663,13 +7485,13 @@
           <p:nvPr>
             <p:extLst>
               <p:ext uri="{D42A27DB-BD31-4B8C-83A1-F6EECF244321}">
-                <p14:modId xmlns:p14="http://schemas.microsoft.com/office/powerpoint/2010/main" val="1921345909"/>
+                <p14:modId xmlns:p14="http://schemas.microsoft.com/office/powerpoint/2010/main" val="3304170830"/>
               </p:ext>
             </p:extLst>
           </p:nvPr>
         </p:nvGraphicFramePr>
         <p:xfrm>
-          <a:off x="7147560" y="4352088"/>
+          <a:off x="7775530" y="4391892"/>
           <a:ext cx="4206240" cy="1483360"/>
         </p:xfrm>
         <a:graphic>
@@ -6734,7 +7556,7 @@
                     <a:p>
                       <a:r>
                         <a:rPr lang="en-US" dirty="0" smtClean="0"/>
-                        <a:t>10.64.64.3</a:t>
+                        <a:t>10.64.62.3</a:t>
                       </a:r>
                       <a:endParaRPr lang="en-US" dirty="0"/>
                     </a:p>
@@ -6764,7 +7586,7 @@
                     <a:p>
                       <a:r>
                         <a:rPr lang="en-US" dirty="0" smtClean="0"/>
-                        <a:t>10.64.64.4</a:t>
+                        <a:t>10.64.62.4</a:t>
                       </a:r>
                       <a:endParaRPr lang="en-US" dirty="0"/>
                     </a:p>
@@ -6794,8 +7616,9 @@
                     <a:p>
                       <a:r>
                         <a:rPr lang="en-US" dirty="0" smtClean="0"/>
-                        <a:t>10.64.64.5</a:t>
+                        <a:t>10.64.62.5</a:t>
                       </a:r>
+                      <a:endParaRPr lang="en-US" dirty="0" smtClean="0"/>
                     </a:p>
                   </a:txBody>
                   <a:tcPr/>
@@ -6813,7 +7636,7 @@
         </p:nvSpPr>
         <p:spPr>
           <a:xfrm>
-            <a:off x="3251886" y="5920022"/>
+            <a:off x="2931846" y="6025125"/>
             <a:ext cx="5679990" cy="369332"/>
           </a:xfrm>
           <a:prstGeom prst="rect">
@@ -6836,6 +7659,121 @@
           </a:p>
         </p:txBody>
       </p:sp>
+      <p:graphicFrame>
+        <p:nvGraphicFramePr>
+          <p:cNvPr id="10" name="Content Placeholder 3"/>
+          <p:cNvGraphicFramePr>
+            <a:graphicFrameLocks/>
+          </p:cNvGraphicFramePr>
+          <p:nvPr>
+            <p:extLst>
+              <p:ext uri="{D42A27DB-BD31-4B8C-83A1-F6EECF244321}">
+                <p14:modId xmlns:p14="http://schemas.microsoft.com/office/powerpoint/2010/main" val="1116285074"/>
+              </p:ext>
+            </p:extLst>
+          </p:nvPr>
+        </p:nvGraphicFramePr>
+        <p:xfrm>
+          <a:off x="4173206" y="4395078"/>
+          <a:ext cx="3197270" cy="1280160"/>
+        </p:xfrm>
+        <a:graphic>
+          <a:graphicData uri="http://schemas.openxmlformats.org/drawingml/2006/table">
+            <a:tbl>
+              <a:tblPr firstRow="1" bandRow="1">
+                <a:tableStyleId>{21E4AEA4-8DFA-4A89-87EB-49C32662AFE0}</a:tableStyleId>
+              </a:tblPr>
+              <a:tblGrid>
+                <a:gridCol w="1598635"/>
+                <a:gridCol w="1598635"/>
+              </a:tblGrid>
+              <a:tr h="323969">
+                <a:tc>
+                  <a:txBody>
+                    <a:bodyPr/>
+                    <a:lstStyle/>
+                    <a:p>
+                      <a:r>
+                        <a:rPr lang="en-US" dirty="0" smtClean="0"/>
+                        <a:t>Location</a:t>
+                      </a:r>
+                      <a:endParaRPr lang="en-US" dirty="0"/>
+                    </a:p>
+                  </a:txBody>
+                  <a:tcPr/>
+                </a:tc>
+                <a:tc>
+                  <a:txBody>
+                    <a:bodyPr/>
+                    <a:lstStyle/>
+                    <a:p>
+                      <a:r>
+                        <a:rPr lang="en-US" dirty="0" smtClean="0"/>
+                        <a:t>Network</a:t>
+                      </a:r>
+                      <a:endParaRPr lang="en-US" dirty="0"/>
+                    </a:p>
+                  </a:txBody>
+                  <a:tcPr/>
+                </a:tc>
+              </a:tr>
+              <a:tr h="370840">
+                <a:tc>
+                  <a:txBody>
+                    <a:bodyPr/>
+                    <a:lstStyle/>
+                    <a:p>
+                      <a:r>
+                        <a:rPr lang="en-US" dirty="0" smtClean="0"/>
+                        <a:t>FOB </a:t>
+                      </a:r>
+                      <a:r>
+                        <a:rPr lang="en-US" dirty="0" smtClean="0"/>
+                        <a:t>BLISS</a:t>
+                      </a:r>
+                      <a:endParaRPr lang="en-US" baseline="0" dirty="0" smtClean="0"/>
+                    </a:p>
+                    <a:p>
+                      <a:r>
+                        <a:rPr lang="en-US" baseline="0" dirty="0" smtClean="0"/>
+                        <a:t>Servers</a:t>
+                      </a:r>
+                      <a:endParaRPr lang="en-US" dirty="0"/>
+                    </a:p>
+                  </a:txBody>
+                  <a:tcPr/>
+                </a:tc>
+                <a:tc>
+                  <a:txBody>
+                    <a:bodyPr/>
+                    <a:lstStyle/>
+                    <a:p>
+                      <a:r>
+                        <a:rPr lang="en-US" dirty="0" smtClean="0"/>
+                        <a:t>10.64.62.13</a:t>
+                      </a:r>
+                    </a:p>
+                    <a:p>
+                      <a:r>
+                        <a:rPr lang="en-US" dirty="0" smtClean="0"/>
+                        <a:t>10.64.62.14</a:t>
+                      </a:r>
+                    </a:p>
+                    <a:p>
+                      <a:r>
+                        <a:rPr lang="en-US" dirty="0" smtClean="0"/>
+                        <a:t>10.64.62.15</a:t>
+                      </a:r>
+                      <a:endParaRPr lang="en-US" dirty="0"/>
+                    </a:p>
+                  </a:txBody>
+                  <a:tcPr/>
+                </a:tc>
+              </a:tr>
+            </a:tbl>
+          </a:graphicData>
+        </a:graphic>
+      </p:graphicFrame>
     </p:spTree>
     <p:extLst>
       <p:ext uri="{BB962C8B-B14F-4D97-AF65-F5344CB8AC3E}">
@@ -7017,7 +7955,7 @@
                     <a:p>
                       <a:r>
                         <a:rPr lang="en-US" dirty="0" smtClean="0"/>
-                        <a:t>10.64.64.50</a:t>
+                        <a:t>10.64.62.50</a:t>
                       </a:r>
                       <a:endParaRPr lang="en-US" dirty="0"/>
                     </a:p>
@@ -7082,7 +8020,7 @@
                       </a:pPr>
                       <a:r>
                         <a:rPr lang="en-US" dirty="0" smtClean="0"/>
-                        <a:t>10.64.64.10</a:t>
+                        <a:t>10.64.62.10</a:t>
                       </a:r>
                       <a:endParaRPr lang="en-US" dirty="0" smtClean="0"/>
                     </a:p>
@@ -7146,7 +8084,7 @@
                       </a:pPr>
                       <a:r>
                         <a:rPr lang="en-US" dirty="0" smtClean="0"/>
-                        <a:t>10.64.64.20</a:t>
+                        <a:t>10.64.62.20</a:t>
                       </a:r>
                       <a:endParaRPr lang="en-US" dirty="0" smtClean="0"/>
                     </a:p>
@@ -7210,7 +8148,7 @@
                       </a:pPr>
                       <a:r>
                         <a:rPr lang="en-US" dirty="0" smtClean="0"/>
-                        <a:t>10.64.64.30</a:t>
+                        <a:t>10.64.62.30</a:t>
                       </a:r>
                       <a:endParaRPr lang="en-US" dirty="0" smtClean="0"/>
                     </a:p>
@@ -7297,10 +8235,198 @@
         </p:nvSpPr>
         <p:spPr/>
         <p:txBody>
-          <a:bodyPr/>
-          <a:lstStyle/>
-          <a:p>
-            <a:endParaRPr lang="en-US"/>
+          <a:bodyPr>
+            <a:normAutofit/>
+          </a:bodyPr>
+          <a:lstStyle/>
+          <a:p>
+            <a:pPr>
+              <a:buFont typeface="Arial" panose="020B0604020202020204" pitchFamily="34" charset="0"/>
+              <a:buChar char="•"/>
+            </a:pPr>
+            <a:r>
+              <a:rPr lang="en-US" dirty="0"/>
+              <a:t> </a:t>
+            </a:r>
+            <a:r>
+              <a:rPr lang="en-US" dirty="0" smtClean="0"/>
+              <a:t>Will implement </a:t>
+            </a:r>
+            <a:r>
+              <a:rPr lang="en-US" dirty="0" err="1" smtClean="0"/>
+              <a:t>ospf</a:t>
+            </a:r>
+            <a:r>
+              <a:rPr lang="en-US" dirty="0" smtClean="0"/>
+              <a:t> dynamic routing protocol</a:t>
+            </a:r>
+          </a:p>
+          <a:p>
+            <a:pPr>
+              <a:buFont typeface="Arial" panose="020B0604020202020204" pitchFamily="34" charset="0"/>
+              <a:buChar char="•"/>
+            </a:pPr>
+            <a:r>
+              <a:rPr lang="en-US" dirty="0" smtClean="0"/>
+              <a:t>For each router</a:t>
+            </a:r>
+          </a:p>
+          <a:p>
+            <a:pPr lvl="1">
+              <a:buFont typeface="Arial" panose="020B0604020202020204" pitchFamily="34" charset="0"/>
+              <a:buChar char="•"/>
+            </a:pPr>
+            <a:r>
+              <a:rPr lang="en-US" dirty="0" smtClean="0"/>
+              <a:t>Router(</a:t>
+            </a:r>
+            <a:r>
+              <a:rPr lang="en-US" dirty="0" err="1" smtClean="0"/>
+              <a:t>config</a:t>
+            </a:r>
+            <a:r>
+              <a:rPr lang="en-US" dirty="0" smtClean="0"/>
+              <a:t>)#router </a:t>
+            </a:r>
+            <a:r>
+              <a:rPr lang="en-US" dirty="0" err="1"/>
+              <a:t>ospf</a:t>
+            </a:r>
+            <a:r>
+              <a:rPr lang="en-US" dirty="0"/>
+              <a:t> 1</a:t>
+            </a:r>
+            <a:endParaRPr lang="en-US" dirty="0" smtClean="0"/>
+          </a:p>
+          <a:p>
+            <a:pPr lvl="1">
+              <a:buFont typeface="Arial" panose="020B0604020202020204" pitchFamily="34" charset="0"/>
+              <a:buChar char="•"/>
+            </a:pPr>
+            <a:r>
+              <a:rPr lang="en-US" dirty="0"/>
+              <a:t>Router(</a:t>
+            </a:r>
+            <a:r>
+              <a:rPr lang="en-US" dirty="0" err="1"/>
+              <a:t>config</a:t>
+            </a:r>
+            <a:r>
+              <a:rPr lang="en-US" dirty="0"/>
+              <a:t>-router)#network 10.64.62.0 0.0.0.255 area </a:t>
+            </a:r>
+            <a:r>
+              <a:rPr lang="en-US" dirty="0" smtClean="0"/>
+              <a:t>0</a:t>
+            </a:r>
+          </a:p>
+          <a:p>
+            <a:pPr lvl="1">
+              <a:buFont typeface="Arial" panose="020B0604020202020204" pitchFamily="34" charset="0"/>
+              <a:buChar char="•"/>
+            </a:pPr>
+            <a:r>
+              <a:rPr lang="en-US" dirty="0" smtClean="0"/>
+              <a:t>As well as loopbacks</a:t>
+            </a:r>
+          </a:p>
+          <a:p>
+            <a:pPr>
+              <a:buFont typeface="Arial" panose="020B0604020202020204" pitchFamily="34" charset="0"/>
+              <a:buChar char="•"/>
+            </a:pPr>
+            <a:r>
+              <a:rPr lang="en-US" dirty="0" smtClean="0"/>
+              <a:t>Each router will also configure their own internal </a:t>
+            </a:r>
+            <a:r>
+              <a:rPr lang="en-US" dirty="0" err="1" smtClean="0"/>
+              <a:t>ip</a:t>
+            </a:r>
+            <a:r>
+              <a:rPr lang="en-US" dirty="0" smtClean="0"/>
+              <a:t> space using </a:t>
+            </a:r>
+            <a:r>
+              <a:rPr lang="en-US" dirty="0" err="1" smtClean="0"/>
+              <a:t>ospf</a:t>
+            </a:r>
+            <a:endParaRPr lang="en-US" dirty="0" smtClean="0"/>
+          </a:p>
+          <a:p>
+            <a:pPr lvl="1">
+              <a:buFont typeface="Arial" panose="020B0604020202020204" pitchFamily="34" charset="0"/>
+              <a:buChar char="•"/>
+            </a:pPr>
+            <a:r>
+              <a:rPr lang="en-US" dirty="0"/>
+              <a:t>Router(</a:t>
+            </a:r>
+            <a:r>
+              <a:rPr lang="en-US" dirty="0" err="1"/>
+              <a:t>config</a:t>
+            </a:r>
+            <a:r>
+              <a:rPr lang="en-US" dirty="0"/>
+              <a:t>-router)#network 192.168.64.0 0.0.0.255 area 0</a:t>
+            </a:r>
+          </a:p>
+          <a:p>
+            <a:pPr lvl="1">
+              <a:buFont typeface="Arial" panose="020B0604020202020204" pitchFamily="34" charset="0"/>
+              <a:buChar char="•"/>
+            </a:pPr>
+            <a:r>
+              <a:rPr lang="en-US" dirty="0"/>
+              <a:t>Router(</a:t>
+            </a:r>
+            <a:r>
+              <a:rPr lang="en-US" dirty="0" err="1"/>
+              <a:t>config</a:t>
+            </a:r>
+            <a:r>
+              <a:rPr lang="en-US" dirty="0"/>
+              <a:t>-router)#network 192.168.74.0 0.0.0.129 area 0</a:t>
+            </a:r>
+          </a:p>
+          <a:p>
+            <a:pPr lvl="1">
+              <a:buFont typeface="Arial" panose="020B0604020202020204" pitchFamily="34" charset="0"/>
+              <a:buChar char="•"/>
+            </a:pPr>
+            <a:r>
+              <a:rPr lang="en-US" dirty="0"/>
+              <a:t>Router(</a:t>
+            </a:r>
+            <a:r>
+              <a:rPr lang="en-US" dirty="0" err="1"/>
+              <a:t>config</a:t>
+            </a:r>
+            <a:r>
+              <a:rPr lang="en-US" dirty="0"/>
+              <a:t>-router)#network 192.168.74.128 0.0.0.9 area </a:t>
+            </a:r>
+            <a:r>
+              <a:rPr lang="en-US" dirty="0" smtClean="0"/>
+              <a:t>0</a:t>
+            </a:r>
+          </a:p>
+          <a:p>
+            <a:pPr>
+              <a:buFont typeface="Arial" panose="020B0604020202020204" pitchFamily="34" charset="0"/>
+              <a:buChar char="•"/>
+            </a:pPr>
+            <a:r>
+              <a:rPr lang="en-US" dirty="0" smtClean="0"/>
+              <a:t>Each router will have default route set to next router</a:t>
+            </a:r>
+          </a:p>
+          <a:p>
+            <a:pPr>
+              <a:buFont typeface="Arial" panose="020B0604020202020204" pitchFamily="34" charset="0"/>
+              <a:buChar char="•"/>
+            </a:pPr>
+            <a:endParaRPr lang="en-US" dirty="0"/>
           </a:p>
         </p:txBody>
       </p:sp>
@@ -7379,7 +8505,40 @@
           <a:bodyPr/>
           <a:lstStyle/>
           <a:p>
-            <a:endParaRPr lang="en-US"/>
+            <a:r>
+              <a:rPr lang="en-US" dirty="0" smtClean="0"/>
+              <a:t>PAT</a:t>
+            </a:r>
+          </a:p>
+          <a:p>
+            <a:pPr>
+              <a:buFont typeface="Arial" panose="020B0604020202020204" pitchFamily="34" charset="0"/>
+              <a:buChar char="•"/>
+            </a:pPr>
+            <a:r>
+              <a:rPr lang="en-US" dirty="0" smtClean="0"/>
+              <a:t>All user computers will be covered using PAT, so that traffic from each comes through one public address per router</a:t>
+            </a:r>
+          </a:p>
+          <a:p>
+            <a:pPr marL="0" indent="0">
+              <a:buNone/>
+            </a:pPr>
+            <a:r>
+              <a:rPr lang="en-US" dirty="0" smtClean="0"/>
+              <a:t>Dynamic NAT</a:t>
+            </a:r>
+          </a:p>
+          <a:p>
+            <a:pPr>
+              <a:buFont typeface="Arial" panose="020B0604020202020204" pitchFamily="34" charset="0"/>
+              <a:buChar char="•"/>
+            </a:pPr>
+            <a:r>
+              <a:rPr lang="en-US" dirty="0" smtClean="0"/>
+              <a:t>Server private addresses will be translated to public addresses so that each can be individually address by all computers on the network.</a:t>
+            </a:r>
+            <a:endParaRPr lang="en-US" dirty="0"/>
           </a:p>
         </p:txBody>
       </p:sp>
